--- a/DDS Presentation .pptx
+++ b/DDS Presentation .pptx
@@ -2,8 +2,11 @@
 <file path=ppt/presentation.xml><?xml version="1.0" encoding="utf-8"?>
 <p:presentation xmlns:a="http://schemas.openxmlformats.org/drawingml/2006/main" xmlns:r="http://schemas.openxmlformats.org/officeDocument/2006/relationships" xmlns:p="http://schemas.openxmlformats.org/presentationml/2006/main" saveSubsetFonts="1">
   <p:sldMasterIdLst>
-    <p:sldMasterId id="2147483788" r:id="rId1"/>
+    <p:sldMasterId id="2147483800" r:id="rId1"/>
   </p:sldMasterIdLst>
+  <p:notesMasterIdLst>
+    <p:notesMasterId r:id="rId13"/>
+  </p:notesMasterIdLst>
   <p:sldIdLst>
     <p:sldId id="256" r:id="rId2"/>
     <p:sldId id="257" r:id="rId3"/>
@@ -11,9 +14,11 @@
     <p:sldId id="258" r:id="rId5"/>
     <p:sldId id="259" r:id="rId6"/>
     <p:sldId id="260" r:id="rId7"/>
-    <p:sldId id="261" r:id="rId8"/>
-    <p:sldId id="262" r:id="rId9"/>
-    <p:sldId id="263" r:id="rId10"/>
+    <p:sldId id="266" r:id="rId8"/>
+    <p:sldId id="261" r:id="rId9"/>
+    <p:sldId id="262" r:id="rId10"/>
+    <p:sldId id="267" r:id="rId11"/>
+    <p:sldId id="263" r:id="rId12"/>
   </p:sldIdLst>
   <p:sldSz cx="12192000" cy="6858000"/>
   <p:notesSz cx="6858000" cy="9144000"/>
@@ -112,7 +117,445 @@
       </a:defRPr>
     </a:lvl9pPr>
   </p:defaultTextStyle>
+  <p:extLst>
+    <p:ext uri="{EFAFB233-063F-42B5-8137-9DF3F51BA10A}">
+      <p15:sldGuideLst xmlns:p15="http://schemas.microsoft.com/office/powerpoint/2012/main"/>
+    </p:ext>
+  </p:extLst>
 </p:presentation>
+</file>
+
+<file path=ppt/notesMasters/notesMaster1.xml><?xml version="1.0" encoding="utf-8"?>
+<p:notesMaster xmlns:a="http://schemas.openxmlformats.org/drawingml/2006/main" xmlns:r="http://schemas.openxmlformats.org/officeDocument/2006/relationships" xmlns:p="http://schemas.openxmlformats.org/presentationml/2006/main">
+  <p:cSld>
+    <p:bg>
+      <p:bgRef idx="1001">
+        <a:schemeClr val="bg1"/>
+      </p:bgRef>
+    </p:bg>
+    <p:spTree>
+      <p:nvGrpSpPr>
+        <p:cNvPr id="1" name=""/>
+        <p:cNvGrpSpPr/>
+        <p:nvPr/>
+      </p:nvGrpSpPr>
+      <p:grpSpPr>
+        <a:xfrm>
+          <a:off x="0" y="0"/>
+          <a:ext cx="0" cy="0"/>
+          <a:chOff x="0" y="0"/>
+          <a:chExt cx="0" cy="0"/>
+        </a:xfrm>
+      </p:grpSpPr>
+      <p:sp>
+        <p:nvSpPr>
+          <p:cNvPr id="2" name="Segnaposto intestazione 1"/>
+          <p:cNvSpPr>
+            <a:spLocks noGrp="1"/>
+          </p:cNvSpPr>
+          <p:nvPr>
+            <p:ph type="hdr" sz="quarter"/>
+          </p:nvPr>
+        </p:nvSpPr>
+        <p:spPr>
+          <a:xfrm>
+            <a:off x="0" y="0"/>
+            <a:ext cx="2971800" cy="458788"/>
+          </a:xfrm>
+          <a:prstGeom prst="rect">
+            <a:avLst/>
+          </a:prstGeom>
+        </p:spPr>
+        <p:txBody>
+          <a:bodyPr vert="horz" lIns="91440" tIns="45720" rIns="91440" bIns="45720" rtlCol="0"/>
+          <a:lstStyle>
+            <a:lvl1pPr algn="l">
+              <a:defRPr sz="1200"/>
+            </a:lvl1pPr>
+          </a:lstStyle>
+          <a:p>
+            <a:endParaRPr lang="it-IT"/>
+          </a:p>
+        </p:txBody>
+      </p:sp>
+      <p:sp>
+        <p:nvSpPr>
+          <p:cNvPr id="3" name="Segnaposto data 2"/>
+          <p:cNvSpPr>
+            <a:spLocks noGrp="1"/>
+          </p:cNvSpPr>
+          <p:nvPr>
+            <p:ph type="dt" idx="1"/>
+          </p:nvPr>
+        </p:nvSpPr>
+        <p:spPr>
+          <a:xfrm>
+            <a:off x="3884613" y="0"/>
+            <a:ext cx="2971800" cy="458788"/>
+          </a:xfrm>
+          <a:prstGeom prst="rect">
+            <a:avLst/>
+          </a:prstGeom>
+        </p:spPr>
+        <p:txBody>
+          <a:bodyPr vert="horz" lIns="91440" tIns="45720" rIns="91440" bIns="45720" rtlCol="0"/>
+          <a:lstStyle>
+            <a:lvl1pPr algn="r">
+              <a:defRPr sz="1200"/>
+            </a:lvl1pPr>
+          </a:lstStyle>
+          <a:p>
+            <a:fld id="{A72AE241-575C-4734-8304-AEF0433ABBA2}" type="datetimeFigureOut">
+              <a:rPr lang="it-IT" smtClean="0"/>
+              <a:t>14/09/2024</a:t>
+            </a:fld>
+            <a:endParaRPr lang="it-IT"/>
+          </a:p>
+        </p:txBody>
+      </p:sp>
+      <p:sp>
+        <p:nvSpPr>
+          <p:cNvPr id="4" name="Segnaposto immagine diapositiva 3"/>
+          <p:cNvSpPr>
+            <a:spLocks noGrp="1" noRot="1" noChangeAspect="1"/>
+          </p:cNvSpPr>
+          <p:nvPr>
+            <p:ph type="sldImg" idx="2"/>
+          </p:nvPr>
+        </p:nvSpPr>
+        <p:spPr>
+          <a:xfrm>
+            <a:off x="685800" y="1143000"/>
+            <a:ext cx="5486400" cy="3086100"/>
+          </a:xfrm>
+          <a:prstGeom prst="rect">
+            <a:avLst/>
+          </a:prstGeom>
+          <a:noFill/>
+          <a:ln w="12700">
+            <a:solidFill>
+              <a:prstClr val="black"/>
+            </a:solidFill>
+          </a:ln>
+        </p:spPr>
+        <p:txBody>
+          <a:bodyPr vert="horz" lIns="91440" tIns="45720" rIns="91440" bIns="45720" rtlCol="0" anchor="ctr"/>
+          <a:lstStyle/>
+          <a:p>
+            <a:endParaRPr lang="it-IT"/>
+          </a:p>
+        </p:txBody>
+      </p:sp>
+      <p:sp>
+        <p:nvSpPr>
+          <p:cNvPr id="5" name="Segnaposto note 4"/>
+          <p:cNvSpPr>
+            <a:spLocks noGrp="1"/>
+          </p:cNvSpPr>
+          <p:nvPr>
+            <p:ph type="body" sz="quarter" idx="3"/>
+          </p:nvPr>
+        </p:nvSpPr>
+        <p:spPr>
+          <a:xfrm>
+            <a:off x="685800" y="4400550"/>
+            <a:ext cx="5486400" cy="3600450"/>
+          </a:xfrm>
+          <a:prstGeom prst="rect">
+            <a:avLst/>
+          </a:prstGeom>
+        </p:spPr>
+        <p:txBody>
+          <a:bodyPr vert="horz" lIns="91440" tIns="45720" rIns="91440" bIns="45720" rtlCol="0"/>
+          <a:lstStyle/>
+          <a:p>
+            <a:pPr lvl="0"/>
+            <a:r>
+              <a:rPr lang="it-IT"/>
+              <a:t>Fare clic per modificare gli stili del testo dello schema</a:t>
+            </a:r>
+          </a:p>
+          <a:p>
+            <a:pPr lvl="1"/>
+            <a:r>
+              <a:rPr lang="it-IT"/>
+              <a:t>Secondo livello</a:t>
+            </a:r>
+          </a:p>
+          <a:p>
+            <a:pPr lvl="2"/>
+            <a:r>
+              <a:rPr lang="it-IT"/>
+              <a:t>Terzo livello</a:t>
+            </a:r>
+          </a:p>
+          <a:p>
+            <a:pPr lvl="3"/>
+            <a:r>
+              <a:rPr lang="it-IT"/>
+              <a:t>Quarto livello</a:t>
+            </a:r>
+          </a:p>
+          <a:p>
+            <a:pPr lvl="4"/>
+            <a:r>
+              <a:rPr lang="it-IT"/>
+              <a:t>Quinto livello</a:t>
+            </a:r>
+          </a:p>
+        </p:txBody>
+      </p:sp>
+      <p:sp>
+        <p:nvSpPr>
+          <p:cNvPr id="6" name="Segnaposto piè di pagina 5"/>
+          <p:cNvSpPr>
+            <a:spLocks noGrp="1"/>
+          </p:cNvSpPr>
+          <p:nvPr>
+            <p:ph type="ftr" sz="quarter" idx="4"/>
+          </p:nvPr>
+        </p:nvSpPr>
+        <p:spPr>
+          <a:xfrm>
+            <a:off x="0" y="8685213"/>
+            <a:ext cx="2971800" cy="458787"/>
+          </a:xfrm>
+          <a:prstGeom prst="rect">
+            <a:avLst/>
+          </a:prstGeom>
+        </p:spPr>
+        <p:txBody>
+          <a:bodyPr vert="horz" lIns="91440" tIns="45720" rIns="91440" bIns="45720" rtlCol="0" anchor="b"/>
+          <a:lstStyle>
+            <a:lvl1pPr algn="l">
+              <a:defRPr sz="1200"/>
+            </a:lvl1pPr>
+          </a:lstStyle>
+          <a:p>
+            <a:endParaRPr lang="it-IT"/>
+          </a:p>
+        </p:txBody>
+      </p:sp>
+      <p:sp>
+        <p:nvSpPr>
+          <p:cNvPr id="7" name="Segnaposto numero diapositiva 6"/>
+          <p:cNvSpPr>
+            <a:spLocks noGrp="1"/>
+          </p:cNvSpPr>
+          <p:nvPr>
+            <p:ph type="sldNum" sz="quarter" idx="5"/>
+          </p:nvPr>
+        </p:nvSpPr>
+        <p:spPr>
+          <a:xfrm>
+            <a:off x="3884613" y="8685213"/>
+            <a:ext cx="2971800" cy="458787"/>
+          </a:xfrm>
+          <a:prstGeom prst="rect">
+            <a:avLst/>
+          </a:prstGeom>
+        </p:spPr>
+        <p:txBody>
+          <a:bodyPr vert="horz" lIns="91440" tIns="45720" rIns="91440" bIns="45720" rtlCol="0" anchor="b"/>
+          <a:lstStyle>
+            <a:lvl1pPr algn="r">
+              <a:defRPr sz="1200"/>
+            </a:lvl1pPr>
+          </a:lstStyle>
+          <a:p>
+            <a:fld id="{53B8407B-5E22-4DA6-81F0-B2924824C30F}" type="slidenum">
+              <a:rPr lang="it-IT" smtClean="0"/>
+              <a:t>‹N›</a:t>
+            </a:fld>
+            <a:endParaRPr lang="it-IT"/>
+          </a:p>
+        </p:txBody>
+      </p:sp>
+    </p:spTree>
+    <p:extLst>
+      <p:ext uri="{BB962C8B-B14F-4D97-AF65-F5344CB8AC3E}">
+        <p14:creationId xmlns:p14="http://schemas.microsoft.com/office/powerpoint/2010/main" val="1064963978"/>
+      </p:ext>
+    </p:extLst>
+  </p:cSld>
+  <p:clrMap bg1="lt1" tx1="dk1" bg2="lt2" tx2="dk2" accent1="accent1" accent2="accent2" accent3="accent3" accent4="accent4" accent5="accent5" accent6="accent6" hlink="hlink" folHlink="folHlink"/>
+  <p:notesStyle>
+    <a:lvl1pPr marL="0" algn="l" defTabSz="914400" rtl="0" eaLnBrk="1" latinLnBrk="0" hangingPunct="1">
+      <a:defRPr sz="1200" kern="1200">
+        <a:solidFill>
+          <a:schemeClr val="tx1"/>
+        </a:solidFill>
+        <a:latin typeface="+mn-lt"/>
+        <a:ea typeface="+mn-ea"/>
+        <a:cs typeface="+mn-cs"/>
+      </a:defRPr>
+    </a:lvl1pPr>
+    <a:lvl2pPr marL="457200" algn="l" defTabSz="914400" rtl="0" eaLnBrk="1" latinLnBrk="0" hangingPunct="1">
+      <a:defRPr sz="1200" kern="1200">
+        <a:solidFill>
+          <a:schemeClr val="tx1"/>
+        </a:solidFill>
+        <a:latin typeface="+mn-lt"/>
+        <a:ea typeface="+mn-ea"/>
+        <a:cs typeface="+mn-cs"/>
+      </a:defRPr>
+    </a:lvl2pPr>
+    <a:lvl3pPr marL="914400" algn="l" defTabSz="914400" rtl="0" eaLnBrk="1" latinLnBrk="0" hangingPunct="1">
+      <a:defRPr sz="1200" kern="1200">
+        <a:solidFill>
+          <a:schemeClr val="tx1"/>
+        </a:solidFill>
+        <a:latin typeface="+mn-lt"/>
+        <a:ea typeface="+mn-ea"/>
+        <a:cs typeface="+mn-cs"/>
+      </a:defRPr>
+    </a:lvl3pPr>
+    <a:lvl4pPr marL="1371600" algn="l" defTabSz="914400" rtl="0" eaLnBrk="1" latinLnBrk="0" hangingPunct="1">
+      <a:defRPr sz="1200" kern="1200">
+        <a:solidFill>
+          <a:schemeClr val="tx1"/>
+        </a:solidFill>
+        <a:latin typeface="+mn-lt"/>
+        <a:ea typeface="+mn-ea"/>
+        <a:cs typeface="+mn-cs"/>
+      </a:defRPr>
+    </a:lvl4pPr>
+    <a:lvl5pPr marL="1828800" algn="l" defTabSz="914400" rtl="0" eaLnBrk="1" latinLnBrk="0" hangingPunct="1">
+      <a:defRPr sz="1200" kern="1200">
+        <a:solidFill>
+          <a:schemeClr val="tx1"/>
+        </a:solidFill>
+        <a:latin typeface="+mn-lt"/>
+        <a:ea typeface="+mn-ea"/>
+        <a:cs typeface="+mn-cs"/>
+      </a:defRPr>
+    </a:lvl5pPr>
+    <a:lvl6pPr marL="2286000" algn="l" defTabSz="914400" rtl="0" eaLnBrk="1" latinLnBrk="0" hangingPunct="1">
+      <a:defRPr sz="1200" kern="1200">
+        <a:solidFill>
+          <a:schemeClr val="tx1"/>
+        </a:solidFill>
+        <a:latin typeface="+mn-lt"/>
+        <a:ea typeface="+mn-ea"/>
+        <a:cs typeface="+mn-cs"/>
+      </a:defRPr>
+    </a:lvl6pPr>
+    <a:lvl7pPr marL="2743200" algn="l" defTabSz="914400" rtl="0" eaLnBrk="1" latinLnBrk="0" hangingPunct="1">
+      <a:defRPr sz="1200" kern="1200">
+        <a:solidFill>
+          <a:schemeClr val="tx1"/>
+        </a:solidFill>
+        <a:latin typeface="+mn-lt"/>
+        <a:ea typeface="+mn-ea"/>
+        <a:cs typeface="+mn-cs"/>
+      </a:defRPr>
+    </a:lvl7pPr>
+    <a:lvl8pPr marL="3200400" algn="l" defTabSz="914400" rtl="0" eaLnBrk="1" latinLnBrk="0" hangingPunct="1">
+      <a:defRPr sz="1200" kern="1200">
+        <a:solidFill>
+          <a:schemeClr val="tx1"/>
+        </a:solidFill>
+        <a:latin typeface="+mn-lt"/>
+        <a:ea typeface="+mn-ea"/>
+        <a:cs typeface="+mn-cs"/>
+      </a:defRPr>
+    </a:lvl8pPr>
+    <a:lvl9pPr marL="3657600" algn="l" defTabSz="914400" rtl="0" eaLnBrk="1" latinLnBrk="0" hangingPunct="1">
+      <a:defRPr sz="1200" kern="1200">
+        <a:solidFill>
+          <a:schemeClr val="tx1"/>
+        </a:solidFill>
+        <a:latin typeface="+mn-lt"/>
+        <a:ea typeface="+mn-ea"/>
+        <a:cs typeface="+mn-cs"/>
+      </a:defRPr>
+    </a:lvl9pPr>
+  </p:notesStyle>
+</p:notesMaster>
+</file>
+
+<file path=ppt/notesSlides/notesSlide1.xml><?xml version="1.0" encoding="utf-8"?>
+<p:notes xmlns:a="http://schemas.openxmlformats.org/drawingml/2006/main" xmlns:r="http://schemas.openxmlformats.org/officeDocument/2006/relationships" xmlns:p="http://schemas.openxmlformats.org/presentationml/2006/main">
+  <p:cSld>
+    <p:spTree>
+      <p:nvGrpSpPr>
+        <p:cNvPr id="1" name=""/>
+        <p:cNvGrpSpPr/>
+        <p:nvPr/>
+      </p:nvGrpSpPr>
+      <p:grpSpPr>
+        <a:xfrm>
+          <a:off x="0" y="0"/>
+          <a:ext cx="0" cy="0"/>
+          <a:chOff x="0" y="0"/>
+          <a:chExt cx="0" cy="0"/>
+        </a:xfrm>
+      </p:grpSpPr>
+      <p:sp>
+        <p:nvSpPr>
+          <p:cNvPr id="2" name="Segnaposto immagine diapositiva 1"/>
+          <p:cNvSpPr>
+            <a:spLocks noGrp="1" noRot="1" noChangeAspect="1"/>
+          </p:cNvSpPr>
+          <p:nvPr>
+            <p:ph type="sldImg"/>
+          </p:nvPr>
+        </p:nvSpPr>
+        <p:spPr/>
+      </p:sp>
+      <p:sp>
+        <p:nvSpPr>
+          <p:cNvPr id="3" name="Segnaposto note 2"/>
+          <p:cNvSpPr>
+            <a:spLocks noGrp="1"/>
+          </p:cNvSpPr>
+          <p:nvPr>
+            <p:ph type="body" idx="1"/>
+          </p:nvPr>
+        </p:nvSpPr>
+        <p:spPr/>
+        <p:txBody>
+          <a:bodyPr/>
+          <a:lstStyle/>
+          <a:p>
+            <a:endParaRPr lang="it-IT" dirty="0"/>
+          </a:p>
+        </p:txBody>
+      </p:sp>
+      <p:sp>
+        <p:nvSpPr>
+          <p:cNvPr id="4" name="Segnaposto numero diapositiva 3"/>
+          <p:cNvSpPr>
+            <a:spLocks noGrp="1"/>
+          </p:cNvSpPr>
+          <p:nvPr>
+            <p:ph type="sldNum" sz="quarter" idx="5"/>
+          </p:nvPr>
+        </p:nvSpPr>
+        <p:spPr/>
+        <p:txBody>
+          <a:bodyPr/>
+          <a:lstStyle/>
+          <a:p>
+            <a:fld id="{53B8407B-5E22-4DA6-81F0-B2924824C30F}" type="slidenum">
+              <a:rPr lang="it-IT" smtClean="0"/>
+              <a:t>9</a:t>
+            </a:fld>
+            <a:endParaRPr lang="it-IT"/>
+          </a:p>
+        </p:txBody>
+      </p:sp>
+    </p:spTree>
+    <p:extLst>
+      <p:ext uri="{BB962C8B-B14F-4D97-AF65-F5344CB8AC3E}">
+        <p14:creationId xmlns:p14="http://schemas.microsoft.com/office/powerpoint/2010/main" val="3846719331"/>
+      </p:ext>
+    </p:extLst>
+  </p:cSld>
+  <p:clrMapOvr>
+    <a:masterClrMapping/>
+  </p:clrMapOvr>
+</p:notes>
 </file>
 
 <file path=ppt/slideLayouts/slideLayout1.xml><?xml version="1.0" encoding="utf-8"?>
@@ -137,7 +580,7 @@
           <p:cNvPr id="2" name="Titolo 1">
             <a:extLst>
               <a:ext uri="{FF2B5EF4-FFF2-40B4-BE49-F238E27FC236}">
-                <a16:creationId xmlns:a16="http://schemas.microsoft.com/office/drawing/2014/main" id="{EA610E4B-74FE-452D-24CE-F3B5E1C51D45}"/>
+                <a16:creationId xmlns:a16="http://schemas.microsoft.com/office/drawing/2014/main" id="{7DD28329-D889-22B1-A082-F450EEC2BA22}"/>
               </a:ext>
             </a:extLst>
           </p:cNvPr>
@@ -174,7 +617,7 @@
           <p:cNvPr id="3" name="Sottotitolo 2">
             <a:extLst>
               <a:ext uri="{FF2B5EF4-FFF2-40B4-BE49-F238E27FC236}">
-                <a16:creationId xmlns:a16="http://schemas.microsoft.com/office/drawing/2014/main" id="{A6F2D661-4268-C3DE-C5CC-52F52AA92CAC}"/>
+                <a16:creationId xmlns:a16="http://schemas.microsoft.com/office/drawing/2014/main" id="{6012F9B9-3357-6679-3964-17780ACA7BA4}"/>
               </a:ext>
             </a:extLst>
           </p:cNvPr>
@@ -244,7 +687,7 @@
           <p:cNvPr id="4" name="Segnaposto data 3">
             <a:extLst>
               <a:ext uri="{FF2B5EF4-FFF2-40B4-BE49-F238E27FC236}">
-                <a16:creationId xmlns:a16="http://schemas.microsoft.com/office/drawing/2014/main" id="{7C18C409-BD7D-E87F-2BAB-A0FF77A9CB52}"/>
+                <a16:creationId xmlns:a16="http://schemas.microsoft.com/office/drawing/2014/main" id="{89B2D73A-1039-8327-BCCB-A8479733BAD1}"/>
               </a:ext>
             </a:extLst>
           </p:cNvPr>
@@ -273,7 +716,7 @@
           <p:cNvPr id="5" name="Segnaposto piè di pagina 4">
             <a:extLst>
               <a:ext uri="{FF2B5EF4-FFF2-40B4-BE49-F238E27FC236}">
-                <a16:creationId xmlns:a16="http://schemas.microsoft.com/office/drawing/2014/main" id="{FD88A5CC-7FB0-D640-7CB5-93E0E9895D78}"/>
+                <a16:creationId xmlns:a16="http://schemas.microsoft.com/office/drawing/2014/main" id="{0E02AF13-448C-9DBA-0552-3E69C6B444F7}"/>
               </a:ext>
             </a:extLst>
           </p:cNvPr>
@@ -298,7 +741,7 @@
           <p:cNvPr id="6" name="Segnaposto numero diapositiva 5">
             <a:extLst>
               <a:ext uri="{FF2B5EF4-FFF2-40B4-BE49-F238E27FC236}">
-                <a16:creationId xmlns:a16="http://schemas.microsoft.com/office/drawing/2014/main" id="{D3A27D33-BC7D-4BE3-FF57-8FD4F5FE596D}"/>
+                <a16:creationId xmlns:a16="http://schemas.microsoft.com/office/drawing/2014/main" id="{6C1E5289-8AF4-75C3-8E9F-FFB1103EA82B}"/>
               </a:ext>
             </a:extLst>
           </p:cNvPr>
@@ -325,7 +768,7 @@
     </p:spTree>
     <p:extLst>
       <p:ext uri="{BB962C8B-B14F-4D97-AF65-F5344CB8AC3E}">
-        <p14:creationId xmlns:p14="http://schemas.microsoft.com/office/powerpoint/2010/main" val="1263393722"/>
+        <p14:creationId xmlns:p14="http://schemas.microsoft.com/office/powerpoint/2010/main" val="3214466871"/>
       </p:ext>
     </p:extLst>
   </p:cSld>
@@ -357,7 +800,7 @@
           <p:cNvPr id="2" name="Titolo 1">
             <a:extLst>
               <a:ext uri="{FF2B5EF4-FFF2-40B4-BE49-F238E27FC236}">
-                <a16:creationId xmlns:a16="http://schemas.microsoft.com/office/drawing/2014/main" id="{9F1F7689-67A0-E84F-C1CA-79D26227A2DE}"/>
+                <a16:creationId xmlns:a16="http://schemas.microsoft.com/office/drawing/2014/main" id="{35A9AE30-3F2E-A796-3338-B4B4E41585D4}"/>
               </a:ext>
             </a:extLst>
           </p:cNvPr>
@@ -385,7 +828,7 @@
           <p:cNvPr id="3" name="Segnaposto testo verticale 2">
             <a:extLst>
               <a:ext uri="{FF2B5EF4-FFF2-40B4-BE49-F238E27FC236}">
-                <a16:creationId xmlns:a16="http://schemas.microsoft.com/office/drawing/2014/main" id="{05C4F288-BE68-9A3D-901A-9F9582498F97}"/>
+                <a16:creationId xmlns:a16="http://schemas.microsoft.com/office/drawing/2014/main" id="{D64E0191-E69B-AD6E-069E-459F4D257DE0}"/>
               </a:ext>
             </a:extLst>
           </p:cNvPr>
@@ -442,7 +885,7 @@
           <p:cNvPr id="4" name="Segnaposto data 3">
             <a:extLst>
               <a:ext uri="{FF2B5EF4-FFF2-40B4-BE49-F238E27FC236}">
-                <a16:creationId xmlns:a16="http://schemas.microsoft.com/office/drawing/2014/main" id="{E263480A-C1C0-079D-C076-02E544E85C0B}"/>
+                <a16:creationId xmlns:a16="http://schemas.microsoft.com/office/drawing/2014/main" id="{E5D5F485-86C8-6C8C-934A-C645F6B0AF15}"/>
               </a:ext>
             </a:extLst>
           </p:cNvPr>
@@ -471,7 +914,7 @@
           <p:cNvPr id="5" name="Segnaposto piè di pagina 4">
             <a:extLst>
               <a:ext uri="{FF2B5EF4-FFF2-40B4-BE49-F238E27FC236}">
-                <a16:creationId xmlns:a16="http://schemas.microsoft.com/office/drawing/2014/main" id="{1457B7EC-8DE5-03A3-7C3B-4111101072EE}"/>
+                <a16:creationId xmlns:a16="http://schemas.microsoft.com/office/drawing/2014/main" id="{178B7A83-14B0-A398-A2F0-E77B23604B8B}"/>
               </a:ext>
             </a:extLst>
           </p:cNvPr>
@@ -496,7 +939,7 @@
           <p:cNvPr id="6" name="Segnaposto numero diapositiva 5">
             <a:extLst>
               <a:ext uri="{FF2B5EF4-FFF2-40B4-BE49-F238E27FC236}">
-                <a16:creationId xmlns:a16="http://schemas.microsoft.com/office/drawing/2014/main" id="{960E7A0F-DA87-3AE7-8CFA-E2D107D323A7}"/>
+                <a16:creationId xmlns:a16="http://schemas.microsoft.com/office/drawing/2014/main" id="{F7FC207D-23A4-389A-CE75-CC62E292D4F9}"/>
               </a:ext>
             </a:extLst>
           </p:cNvPr>
@@ -523,7 +966,7 @@
     </p:spTree>
     <p:extLst>
       <p:ext uri="{BB962C8B-B14F-4D97-AF65-F5344CB8AC3E}">
-        <p14:creationId xmlns:p14="http://schemas.microsoft.com/office/powerpoint/2010/main" val="223228849"/>
+        <p14:creationId xmlns:p14="http://schemas.microsoft.com/office/powerpoint/2010/main" val="3621281964"/>
       </p:ext>
     </p:extLst>
   </p:cSld>
@@ -555,7 +998,7 @@
           <p:cNvPr id="2" name="Titolo verticale 1">
             <a:extLst>
               <a:ext uri="{FF2B5EF4-FFF2-40B4-BE49-F238E27FC236}">
-                <a16:creationId xmlns:a16="http://schemas.microsoft.com/office/drawing/2014/main" id="{8B8BA373-F177-2B1D-DADC-D42A451E0E32}"/>
+                <a16:creationId xmlns:a16="http://schemas.microsoft.com/office/drawing/2014/main" id="{766474F4-FB47-E2CA-FC58-8063DD62B845}"/>
               </a:ext>
             </a:extLst>
           </p:cNvPr>
@@ -588,7 +1031,7 @@
           <p:cNvPr id="3" name="Segnaposto testo verticale 2">
             <a:extLst>
               <a:ext uri="{FF2B5EF4-FFF2-40B4-BE49-F238E27FC236}">
-                <a16:creationId xmlns:a16="http://schemas.microsoft.com/office/drawing/2014/main" id="{C0E71DBA-59BC-C9E1-C12D-50A274E12E19}"/>
+                <a16:creationId xmlns:a16="http://schemas.microsoft.com/office/drawing/2014/main" id="{F620D5EF-1FC3-8DF3-8BA1-D1F437AC7559}"/>
               </a:ext>
             </a:extLst>
           </p:cNvPr>
@@ -650,7 +1093,7 @@
           <p:cNvPr id="4" name="Segnaposto data 3">
             <a:extLst>
               <a:ext uri="{FF2B5EF4-FFF2-40B4-BE49-F238E27FC236}">
-                <a16:creationId xmlns:a16="http://schemas.microsoft.com/office/drawing/2014/main" id="{A164B81B-9AD0-FFA6-0039-7DD93526EED2}"/>
+                <a16:creationId xmlns:a16="http://schemas.microsoft.com/office/drawing/2014/main" id="{98984AEC-7634-B495-9B38-B0C59569E7DE}"/>
               </a:ext>
             </a:extLst>
           </p:cNvPr>
@@ -679,7 +1122,7 @@
           <p:cNvPr id="5" name="Segnaposto piè di pagina 4">
             <a:extLst>
               <a:ext uri="{FF2B5EF4-FFF2-40B4-BE49-F238E27FC236}">
-                <a16:creationId xmlns:a16="http://schemas.microsoft.com/office/drawing/2014/main" id="{B7722667-345A-86EA-C5F3-DCF408B2651B}"/>
+                <a16:creationId xmlns:a16="http://schemas.microsoft.com/office/drawing/2014/main" id="{7F5CCA7C-B6DB-2AD6-DB55-2461F7B200DA}"/>
               </a:ext>
             </a:extLst>
           </p:cNvPr>
@@ -704,7 +1147,7 @@
           <p:cNvPr id="6" name="Segnaposto numero diapositiva 5">
             <a:extLst>
               <a:ext uri="{FF2B5EF4-FFF2-40B4-BE49-F238E27FC236}">
-                <a16:creationId xmlns:a16="http://schemas.microsoft.com/office/drawing/2014/main" id="{E7B239DB-4A6A-86A0-628A-134697A055B7}"/>
+                <a16:creationId xmlns:a16="http://schemas.microsoft.com/office/drawing/2014/main" id="{5E70C871-A632-2386-9741-A2E22BA4CFAE}"/>
               </a:ext>
             </a:extLst>
           </p:cNvPr>
@@ -731,7 +1174,7 @@
     </p:spTree>
     <p:extLst>
       <p:ext uri="{BB962C8B-B14F-4D97-AF65-F5344CB8AC3E}">
-        <p14:creationId xmlns:p14="http://schemas.microsoft.com/office/powerpoint/2010/main" val="2422781073"/>
+        <p14:creationId xmlns:p14="http://schemas.microsoft.com/office/powerpoint/2010/main" val="3810399325"/>
       </p:ext>
     </p:extLst>
   </p:cSld>
@@ -763,7 +1206,7 @@
           <p:cNvPr id="2" name="Titolo 1">
             <a:extLst>
               <a:ext uri="{FF2B5EF4-FFF2-40B4-BE49-F238E27FC236}">
-                <a16:creationId xmlns:a16="http://schemas.microsoft.com/office/drawing/2014/main" id="{C8FF1CE7-2B99-D28B-DD64-770D7B86CC6C}"/>
+                <a16:creationId xmlns:a16="http://schemas.microsoft.com/office/drawing/2014/main" id="{CE99657C-C5EC-35F6-3C59-BDC7DA334F4F}"/>
               </a:ext>
             </a:extLst>
           </p:cNvPr>
@@ -791,7 +1234,7 @@
           <p:cNvPr id="3" name="Segnaposto contenuto 2">
             <a:extLst>
               <a:ext uri="{FF2B5EF4-FFF2-40B4-BE49-F238E27FC236}">
-                <a16:creationId xmlns:a16="http://schemas.microsoft.com/office/drawing/2014/main" id="{7239DE55-D512-F5EA-733C-F21CFE5A153D}"/>
+                <a16:creationId xmlns:a16="http://schemas.microsoft.com/office/drawing/2014/main" id="{74108F9B-DBDE-1A80-72EA-8EE3E1477843}"/>
               </a:ext>
             </a:extLst>
           </p:cNvPr>
@@ -848,7 +1291,7 @@
           <p:cNvPr id="4" name="Segnaposto data 3">
             <a:extLst>
               <a:ext uri="{FF2B5EF4-FFF2-40B4-BE49-F238E27FC236}">
-                <a16:creationId xmlns:a16="http://schemas.microsoft.com/office/drawing/2014/main" id="{B1A2FF24-F14B-D285-3424-D482F5BFD316}"/>
+                <a16:creationId xmlns:a16="http://schemas.microsoft.com/office/drawing/2014/main" id="{4BC94958-798B-808F-2EA2-E740B70FF7B0}"/>
               </a:ext>
             </a:extLst>
           </p:cNvPr>
@@ -877,7 +1320,7 @@
           <p:cNvPr id="5" name="Segnaposto piè di pagina 4">
             <a:extLst>
               <a:ext uri="{FF2B5EF4-FFF2-40B4-BE49-F238E27FC236}">
-                <a16:creationId xmlns:a16="http://schemas.microsoft.com/office/drawing/2014/main" id="{C6942B64-7B65-1215-8F6B-4659002518D4}"/>
+                <a16:creationId xmlns:a16="http://schemas.microsoft.com/office/drawing/2014/main" id="{CCB02259-0DB3-CB25-ABB1-9AD7FD3915F9}"/>
               </a:ext>
             </a:extLst>
           </p:cNvPr>
@@ -902,7 +1345,7 @@
           <p:cNvPr id="6" name="Segnaposto numero diapositiva 5">
             <a:extLst>
               <a:ext uri="{FF2B5EF4-FFF2-40B4-BE49-F238E27FC236}">
-                <a16:creationId xmlns:a16="http://schemas.microsoft.com/office/drawing/2014/main" id="{0F0DC3C0-FA43-484A-97A2-C6F5D7AFACA2}"/>
+                <a16:creationId xmlns:a16="http://schemas.microsoft.com/office/drawing/2014/main" id="{713F1E12-F147-C612-1EC1-A4B83491DC0D}"/>
               </a:ext>
             </a:extLst>
           </p:cNvPr>
@@ -929,7 +1372,7 @@
     </p:spTree>
     <p:extLst>
       <p:ext uri="{BB962C8B-B14F-4D97-AF65-F5344CB8AC3E}">
-        <p14:creationId xmlns:p14="http://schemas.microsoft.com/office/powerpoint/2010/main" val="419070903"/>
+        <p14:creationId xmlns:p14="http://schemas.microsoft.com/office/powerpoint/2010/main" val="2432125201"/>
       </p:ext>
     </p:extLst>
   </p:cSld>
@@ -961,7 +1404,7 @@
           <p:cNvPr id="2" name="Titolo 1">
             <a:extLst>
               <a:ext uri="{FF2B5EF4-FFF2-40B4-BE49-F238E27FC236}">
-                <a16:creationId xmlns:a16="http://schemas.microsoft.com/office/drawing/2014/main" id="{EA9DEDAC-6B90-9F9F-3FFA-9BB97BAD015D}"/>
+                <a16:creationId xmlns:a16="http://schemas.microsoft.com/office/drawing/2014/main" id="{BC7BF292-AE45-E582-8C4D-98076CCC6943}"/>
               </a:ext>
             </a:extLst>
           </p:cNvPr>
@@ -998,7 +1441,7 @@
           <p:cNvPr id="3" name="Segnaposto testo 2">
             <a:extLst>
               <a:ext uri="{FF2B5EF4-FFF2-40B4-BE49-F238E27FC236}">
-                <a16:creationId xmlns:a16="http://schemas.microsoft.com/office/drawing/2014/main" id="{44433BD2-E492-4B33-B4FB-AF51B3D4C340}"/>
+                <a16:creationId xmlns:a16="http://schemas.microsoft.com/office/drawing/2014/main" id="{AC0255BD-6946-966C-B893-779475A9CDF6}"/>
               </a:ext>
             </a:extLst>
           </p:cNvPr>
@@ -1123,7 +1566,7 @@
           <p:cNvPr id="4" name="Segnaposto data 3">
             <a:extLst>
               <a:ext uri="{FF2B5EF4-FFF2-40B4-BE49-F238E27FC236}">
-                <a16:creationId xmlns:a16="http://schemas.microsoft.com/office/drawing/2014/main" id="{AE98897F-C3AC-F5DD-1667-6BF906661163}"/>
+                <a16:creationId xmlns:a16="http://schemas.microsoft.com/office/drawing/2014/main" id="{A8AE01BA-B0AC-B3C3-A8BA-C63B441540BD}"/>
               </a:ext>
             </a:extLst>
           </p:cNvPr>
@@ -1152,7 +1595,7 @@
           <p:cNvPr id="5" name="Segnaposto piè di pagina 4">
             <a:extLst>
               <a:ext uri="{FF2B5EF4-FFF2-40B4-BE49-F238E27FC236}">
-                <a16:creationId xmlns:a16="http://schemas.microsoft.com/office/drawing/2014/main" id="{83D640CD-0839-2AFF-9335-6590ED2D82FB}"/>
+                <a16:creationId xmlns:a16="http://schemas.microsoft.com/office/drawing/2014/main" id="{CEFCEC09-8E4C-B154-EC12-B43E94980994}"/>
               </a:ext>
             </a:extLst>
           </p:cNvPr>
@@ -1177,7 +1620,7 @@
           <p:cNvPr id="6" name="Segnaposto numero diapositiva 5">
             <a:extLst>
               <a:ext uri="{FF2B5EF4-FFF2-40B4-BE49-F238E27FC236}">
-                <a16:creationId xmlns:a16="http://schemas.microsoft.com/office/drawing/2014/main" id="{203682B9-55B9-9F7B-4521-BB22C048E300}"/>
+                <a16:creationId xmlns:a16="http://schemas.microsoft.com/office/drawing/2014/main" id="{D8D265D6-9806-3E11-008C-103B203CFA83}"/>
               </a:ext>
             </a:extLst>
           </p:cNvPr>
@@ -1204,7 +1647,7 @@
     </p:spTree>
     <p:extLst>
       <p:ext uri="{BB962C8B-B14F-4D97-AF65-F5344CB8AC3E}">
-        <p14:creationId xmlns:p14="http://schemas.microsoft.com/office/powerpoint/2010/main" val="3749737552"/>
+        <p14:creationId xmlns:p14="http://schemas.microsoft.com/office/powerpoint/2010/main" val="2411480760"/>
       </p:ext>
     </p:extLst>
   </p:cSld>
@@ -1236,7 +1679,7 @@
           <p:cNvPr id="2" name="Titolo 1">
             <a:extLst>
               <a:ext uri="{FF2B5EF4-FFF2-40B4-BE49-F238E27FC236}">
-                <a16:creationId xmlns:a16="http://schemas.microsoft.com/office/drawing/2014/main" id="{01DB255C-DBC0-773D-4CFD-02E2C72267EA}"/>
+                <a16:creationId xmlns:a16="http://schemas.microsoft.com/office/drawing/2014/main" id="{0E747227-0CB6-A069-D16E-831BC4F68DB8}"/>
               </a:ext>
             </a:extLst>
           </p:cNvPr>
@@ -1264,7 +1707,7 @@
           <p:cNvPr id="3" name="Segnaposto contenuto 2">
             <a:extLst>
               <a:ext uri="{FF2B5EF4-FFF2-40B4-BE49-F238E27FC236}">
-                <a16:creationId xmlns:a16="http://schemas.microsoft.com/office/drawing/2014/main" id="{2742E882-D49D-007B-5CD0-BF0980625F90}"/>
+                <a16:creationId xmlns:a16="http://schemas.microsoft.com/office/drawing/2014/main" id="{33C59EDE-A383-73F1-4044-073267BB9C3B}"/>
               </a:ext>
             </a:extLst>
           </p:cNvPr>
@@ -1326,7 +1769,7 @@
           <p:cNvPr id="4" name="Segnaposto contenuto 3">
             <a:extLst>
               <a:ext uri="{FF2B5EF4-FFF2-40B4-BE49-F238E27FC236}">
-                <a16:creationId xmlns:a16="http://schemas.microsoft.com/office/drawing/2014/main" id="{B0539108-61EA-9C4A-4794-C8C9F91219DD}"/>
+                <a16:creationId xmlns:a16="http://schemas.microsoft.com/office/drawing/2014/main" id="{7D179F01-B46A-8C01-AB78-B32D07E820BA}"/>
               </a:ext>
             </a:extLst>
           </p:cNvPr>
@@ -1388,7 +1831,7 @@
           <p:cNvPr id="5" name="Segnaposto data 4">
             <a:extLst>
               <a:ext uri="{FF2B5EF4-FFF2-40B4-BE49-F238E27FC236}">
-                <a16:creationId xmlns:a16="http://schemas.microsoft.com/office/drawing/2014/main" id="{B16084F9-61F8-437F-F768-E283F63ED699}"/>
+                <a16:creationId xmlns:a16="http://schemas.microsoft.com/office/drawing/2014/main" id="{0BD3C185-3CBA-CF01-8132-1C8E1EEF4522}"/>
               </a:ext>
             </a:extLst>
           </p:cNvPr>
@@ -1417,7 +1860,7 @@
           <p:cNvPr id="6" name="Segnaposto piè di pagina 5">
             <a:extLst>
               <a:ext uri="{FF2B5EF4-FFF2-40B4-BE49-F238E27FC236}">
-                <a16:creationId xmlns:a16="http://schemas.microsoft.com/office/drawing/2014/main" id="{75BA1DAA-63E3-4D47-1BAA-D317A7FB066D}"/>
+                <a16:creationId xmlns:a16="http://schemas.microsoft.com/office/drawing/2014/main" id="{7F991BE4-ADD1-C608-F15F-F9D5B9F97B2F}"/>
               </a:ext>
             </a:extLst>
           </p:cNvPr>
@@ -1442,7 +1885,7 @@
           <p:cNvPr id="7" name="Segnaposto numero diapositiva 6">
             <a:extLst>
               <a:ext uri="{FF2B5EF4-FFF2-40B4-BE49-F238E27FC236}">
-                <a16:creationId xmlns:a16="http://schemas.microsoft.com/office/drawing/2014/main" id="{049ED39C-881A-5874-0BEF-41723A997712}"/>
+                <a16:creationId xmlns:a16="http://schemas.microsoft.com/office/drawing/2014/main" id="{FFB2210F-BC94-D049-C0C6-BF5E9AED2C56}"/>
               </a:ext>
             </a:extLst>
           </p:cNvPr>
@@ -1469,7 +1912,7 @@
     </p:spTree>
     <p:extLst>
       <p:ext uri="{BB962C8B-B14F-4D97-AF65-F5344CB8AC3E}">
-        <p14:creationId xmlns:p14="http://schemas.microsoft.com/office/powerpoint/2010/main" val="4074605371"/>
+        <p14:creationId xmlns:p14="http://schemas.microsoft.com/office/powerpoint/2010/main" val="2179941356"/>
       </p:ext>
     </p:extLst>
   </p:cSld>
@@ -1501,7 +1944,7 @@
           <p:cNvPr id="2" name="Titolo 1">
             <a:extLst>
               <a:ext uri="{FF2B5EF4-FFF2-40B4-BE49-F238E27FC236}">
-                <a16:creationId xmlns:a16="http://schemas.microsoft.com/office/drawing/2014/main" id="{3C0F37FB-9AC6-A5EC-A947-F955D4FABE81}"/>
+                <a16:creationId xmlns:a16="http://schemas.microsoft.com/office/drawing/2014/main" id="{8C98AC4E-47A4-0D13-1F4A-D6456DC94E23}"/>
               </a:ext>
             </a:extLst>
           </p:cNvPr>
@@ -1534,7 +1977,7 @@
           <p:cNvPr id="3" name="Segnaposto testo 2">
             <a:extLst>
               <a:ext uri="{FF2B5EF4-FFF2-40B4-BE49-F238E27FC236}">
-                <a16:creationId xmlns:a16="http://schemas.microsoft.com/office/drawing/2014/main" id="{101DD32D-CBEB-EC16-FDE6-5107BD177AFC}"/>
+                <a16:creationId xmlns:a16="http://schemas.microsoft.com/office/drawing/2014/main" id="{8A36E8AB-5C78-D6B4-A605-251A35D81661}"/>
               </a:ext>
             </a:extLst>
           </p:cNvPr>
@@ -1605,7 +2048,7 @@
           <p:cNvPr id="4" name="Segnaposto contenuto 3">
             <a:extLst>
               <a:ext uri="{FF2B5EF4-FFF2-40B4-BE49-F238E27FC236}">
-                <a16:creationId xmlns:a16="http://schemas.microsoft.com/office/drawing/2014/main" id="{F8227B65-FC4F-31FE-A5E7-3092B518B936}"/>
+                <a16:creationId xmlns:a16="http://schemas.microsoft.com/office/drawing/2014/main" id="{F72255C6-6085-C882-BD2D-C9B6020E291F}"/>
               </a:ext>
             </a:extLst>
           </p:cNvPr>
@@ -1667,7 +2110,7 @@
           <p:cNvPr id="5" name="Segnaposto testo 4">
             <a:extLst>
               <a:ext uri="{FF2B5EF4-FFF2-40B4-BE49-F238E27FC236}">
-                <a16:creationId xmlns:a16="http://schemas.microsoft.com/office/drawing/2014/main" id="{38BC5DF1-A996-7BA9-6C0D-BB3546109386}"/>
+                <a16:creationId xmlns:a16="http://schemas.microsoft.com/office/drawing/2014/main" id="{62FD5AE9-3BB1-6680-3D69-E1B6A521CC09}"/>
               </a:ext>
             </a:extLst>
           </p:cNvPr>
@@ -1738,7 +2181,7 @@
           <p:cNvPr id="6" name="Segnaposto contenuto 5">
             <a:extLst>
               <a:ext uri="{FF2B5EF4-FFF2-40B4-BE49-F238E27FC236}">
-                <a16:creationId xmlns:a16="http://schemas.microsoft.com/office/drawing/2014/main" id="{231392DE-D32D-A893-F446-CC66DD8ECA6F}"/>
+                <a16:creationId xmlns:a16="http://schemas.microsoft.com/office/drawing/2014/main" id="{433C2CB5-5EB8-7E4A-6A64-AF106C6B562A}"/>
               </a:ext>
             </a:extLst>
           </p:cNvPr>
@@ -1800,7 +2243,7 @@
           <p:cNvPr id="7" name="Segnaposto data 6">
             <a:extLst>
               <a:ext uri="{FF2B5EF4-FFF2-40B4-BE49-F238E27FC236}">
-                <a16:creationId xmlns:a16="http://schemas.microsoft.com/office/drawing/2014/main" id="{B98A8D28-0356-6732-B85E-76A963008BB9}"/>
+                <a16:creationId xmlns:a16="http://schemas.microsoft.com/office/drawing/2014/main" id="{11232125-8671-8376-87E5-2CD9DB415F4C}"/>
               </a:ext>
             </a:extLst>
           </p:cNvPr>
@@ -1829,7 +2272,7 @@
           <p:cNvPr id="8" name="Segnaposto piè di pagina 7">
             <a:extLst>
               <a:ext uri="{FF2B5EF4-FFF2-40B4-BE49-F238E27FC236}">
-                <a16:creationId xmlns:a16="http://schemas.microsoft.com/office/drawing/2014/main" id="{FE3D0878-BFC6-5DBC-B19A-D0C08780EE7E}"/>
+                <a16:creationId xmlns:a16="http://schemas.microsoft.com/office/drawing/2014/main" id="{130D4443-53FC-2E06-8EF6-3368AA675B86}"/>
               </a:ext>
             </a:extLst>
           </p:cNvPr>
@@ -1854,7 +2297,7 @@
           <p:cNvPr id="9" name="Segnaposto numero diapositiva 8">
             <a:extLst>
               <a:ext uri="{FF2B5EF4-FFF2-40B4-BE49-F238E27FC236}">
-                <a16:creationId xmlns:a16="http://schemas.microsoft.com/office/drawing/2014/main" id="{59AC382E-FB1D-7193-29FA-899E6922C3D0}"/>
+                <a16:creationId xmlns:a16="http://schemas.microsoft.com/office/drawing/2014/main" id="{AD9E9787-939E-B588-7E90-C7F8C4A13CFB}"/>
               </a:ext>
             </a:extLst>
           </p:cNvPr>
@@ -1881,7 +2324,7 @@
     </p:spTree>
     <p:extLst>
       <p:ext uri="{BB962C8B-B14F-4D97-AF65-F5344CB8AC3E}">
-        <p14:creationId xmlns:p14="http://schemas.microsoft.com/office/powerpoint/2010/main" val="2094278493"/>
+        <p14:creationId xmlns:p14="http://schemas.microsoft.com/office/powerpoint/2010/main" val="83618162"/>
       </p:ext>
     </p:extLst>
   </p:cSld>
@@ -1913,7 +2356,7 @@
           <p:cNvPr id="2" name="Titolo 1">
             <a:extLst>
               <a:ext uri="{FF2B5EF4-FFF2-40B4-BE49-F238E27FC236}">
-                <a16:creationId xmlns:a16="http://schemas.microsoft.com/office/drawing/2014/main" id="{16862740-E932-425F-127D-ECEB59044033}"/>
+                <a16:creationId xmlns:a16="http://schemas.microsoft.com/office/drawing/2014/main" id="{D4647341-EAE9-9FB2-A7AC-863E4504FEE5}"/>
               </a:ext>
             </a:extLst>
           </p:cNvPr>
@@ -1941,7 +2384,7 @@
           <p:cNvPr id="3" name="Segnaposto data 2">
             <a:extLst>
               <a:ext uri="{FF2B5EF4-FFF2-40B4-BE49-F238E27FC236}">
-                <a16:creationId xmlns:a16="http://schemas.microsoft.com/office/drawing/2014/main" id="{1FA2C07C-7B30-206C-5048-C1E781C77E18}"/>
+                <a16:creationId xmlns:a16="http://schemas.microsoft.com/office/drawing/2014/main" id="{E3A76A68-02B9-E668-A5C4-CACBE69507D6}"/>
               </a:ext>
             </a:extLst>
           </p:cNvPr>
@@ -1970,7 +2413,7 @@
           <p:cNvPr id="4" name="Segnaposto piè di pagina 3">
             <a:extLst>
               <a:ext uri="{FF2B5EF4-FFF2-40B4-BE49-F238E27FC236}">
-                <a16:creationId xmlns:a16="http://schemas.microsoft.com/office/drawing/2014/main" id="{1D26ABF8-E11A-238B-ACD2-528D7172379E}"/>
+                <a16:creationId xmlns:a16="http://schemas.microsoft.com/office/drawing/2014/main" id="{9F69C566-EDEC-24D3-3FD0-C9A511DF482F}"/>
               </a:ext>
             </a:extLst>
           </p:cNvPr>
@@ -1995,7 +2438,7 @@
           <p:cNvPr id="5" name="Segnaposto numero diapositiva 4">
             <a:extLst>
               <a:ext uri="{FF2B5EF4-FFF2-40B4-BE49-F238E27FC236}">
-                <a16:creationId xmlns:a16="http://schemas.microsoft.com/office/drawing/2014/main" id="{E6E2173B-F0B9-CD9F-BF92-263B8210989B}"/>
+                <a16:creationId xmlns:a16="http://schemas.microsoft.com/office/drawing/2014/main" id="{9D1B9E8C-4735-C5F6-5261-FD25A8F7B790}"/>
               </a:ext>
             </a:extLst>
           </p:cNvPr>
@@ -2022,7 +2465,7 @@
     </p:spTree>
     <p:extLst>
       <p:ext uri="{BB962C8B-B14F-4D97-AF65-F5344CB8AC3E}">
-        <p14:creationId xmlns:p14="http://schemas.microsoft.com/office/powerpoint/2010/main" val="3545249576"/>
+        <p14:creationId xmlns:p14="http://schemas.microsoft.com/office/powerpoint/2010/main" val="4145026405"/>
       </p:ext>
     </p:extLst>
   </p:cSld>
@@ -2054,7 +2497,7 @@
           <p:cNvPr id="2" name="Segnaposto data 1">
             <a:extLst>
               <a:ext uri="{FF2B5EF4-FFF2-40B4-BE49-F238E27FC236}">
-                <a16:creationId xmlns:a16="http://schemas.microsoft.com/office/drawing/2014/main" id="{B70636C2-2C0E-ACEC-56B9-4C46D12E02D2}"/>
+                <a16:creationId xmlns:a16="http://schemas.microsoft.com/office/drawing/2014/main" id="{E92B3B65-E8E7-5C36-14AB-088FAA02BC0D}"/>
               </a:ext>
             </a:extLst>
           </p:cNvPr>
@@ -2083,7 +2526,7 @@
           <p:cNvPr id="3" name="Segnaposto piè di pagina 2">
             <a:extLst>
               <a:ext uri="{FF2B5EF4-FFF2-40B4-BE49-F238E27FC236}">
-                <a16:creationId xmlns:a16="http://schemas.microsoft.com/office/drawing/2014/main" id="{6CD27209-365A-545D-49D7-0F32FE63B637}"/>
+                <a16:creationId xmlns:a16="http://schemas.microsoft.com/office/drawing/2014/main" id="{1DCD14FA-4591-4EB4-8853-EED16E50EE00}"/>
               </a:ext>
             </a:extLst>
           </p:cNvPr>
@@ -2108,7 +2551,7 @@
           <p:cNvPr id="4" name="Segnaposto numero diapositiva 3">
             <a:extLst>
               <a:ext uri="{FF2B5EF4-FFF2-40B4-BE49-F238E27FC236}">
-                <a16:creationId xmlns:a16="http://schemas.microsoft.com/office/drawing/2014/main" id="{8D9502A2-0205-1E57-F384-6E5457564C2B}"/>
+                <a16:creationId xmlns:a16="http://schemas.microsoft.com/office/drawing/2014/main" id="{011D2BB8-F654-16FE-50AD-4BFEAEDD4FAB}"/>
               </a:ext>
             </a:extLst>
           </p:cNvPr>
@@ -2135,7 +2578,7 @@
     </p:spTree>
     <p:extLst>
       <p:ext uri="{BB962C8B-B14F-4D97-AF65-F5344CB8AC3E}">
-        <p14:creationId xmlns:p14="http://schemas.microsoft.com/office/powerpoint/2010/main" val="2964535750"/>
+        <p14:creationId xmlns:p14="http://schemas.microsoft.com/office/powerpoint/2010/main" val="3944976620"/>
       </p:ext>
     </p:extLst>
   </p:cSld>
@@ -2167,7 +2610,7 @@
           <p:cNvPr id="2" name="Titolo 1">
             <a:extLst>
               <a:ext uri="{FF2B5EF4-FFF2-40B4-BE49-F238E27FC236}">
-                <a16:creationId xmlns:a16="http://schemas.microsoft.com/office/drawing/2014/main" id="{35FED884-5E49-E212-B6FF-591132F26A48}"/>
+                <a16:creationId xmlns:a16="http://schemas.microsoft.com/office/drawing/2014/main" id="{022BB013-0889-C3DA-9272-E0AA248A593C}"/>
               </a:ext>
             </a:extLst>
           </p:cNvPr>
@@ -2204,7 +2647,7 @@
           <p:cNvPr id="3" name="Segnaposto contenuto 2">
             <a:extLst>
               <a:ext uri="{FF2B5EF4-FFF2-40B4-BE49-F238E27FC236}">
-                <a16:creationId xmlns:a16="http://schemas.microsoft.com/office/drawing/2014/main" id="{5EF6374B-B40F-7443-6D33-83B8783E60C2}"/>
+                <a16:creationId xmlns:a16="http://schemas.microsoft.com/office/drawing/2014/main" id="{703331C2-2185-075A-5733-6A9EE1E4F6FA}"/>
               </a:ext>
             </a:extLst>
           </p:cNvPr>
@@ -2294,7 +2737,7 @@
           <p:cNvPr id="4" name="Segnaposto testo 3">
             <a:extLst>
               <a:ext uri="{FF2B5EF4-FFF2-40B4-BE49-F238E27FC236}">
-                <a16:creationId xmlns:a16="http://schemas.microsoft.com/office/drawing/2014/main" id="{F194919D-7C73-46FF-37A0-5AE86F188CE7}"/>
+                <a16:creationId xmlns:a16="http://schemas.microsoft.com/office/drawing/2014/main" id="{8FC2DA54-FF44-4815-EF8B-ED9D6FEB7278}"/>
               </a:ext>
             </a:extLst>
           </p:cNvPr>
@@ -2365,7 +2808,7 @@
           <p:cNvPr id="5" name="Segnaposto data 4">
             <a:extLst>
               <a:ext uri="{FF2B5EF4-FFF2-40B4-BE49-F238E27FC236}">
-                <a16:creationId xmlns:a16="http://schemas.microsoft.com/office/drawing/2014/main" id="{931C6BDB-CAD8-7B6C-7E2D-A26392354254}"/>
+                <a16:creationId xmlns:a16="http://schemas.microsoft.com/office/drawing/2014/main" id="{2FEA5842-051D-75F8-E3FF-03418FDAE33B}"/>
               </a:ext>
             </a:extLst>
           </p:cNvPr>
@@ -2394,7 +2837,7 @@
           <p:cNvPr id="6" name="Segnaposto piè di pagina 5">
             <a:extLst>
               <a:ext uri="{FF2B5EF4-FFF2-40B4-BE49-F238E27FC236}">
-                <a16:creationId xmlns:a16="http://schemas.microsoft.com/office/drawing/2014/main" id="{DD5A479D-6DD9-3F43-8942-907F0978ABAB}"/>
+                <a16:creationId xmlns:a16="http://schemas.microsoft.com/office/drawing/2014/main" id="{60D35D63-F3F1-4210-9FAA-49FAA09A3A20}"/>
               </a:ext>
             </a:extLst>
           </p:cNvPr>
@@ -2419,7 +2862,7 @@
           <p:cNvPr id="7" name="Segnaposto numero diapositiva 6">
             <a:extLst>
               <a:ext uri="{FF2B5EF4-FFF2-40B4-BE49-F238E27FC236}">
-                <a16:creationId xmlns:a16="http://schemas.microsoft.com/office/drawing/2014/main" id="{52577989-43BF-F51B-CEED-BD7DB6AA846A}"/>
+                <a16:creationId xmlns:a16="http://schemas.microsoft.com/office/drawing/2014/main" id="{625D0F79-D0E2-39B1-4EAC-97F1B4B72BC9}"/>
               </a:ext>
             </a:extLst>
           </p:cNvPr>
@@ -2446,7 +2889,7 @@
     </p:spTree>
     <p:extLst>
       <p:ext uri="{BB962C8B-B14F-4D97-AF65-F5344CB8AC3E}">
-        <p14:creationId xmlns:p14="http://schemas.microsoft.com/office/powerpoint/2010/main" val="1325276873"/>
+        <p14:creationId xmlns:p14="http://schemas.microsoft.com/office/powerpoint/2010/main" val="3905968322"/>
       </p:ext>
     </p:extLst>
   </p:cSld>
@@ -2478,7 +2921,7 @@
           <p:cNvPr id="2" name="Titolo 1">
             <a:extLst>
               <a:ext uri="{FF2B5EF4-FFF2-40B4-BE49-F238E27FC236}">
-                <a16:creationId xmlns:a16="http://schemas.microsoft.com/office/drawing/2014/main" id="{815F4182-3D72-1328-7400-A6A8750D9DFA}"/>
+                <a16:creationId xmlns:a16="http://schemas.microsoft.com/office/drawing/2014/main" id="{526A908E-E15A-3CC2-CD23-315CA4D767A4}"/>
               </a:ext>
             </a:extLst>
           </p:cNvPr>
@@ -2515,7 +2958,7 @@
           <p:cNvPr id="3" name="Segnaposto immagine 2">
             <a:extLst>
               <a:ext uri="{FF2B5EF4-FFF2-40B4-BE49-F238E27FC236}">
-                <a16:creationId xmlns:a16="http://schemas.microsoft.com/office/drawing/2014/main" id="{2C034E03-E6B6-7C9C-8794-2757261528A5}"/>
+                <a16:creationId xmlns:a16="http://schemas.microsoft.com/office/drawing/2014/main" id="{288FB197-2212-C9D2-7975-80A63A7A6D4D}"/>
               </a:ext>
             </a:extLst>
           </p:cNvPr>
@@ -2582,7 +3025,7 @@
           <p:cNvPr id="4" name="Segnaposto testo 3">
             <a:extLst>
               <a:ext uri="{FF2B5EF4-FFF2-40B4-BE49-F238E27FC236}">
-                <a16:creationId xmlns:a16="http://schemas.microsoft.com/office/drawing/2014/main" id="{73FD5179-BBC9-CD63-A3FD-1D076F5F99B5}"/>
+                <a16:creationId xmlns:a16="http://schemas.microsoft.com/office/drawing/2014/main" id="{324912B9-22E0-9ABC-D1E1-50125FFC435F}"/>
               </a:ext>
             </a:extLst>
           </p:cNvPr>
@@ -2653,7 +3096,7 @@
           <p:cNvPr id="5" name="Segnaposto data 4">
             <a:extLst>
               <a:ext uri="{FF2B5EF4-FFF2-40B4-BE49-F238E27FC236}">
-                <a16:creationId xmlns:a16="http://schemas.microsoft.com/office/drawing/2014/main" id="{D5C2AC5D-1612-9666-07C4-B4E589CE74BC}"/>
+                <a16:creationId xmlns:a16="http://schemas.microsoft.com/office/drawing/2014/main" id="{1D80CEA5-F3BE-E8FC-076B-96FD13B09867}"/>
               </a:ext>
             </a:extLst>
           </p:cNvPr>
@@ -2682,7 +3125,7 @@
           <p:cNvPr id="6" name="Segnaposto piè di pagina 5">
             <a:extLst>
               <a:ext uri="{FF2B5EF4-FFF2-40B4-BE49-F238E27FC236}">
-                <a16:creationId xmlns:a16="http://schemas.microsoft.com/office/drawing/2014/main" id="{B14E79EE-22B8-DC79-1DDE-899C2CDE398F}"/>
+                <a16:creationId xmlns:a16="http://schemas.microsoft.com/office/drawing/2014/main" id="{51350353-C2E4-2ECD-9B5E-52BD1AF4827E}"/>
               </a:ext>
             </a:extLst>
           </p:cNvPr>
@@ -2707,7 +3150,7 @@
           <p:cNvPr id="7" name="Segnaposto numero diapositiva 6">
             <a:extLst>
               <a:ext uri="{FF2B5EF4-FFF2-40B4-BE49-F238E27FC236}">
-                <a16:creationId xmlns:a16="http://schemas.microsoft.com/office/drawing/2014/main" id="{583DC6E6-2A23-20C1-EE85-0CDD6064F457}"/>
+                <a16:creationId xmlns:a16="http://schemas.microsoft.com/office/drawing/2014/main" id="{DB14F011-D9B4-6BC8-6A43-5298DDBED942}"/>
               </a:ext>
             </a:extLst>
           </p:cNvPr>
@@ -2734,7 +3177,7 @@
     </p:spTree>
     <p:extLst>
       <p:ext uri="{BB962C8B-B14F-4D97-AF65-F5344CB8AC3E}">
-        <p14:creationId xmlns:p14="http://schemas.microsoft.com/office/powerpoint/2010/main" val="3295369425"/>
+        <p14:creationId xmlns:p14="http://schemas.microsoft.com/office/powerpoint/2010/main" val="2385157817"/>
       </p:ext>
     </p:extLst>
   </p:cSld>
@@ -2771,7 +3214,7 @@
           <p:cNvPr id="2" name="Segnaposto titolo 1">
             <a:extLst>
               <a:ext uri="{FF2B5EF4-FFF2-40B4-BE49-F238E27FC236}">
-                <a16:creationId xmlns:a16="http://schemas.microsoft.com/office/drawing/2014/main" id="{3F7B8245-2637-593D-D5A4-10BCD99200F5}"/>
+                <a16:creationId xmlns:a16="http://schemas.microsoft.com/office/drawing/2014/main" id="{CBA21F55-0497-F302-6C7E-6F4C7E22C542}"/>
               </a:ext>
             </a:extLst>
           </p:cNvPr>
@@ -2809,7 +3252,7 @@
           <p:cNvPr id="3" name="Segnaposto testo 2">
             <a:extLst>
               <a:ext uri="{FF2B5EF4-FFF2-40B4-BE49-F238E27FC236}">
-                <a16:creationId xmlns:a16="http://schemas.microsoft.com/office/drawing/2014/main" id="{F231267C-B24A-2DD2-4591-41FAAC279F05}"/>
+                <a16:creationId xmlns:a16="http://schemas.microsoft.com/office/drawing/2014/main" id="{03FCE7C5-898F-F995-6875-D6181C69D177}"/>
               </a:ext>
             </a:extLst>
           </p:cNvPr>
@@ -2876,7 +3319,7 @@
           <p:cNvPr id="4" name="Segnaposto data 3">
             <a:extLst>
               <a:ext uri="{FF2B5EF4-FFF2-40B4-BE49-F238E27FC236}">
-                <a16:creationId xmlns:a16="http://schemas.microsoft.com/office/drawing/2014/main" id="{D7AC2A4E-4A28-1116-8181-CC8591C5A588}"/>
+                <a16:creationId xmlns:a16="http://schemas.microsoft.com/office/drawing/2014/main" id="{76F593D2-C448-99F0-E645-32A466EBA92F}"/>
               </a:ext>
             </a:extLst>
           </p:cNvPr>
@@ -2923,7 +3366,7 @@
           <p:cNvPr id="5" name="Segnaposto piè di pagina 4">
             <a:extLst>
               <a:ext uri="{FF2B5EF4-FFF2-40B4-BE49-F238E27FC236}">
-                <a16:creationId xmlns:a16="http://schemas.microsoft.com/office/drawing/2014/main" id="{F48FAD9A-1809-BBAA-1BAC-4E0731EA4082}"/>
+                <a16:creationId xmlns:a16="http://schemas.microsoft.com/office/drawing/2014/main" id="{51F03D28-A204-7698-DE52-10BB2E056E22}"/>
               </a:ext>
             </a:extLst>
           </p:cNvPr>
@@ -2966,7 +3409,7 @@
           <p:cNvPr id="6" name="Segnaposto numero diapositiva 5">
             <a:extLst>
               <a:ext uri="{FF2B5EF4-FFF2-40B4-BE49-F238E27FC236}">
-                <a16:creationId xmlns:a16="http://schemas.microsoft.com/office/drawing/2014/main" id="{F930C150-A56B-EC00-99BF-F8573BC0503A}"/>
+                <a16:creationId xmlns:a16="http://schemas.microsoft.com/office/drawing/2014/main" id="{6B4698B5-3B00-7556-F842-62464C924DE7}"/>
               </a:ext>
             </a:extLst>
           </p:cNvPr>
@@ -3011,23 +3454,23 @@
     </p:spTree>
     <p:extLst>
       <p:ext uri="{BB962C8B-B14F-4D97-AF65-F5344CB8AC3E}">
-        <p14:creationId xmlns:p14="http://schemas.microsoft.com/office/powerpoint/2010/main" val="2522109541"/>
+        <p14:creationId xmlns:p14="http://schemas.microsoft.com/office/powerpoint/2010/main" val="1617894801"/>
       </p:ext>
     </p:extLst>
   </p:cSld>
   <p:clrMap bg1="lt1" tx1="dk1" bg2="lt2" tx2="dk2" accent1="accent1" accent2="accent2" accent3="accent3" accent4="accent4" accent5="accent5" accent6="accent6" hlink="hlink" folHlink="folHlink"/>
   <p:sldLayoutIdLst>
-    <p:sldLayoutId id="2147483789" r:id="rId1"/>
-    <p:sldLayoutId id="2147483790" r:id="rId2"/>
-    <p:sldLayoutId id="2147483791" r:id="rId3"/>
-    <p:sldLayoutId id="2147483792" r:id="rId4"/>
-    <p:sldLayoutId id="2147483793" r:id="rId5"/>
-    <p:sldLayoutId id="2147483794" r:id="rId6"/>
-    <p:sldLayoutId id="2147483795" r:id="rId7"/>
-    <p:sldLayoutId id="2147483796" r:id="rId8"/>
-    <p:sldLayoutId id="2147483797" r:id="rId9"/>
-    <p:sldLayoutId id="2147483798" r:id="rId10"/>
-    <p:sldLayoutId id="2147483799" r:id="rId11"/>
+    <p:sldLayoutId id="2147483801" r:id="rId1"/>
+    <p:sldLayoutId id="2147483802" r:id="rId2"/>
+    <p:sldLayoutId id="2147483803" r:id="rId3"/>
+    <p:sldLayoutId id="2147483804" r:id="rId4"/>
+    <p:sldLayoutId id="2147483805" r:id="rId5"/>
+    <p:sldLayoutId id="2147483806" r:id="rId6"/>
+    <p:sldLayoutId id="2147483807" r:id="rId7"/>
+    <p:sldLayoutId id="2147483808" r:id="rId8"/>
+    <p:sldLayoutId id="2147483809" r:id="rId9"/>
+    <p:sldLayoutId id="2147483810" r:id="rId10"/>
+    <p:sldLayoutId id="2147483811" r:id="rId11"/>
   </p:sldLayoutIdLst>
   <p:txStyles>
     <p:titleStyle>
@@ -3647,6 +4090,352 @@
 </p:sld>
 </file>
 
+<file path=ppt/slides/slide10.xml><?xml version="1.0" encoding="utf-8"?>
+<p:sld xmlns:a="http://schemas.openxmlformats.org/drawingml/2006/main" xmlns:r="http://schemas.openxmlformats.org/officeDocument/2006/relationships" xmlns:p="http://schemas.openxmlformats.org/presentationml/2006/main">
+  <p:cSld>
+    <p:spTree>
+      <p:nvGrpSpPr>
+        <p:cNvPr id="1" name=""/>
+        <p:cNvGrpSpPr/>
+        <p:nvPr/>
+      </p:nvGrpSpPr>
+      <p:grpSpPr>
+        <a:xfrm>
+          <a:off x="0" y="0"/>
+          <a:ext cx="0" cy="0"/>
+          <a:chOff x="0" y="0"/>
+          <a:chExt cx="0" cy="0"/>
+        </a:xfrm>
+      </p:grpSpPr>
+      <p:sp>
+        <p:nvSpPr>
+          <p:cNvPr id="2" name="Titolo 1">
+            <a:extLst>
+              <a:ext uri="{FF2B5EF4-FFF2-40B4-BE49-F238E27FC236}">
+                <a16:creationId xmlns:a16="http://schemas.microsoft.com/office/drawing/2014/main" id="{FE0EBE1C-1C48-788E-457A-A1C929B85351}"/>
+              </a:ext>
+            </a:extLst>
+          </p:cNvPr>
+          <p:cNvSpPr>
+            <a:spLocks noGrp="1"/>
+          </p:cNvSpPr>
+          <p:nvPr>
+            <p:ph type="title"/>
+          </p:nvPr>
+        </p:nvSpPr>
+        <p:spPr/>
+        <p:txBody>
+          <a:bodyPr/>
+          <a:lstStyle/>
+          <a:p>
+            <a:r>
+              <a:rPr lang="it-IT" u="sng" dirty="0">
+                <a:solidFill>
+                  <a:srgbClr val="0B76A0"/>
+                </a:solidFill>
+                <a:latin typeface="Berlin Sans FB Demi" panose="020E0802020502020306" pitchFamily="34" charset="0"/>
+              </a:rPr>
+              <a:t>CONCLUSION</a:t>
+            </a:r>
+            <a:endParaRPr lang="it-IT" u="sng" dirty="0"/>
+          </a:p>
+        </p:txBody>
+      </p:sp>
+      <p:pic>
+        <p:nvPicPr>
+          <p:cNvPr id="11" name="Segnaposto contenuto 10">
+            <a:extLst>
+              <a:ext uri="{FF2B5EF4-FFF2-40B4-BE49-F238E27FC236}">
+                <a16:creationId xmlns:a16="http://schemas.microsoft.com/office/drawing/2014/main" id="{E21BD2B7-272B-7E5B-6978-532FAEA4B925}"/>
+              </a:ext>
+            </a:extLst>
+          </p:cNvPr>
+          <p:cNvPicPr>
+            <a:picLocks noGrp="1" noChangeAspect="1"/>
+          </p:cNvPicPr>
+          <p:nvPr>
+            <p:ph idx="1"/>
+          </p:nvPr>
+        </p:nvPicPr>
+        <p:blipFill>
+          <a:blip r:embed="rId2"/>
+          <a:stretch>
+            <a:fillRect/>
+          </a:stretch>
+        </p:blipFill>
+        <p:spPr>
+          <a:xfrm>
+            <a:off x="66314" y="1817250"/>
+            <a:ext cx="5163271" cy="1238423"/>
+          </a:xfrm>
+          <a:prstGeom prst="rect">
+            <a:avLst/>
+          </a:prstGeom>
+        </p:spPr>
+      </p:pic>
+      <p:pic>
+        <p:nvPicPr>
+          <p:cNvPr id="16" name="Immagine 15">
+            <a:extLst>
+              <a:ext uri="{FF2B5EF4-FFF2-40B4-BE49-F238E27FC236}">
+                <a16:creationId xmlns:a16="http://schemas.microsoft.com/office/drawing/2014/main" id="{CF710326-2CC8-E486-3C9C-535011CD25B1}"/>
+              </a:ext>
+            </a:extLst>
+          </p:cNvPr>
+          <p:cNvPicPr>
+            <a:picLocks noChangeAspect="1"/>
+          </p:cNvPicPr>
+          <p:nvPr/>
+        </p:nvPicPr>
+        <p:blipFill>
+          <a:blip r:embed="rId3"/>
+          <a:stretch>
+            <a:fillRect/>
+          </a:stretch>
+        </p:blipFill>
+        <p:spPr>
+          <a:xfrm>
+            <a:off x="66314" y="5287970"/>
+            <a:ext cx="5179998" cy="1251993"/>
+          </a:xfrm>
+          <a:prstGeom prst="rect">
+            <a:avLst/>
+          </a:prstGeom>
+        </p:spPr>
+      </p:pic>
+      <p:pic>
+        <p:nvPicPr>
+          <p:cNvPr id="14" name="Immagine 13">
+            <a:extLst>
+              <a:ext uri="{FF2B5EF4-FFF2-40B4-BE49-F238E27FC236}">
+                <a16:creationId xmlns:a16="http://schemas.microsoft.com/office/drawing/2014/main" id="{BC6BBC61-D986-6772-2F2D-A45649EF5085}"/>
+              </a:ext>
+            </a:extLst>
+          </p:cNvPr>
+          <p:cNvPicPr>
+            <a:picLocks noChangeAspect="1"/>
+          </p:cNvPicPr>
+          <p:nvPr/>
+        </p:nvPicPr>
+        <p:blipFill>
+          <a:blip r:embed="rId4"/>
+          <a:stretch>
+            <a:fillRect/>
+          </a:stretch>
+        </p:blipFill>
+        <p:spPr>
+          <a:xfrm>
+            <a:off x="66314" y="3751528"/>
+            <a:ext cx="5179998" cy="962825"/>
+          </a:xfrm>
+          <a:prstGeom prst="rect">
+            <a:avLst/>
+          </a:prstGeom>
+        </p:spPr>
+      </p:pic>
+      <p:sp>
+        <p:nvSpPr>
+          <p:cNvPr id="15" name="CasellaDiTesto 14">
+            <a:extLst>
+              <a:ext uri="{FF2B5EF4-FFF2-40B4-BE49-F238E27FC236}">
+                <a16:creationId xmlns:a16="http://schemas.microsoft.com/office/drawing/2014/main" id="{3CD3F5F9-1623-388A-02A6-98DEBE68E956}"/>
+              </a:ext>
+            </a:extLst>
+          </p:cNvPr>
+          <p:cNvSpPr txBox="1"/>
+          <p:nvPr/>
+        </p:nvSpPr>
+        <p:spPr>
+          <a:xfrm>
+            <a:off x="5575300" y="1817250"/>
+            <a:ext cx="6172200" cy="2031325"/>
+          </a:xfrm>
+          <a:prstGeom prst="rect">
+            <a:avLst/>
+          </a:prstGeom>
+          <a:noFill/>
+        </p:spPr>
+        <p:txBody>
+          <a:bodyPr wrap="square" rtlCol="0">
+            <a:spAutoFit/>
+          </a:bodyPr>
+          <a:lstStyle/>
+          <a:p>
+            <a:r>
+              <a:rPr lang="it-IT" dirty="0"/>
+              <a:t>E_0^1 </a:t>
+            </a:r>
+            <a:r>
+              <a:rPr lang="it-IT" dirty="0">
+                <a:sym typeface="Wingdings" panose="05000000000000000000" pitchFamily="2" charset="2"/>
+              </a:rPr>
+              <a:t> E_2^1 </a:t>
+            </a:r>
+          </a:p>
+          <a:p>
+            <a:r>
+              <a:rPr lang="it-IT" dirty="0">
+                <a:sym typeface="Wingdings" panose="05000000000000000000" pitchFamily="2" charset="2"/>
+              </a:rPr>
+              <a:t>E_1^2  E_2^1</a:t>
+            </a:r>
+          </a:p>
+          <a:p>
+            <a:endParaRPr lang="it-IT" dirty="0">
+              <a:sym typeface="Wingdings" panose="05000000000000000000" pitchFamily="2" charset="2"/>
+            </a:endParaRPr>
+          </a:p>
+          <a:p>
+            <a:endParaRPr lang="it-IT" dirty="0">
+              <a:sym typeface="Wingdings" panose="05000000000000000000" pitchFamily="2" charset="2"/>
+            </a:endParaRPr>
+          </a:p>
+          <a:p>
+            <a:r>
+              <a:rPr lang="it-IT" dirty="0">
+                <a:sym typeface="Wingdings" panose="05000000000000000000" pitchFamily="2" charset="2"/>
+              </a:rPr>
+              <a:t>V_2[1, 0] = 1 &gt;= 1</a:t>
+            </a:r>
+          </a:p>
+          <a:p>
+            <a:r>
+              <a:rPr lang="it-IT" dirty="0">
+                <a:sym typeface="Wingdings" panose="05000000000000000000" pitchFamily="2" charset="2"/>
+              </a:rPr>
+              <a:t>V_2[1, 1] = 0 &gt;= 2 </a:t>
+            </a:r>
+          </a:p>
+          <a:p>
+            <a:endParaRPr lang="it-IT" dirty="0">
+              <a:sym typeface="Wingdings" panose="05000000000000000000" pitchFamily="2" charset="2"/>
+            </a:endParaRPr>
+          </a:p>
+        </p:txBody>
+      </p:sp>
+    </p:spTree>
+    <p:extLst>
+      <p:ext uri="{BB962C8B-B14F-4D97-AF65-F5344CB8AC3E}">
+        <p14:creationId xmlns:p14="http://schemas.microsoft.com/office/powerpoint/2010/main" val="3447600007"/>
+      </p:ext>
+    </p:extLst>
+  </p:cSld>
+  <p:clrMapOvr>
+    <a:masterClrMapping/>
+  </p:clrMapOvr>
+</p:sld>
+</file>
+
+<file path=ppt/slides/slide11.xml><?xml version="1.0" encoding="utf-8"?>
+<p:sld xmlns:a="http://schemas.openxmlformats.org/drawingml/2006/main" xmlns:r="http://schemas.openxmlformats.org/officeDocument/2006/relationships" xmlns:p="http://schemas.openxmlformats.org/presentationml/2006/main">
+  <p:cSld>
+    <p:bg>
+      <p:bgPr>
+        <a:blipFill dpi="0" rotWithShape="1">
+          <a:blip r:embed="rId2">
+            <a:lum/>
+          </a:blip>
+          <a:srcRect/>
+          <a:stretch>
+            <a:fillRect/>
+          </a:stretch>
+        </a:blipFill>
+        <a:effectLst/>
+      </p:bgPr>
+    </p:bg>
+    <p:spTree>
+      <p:nvGrpSpPr>
+        <p:cNvPr id="1" name=""/>
+        <p:cNvGrpSpPr/>
+        <p:nvPr/>
+      </p:nvGrpSpPr>
+      <p:grpSpPr>
+        <a:xfrm>
+          <a:off x="0" y="0"/>
+          <a:ext cx="0" cy="0"/>
+          <a:chOff x="0" y="0"/>
+          <a:chExt cx="0" cy="0"/>
+        </a:xfrm>
+      </p:grpSpPr>
+      <p:sp>
+        <p:nvSpPr>
+          <p:cNvPr id="2" name="Titolo 1">
+            <a:extLst>
+              <a:ext uri="{FF2B5EF4-FFF2-40B4-BE49-F238E27FC236}">
+                <a16:creationId xmlns:a16="http://schemas.microsoft.com/office/drawing/2014/main" id="{97133C2A-A702-7BB0-01BC-F9DB2D6A4487}"/>
+              </a:ext>
+            </a:extLst>
+          </p:cNvPr>
+          <p:cNvSpPr>
+            <a:spLocks noGrp="1"/>
+          </p:cNvSpPr>
+          <p:nvPr>
+            <p:ph type="ctrTitle"/>
+          </p:nvPr>
+        </p:nvSpPr>
+        <p:spPr>
+          <a:xfrm>
+            <a:off x="0" y="3429000"/>
+            <a:ext cx="6278880" cy="1838960"/>
+          </a:xfrm>
+        </p:spPr>
+        <p:txBody>
+          <a:bodyPr>
+            <a:normAutofit fontScale="90000"/>
+          </a:bodyPr>
+          <a:lstStyle/>
+          <a:p>
+            <a:r>
+              <a:rPr lang="it-IT" dirty="0">
+                <a:solidFill>
+                  <a:srgbClr val="0B76A0"/>
+                </a:solidFill>
+                <a:latin typeface="Berlin Sans FB Demi" panose="020E0802020502020306" pitchFamily="34" charset="0"/>
+              </a:rPr>
+              <a:t>THANKS FOR YOUR ATTENTION! </a:t>
+            </a:r>
+            <a:br>
+              <a:rPr lang="it-IT" dirty="0">
+                <a:solidFill>
+                  <a:srgbClr val="0B76A0"/>
+                </a:solidFill>
+                <a:latin typeface="Berlin Sans FB Demi" panose="020E0802020502020306" pitchFamily="34" charset="0"/>
+              </a:rPr>
+            </a:br>
+            <a:endParaRPr lang="it-IT" dirty="0">
+              <a:solidFill>
+                <a:srgbClr val="0B76A0"/>
+              </a:solidFill>
+              <a:latin typeface="Berlin Sans FB Demi" panose="020E0802020502020306" pitchFamily="34" charset="0"/>
+            </a:endParaRPr>
+          </a:p>
+        </p:txBody>
+      </p:sp>
+    </p:spTree>
+    <p:extLst>
+      <p:ext uri="{BB962C8B-B14F-4D97-AF65-F5344CB8AC3E}">
+        <p14:creationId xmlns:p14="http://schemas.microsoft.com/office/powerpoint/2010/main" val="88088807"/>
+      </p:ext>
+    </p:extLst>
+  </p:cSld>
+  <p:clrMapOvr>
+    <a:masterClrMapping/>
+  </p:clrMapOvr>
+  <mc:AlternateContent xmlns:mc="http://schemas.openxmlformats.org/markup-compatibility/2006" xmlns:p14="http://schemas.microsoft.com/office/powerpoint/2010/main">
+    <mc:Choice Requires="p14">
+      <p:transition spd="med" p14:dur="700">
+        <p:fade/>
+      </p:transition>
+    </mc:Choice>
+    <mc:Fallback xmlns="">
+      <p:transition spd="med">
+        <p:fade/>
+      </p:transition>
+    </mc:Fallback>
+  </mc:AlternateContent>
+</p:sld>
+</file>
+
 <file path=ppt/slides/slide2.xml><?xml version="1.0" encoding="utf-8"?>
 <p:sld xmlns:a="http://schemas.openxmlformats.org/drawingml/2006/main" xmlns:r="http://schemas.openxmlformats.org/officeDocument/2006/relationships" xmlns:p="http://schemas.openxmlformats.org/presentationml/2006/main">
   <p:cSld>
@@ -6325,13 +7114,13 @@
   <p:clrMapOvr>
     <a:masterClrMapping/>
   </p:clrMapOvr>
-  <mc:AlternateContent xmlns:mc="http://schemas.openxmlformats.org/markup-compatibility/2006">
-    <mc:Choice xmlns:p14="http://schemas.microsoft.com/office/powerpoint/2010/main" Requires="p14">
+  <mc:AlternateContent xmlns:mc="http://schemas.openxmlformats.org/markup-compatibility/2006" xmlns:p14="http://schemas.microsoft.com/office/powerpoint/2010/main">
+    <mc:Choice Requires="p14">
       <p:transition spd="slow" p14:dur="1500">
         <p:split orient="vert"/>
       </p:transition>
     </mc:Choice>
-    <mc:Fallback>
+    <mc:Fallback xmlns="">
       <p:transition spd="slow">
         <p:split orient="vert"/>
       </p:transition>
@@ -12086,13 +12875,13 @@
   <p:clrMapOvr>
     <a:masterClrMapping/>
   </p:clrMapOvr>
-  <mc:AlternateContent xmlns:mc="http://schemas.openxmlformats.org/markup-compatibility/2006">
-    <mc:Choice xmlns:p14="http://schemas.microsoft.com/office/powerpoint/2010/main" Requires="p14">
+  <mc:AlternateContent xmlns:mc="http://schemas.openxmlformats.org/markup-compatibility/2006" xmlns:p14="http://schemas.microsoft.com/office/powerpoint/2010/main">
+    <mc:Choice Requires="p14">
       <p:transition spd="slow" p14:dur="800">
         <p:circle/>
       </p:transition>
     </mc:Choice>
-    <mc:Fallback>
+    <mc:Fallback xmlns="">
       <p:transition spd="slow">
         <p:circle/>
       </p:transition>
@@ -12156,50 +12945,41 @@
           </a:p>
         </p:txBody>
       </p:sp>
-      <p:sp>
-        <p:nvSpPr>
-          <p:cNvPr id="3" name="Segnaposto contenuto 2">
-            <a:extLst>
-              <a:ext uri="{FF2B5EF4-FFF2-40B4-BE49-F238E27FC236}">
-                <a16:creationId xmlns:a16="http://schemas.microsoft.com/office/drawing/2014/main" id="{D28B400F-F2A4-B741-2B8D-9465F78B08C1}"/>
-              </a:ext>
-            </a:extLst>
-          </p:cNvPr>
-          <p:cNvSpPr>
-            <a:spLocks noGrp="1"/>
-          </p:cNvSpPr>
+      <p:pic>
+        <p:nvPicPr>
+          <p:cNvPr id="6" name="Segnaposto contenuto 5" descr="Immagine che contiene testo, schermata, diagramma, Rettangolo&#10;&#10;Descrizione generata automaticamente">
+            <a:extLst>
+              <a:ext uri="{FF2B5EF4-FFF2-40B4-BE49-F238E27FC236}">
+                <a16:creationId xmlns:a16="http://schemas.microsoft.com/office/drawing/2014/main" id="{95325BF4-C40C-D188-A972-0AEA848DEBFE}"/>
+              </a:ext>
+            </a:extLst>
+          </p:cNvPr>
+          <p:cNvPicPr>
+            <a:picLocks noGrp="1" noChangeAspect="1"/>
+          </p:cNvPicPr>
           <p:nvPr>
             <p:ph idx="1"/>
           </p:nvPr>
-        </p:nvSpPr>
-        <p:spPr>
-          <a:xfrm>
-            <a:off x="838200" y="1898332"/>
-            <a:ext cx="8346440" cy="3061335"/>
-          </a:xfrm>
-        </p:spPr>
-        <p:txBody>
-          <a:bodyPr/>
-          <a:lstStyle/>
-          <a:p>
-            <a:pPr marL="0" indent="0">
-              <a:buNone/>
-            </a:pPr>
-            <a:r>
-              <a:rPr lang="it-IT" dirty="0"/>
-              <a:t>Performance del sistema in termini di latenza </a:t>
-            </a:r>
-            <a:r>
-              <a:rPr lang="it-IT" dirty="0" err="1"/>
-              <a:t>ecc</a:t>
-            </a:r>
-            <a:r>
-              <a:rPr lang="it-IT" dirty="0"/>
-              <a:t>, e magari mettere un grafico per illustrare l’andamento carico/tempo esecuzione (se si fa)</a:t>
-            </a:r>
-          </a:p>
-        </p:txBody>
-      </p:sp>
+        </p:nvPicPr>
+        <p:blipFill>
+          <a:blip r:embed="rId2">
+            <a:extLst>
+              <a:ext uri="{28A0092B-C50C-407E-A947-70E740481C1C}">
+                <a14:useLocalDpi xmlns:a14="http://schemas.microsoft.com/office/drawing/2010/main" val="0"/>
+              </a:ext>
+            </a:extLst>
+          </a:blip>
+          <a:stretch>
+            <a:fillRect/>
+          </a:stretch>
+        </p:blipFill>
+        <p:spPr>
+          <a:xfrm>
+            <a:off x="0" y="2305694"/>
+            <a:ext cx="4616451" cy="3462339"/>
+          </a:xfrm>
+        </p:spPr>
+      </p:pic>
       <p:cxnSp>
         <p:nvCxnSpPr>
           <p:cNvPr id="4" name="Connettore diritto 3">
@@ -12239,6 +13019,143 @@
           </a:fontRef>
         </p:style>
       </p:cxnSp>
+      <p:sp>
+        <p:nvSpPr>
+          <p:cNvPr id="14" name="CasellaDiTesto 13">
+            <a:extLst>
+              <a:ext uri="{FF2B5EF4-FFF2-40B4-BE49-F238E27FC236}">
+                <a16:creationId xmlns:a16="http://schemas.microsoft.com/office/drawing/2014/main" id="{5BE08E66-E587-475D-94DB-B74AA8BEED13}"/>
+              </a:ext>
+            </a:extLst>
+          </p:cNvPr>
+          <p:cNvSpPr txBox="1"/>
+          <p:nvPr/>
+        </p:nvSpPr>
+        <p:spPr>
+          <a:xfrm>
+            <a:off x="4870450" y="2585403"/>
+            <a:ext cx="5778499" cy="1938992"/>
+          </a:xfrm>
+          <a:prstGeom prst="rect">
+            <a:avLst/>
+          </a:prstGeom>
+          <a:noFill/>
+        </p:spPr>
+        <p:txBody>
+          <a:bodyPr wrap="square" rtlCol="0">
+            <a:spAutoFit/>
+          </a:bodyPr>
+          <a:lstStyle/>
+          <a:p>
+            <a:r>
+              <a:rPr lang="it-IT" sz="2400" dirty="0"/>
+              <a:t>Time </a:t>
+            </a:r>
+            <a:r>
+              <a:rPr lang="it-IT" sz="2400" dirty="0" err="1"/>
+              <a:t>needed</a:t>
+            </a:r>
+            <a:r>
+              <a:rPr lang="it-IT" sz="2400" dirty="0"/>
+              <a:t> for </a:t>
+            </a:r>
+            <a:r>
+              <a:rPr lang="it-IT" sz="2400" dirty="0" err="1"/>
+              <a:t>send</a:t>
+            </a:r>
+            <a:r>
+              <a:rPr lang="it-IT" sz="2400" dirty="0"/>
+              <a:t> </a:t>
+            </a:r>
+            <a:r>
+              <a:rPr lang="it-IT" sz="2400" dirty="0" err="1"/>
+              <a:t>operations</a:t>
+            </a:r>
+            <a:r>
+              <a:rPr lang="it-IT" sz="2400" dirty="0"/>
+              <a:t>, </a:t>
+            </a:r>
+            <a:r>
+              <a:rPr lang="it-IT" sz="2400" dirty="0" err="1"/>
+              <a:t>considering</a:t>
+            </a:r>
+            <a:r>
+              <a:rPr lang="it-IT" sz="2400" dirty="0"/>
+              <a:t>:</a:t>
+            </a:r>
+          </a:p>
+          <a:p>
+            <a:pPr marL="342900" indent="-342900">
+              <a:buFont typeface="Arial" panose="020B0604020202020204" pitchFamily="34" charset="0"/>
+              <a:buChar char="•"/>
+            </a:pPr>
+            <a:r>
+              <a:rPr lang="it-IT" sz="2400" dirty="0"/>
+              <a:t>15 </a:t>
+            </a:r>
+            <a:r>
+              <a:rPr lang="it-IT" sz="2400" dirty="0" err="1"/>
+              <a:t>send</a:t>
+            </a:r>
+            <a:r>
+              <a:rPr lang="it-IT" sz="2400" dirty="0"/>
+              <a:t> </a:t>
+            </a:r>
+            <a:r>
+              <a:rPr lang="it-IT" sz="2400" dirty="0" err="1"/>
+              <a:t>operations</a:t>
+            </a:r>
+            <a:r>
+              <a:rPr lang="it-IT" sz="2400" dirty="0"/>
+              <a:t>.</a:t>
+            </a:r>
+          </a:p>
+          <a:p>
+            <a:pPr marL="342900" indent="-342900">
+              <a:buFont typeface="Arial" panose="020B0604020202020204" pitchFamily="34" charset="0"/>
+              <a:buChar char="•"/>
+            </a:pPr>
+            <a:r>
+              <a:rPr lang="it-IT" sz="2400" b="1" dirty="0"/>
+              <a:t>AVG</a:t>
+            </a:r>
+            <a:r>
+              <a:rPr lang="it-IT" sz="2400" dirty="0"/>
+              <a:t>(</a:t>
+            </a:r>
+            <a:r>
+              <a:rPr lang="it-IT" sz="2400" i="1" dirty="0"/>
+              <a:t>i</a:t>
+            </a:r>
+            <a:r>
+              <a:rPr lang="it-IT" sz="2400" dirty="0"/>
+              <a:t>) = (TOTAL_TIME – 15*DELAY) / 15</a:t>
+            </a:r>
+          </a:p>
+          <a:p>
+            <a:pPr marL="342900" indent="-342900">
+              <a:buFont typeface="Arial" panose="020B0604020202020204" pitchFamily="34" charset="0"/>
+              <a:buChar char="•"/>
+            </a:pPr>
+            <a:r>
+              <a:rPr lang="it-IT" sz="2400" b="1" dirty="0"/>
+              <a:t>BEST_THROUGPUT </a:t>
+            </a:r>
+            <a:r>
+              <a:rPr lang="it-IT" sz="2400" dirty="0"/>
+              <a:t>= 2.5 </a:t>
+            </a:r>
+            <a:r>
+              <a:rPr lang="it-IT" sz="2400" dirty="0" err="1"/>
+              <a:t>Send</a:t>
+            </a:r>
+            <a:r>
+              <a:rPr lang="it-IT" sz="2400" dirty="0"/>
+              <a:t>/sec</a:t>
+            </a:r>
+          </a:p>
+        </p:txBody>
+      </p:sp>
     </p:spTree>
     <p:extLst>
       <p:ext uri="{BB962C8B-B14F-4D97-AF65-F5344CB8AC3E}">
@@ -12277,6 +13194,144 @@
           <p:cNvPr id="2" name="Titolo 1">
             <a:extLst>
               <a:ext uri="{FF2B5EF4-FFF2-40B4-BE49-F238E27FC236}">
+                <a16:creationId xmlns:a16="http://schemas.microsoft.com/office/drawing/2014/main" id="{FE0EBE1C-1C48-788E-457A-A1C929B85351}"/>
+              </a:ext>
+            </a:extLst>
+          </p:cNvPr>
+          <p:cNvSpPr>
+            <a:spLocks noGrp="1"/>
+          </p:cNvSpPr>
+          <p:nvPr>
+            <p:ph type="title"/>
+          </p:nvPr>
+        </p:nvSpPr>
+        <p:spPr/>
+        <p:txBody>
+          <a:bodyPr/>
+          <a:lstStyle/>
+          <a:p>
+            <a:r>
+              <a:rPr lang="it-IT" u="sng" dirty="0">
+                <a:solidFill>
+                  <a:srgbClr val="0B76A0"/>
+                </a:solidFill>
+                <a:latin typeface="Berlin Sans FB Demi" panose="020E0802020502020306" pitchFamily="34" charset="0"/>
+              </a:rPr>
+              <a:t>SCALABILITY EVALUATION</a:t>
+            </a:r>
+            <a:endParaRPr lang="it-IT" u="sng" dirty="0"/>
+          </a:p>
+        </p:txBody>
+      </p:sp>
+      <p:pic>
+        <p:nvPicPr>
+          <p:cNvPr id="12" name="Segnaposto contenuto 11" descr="Immagine che contiene testo, schermata, Carattere, diagramma&#10;&#10;Descrizione generata automaticamente">
+            <a:extLst>
+              <a:ext uri="{FF2B5EF4-FFF2-40B4-BE49-F238E27FC236}">
+                <a16:creationId xmlns:a16="http://schemas.microsoft.com/office/drawing/2014/main" id="{9499C1F3-13D7-77ED-E5CE-5488E358B33E}"/>
+              </a:ext>
+            </a:extLst>
+          </p:cNvPr>
+          <p:cNvPicPr>
+            <a:picLocks noGrp="1" noChangeAspect="1"/>
+          </p:cNvPicPr>
+          <p:nvPr>
+            <p:ph idx="1"/>
+          </p:nvPr>
+        </p:nvPicPr>
+        <p:blipFill>
+          <a:blip r:embed="rId2">
+            <a:extLst>
+              <a:ext uri="{28A0092B-C50C-407E-A947-70E740481C1C}">
+                <a14:useLocalDpi xmlns:a14="http://schemas.microsoft.com/office/drawing/2010/main" val="0"/>
+              </a:ext>
+            </a:extLst>
+          </a:blip>
+          <a:stretch>
+            <a:fillRect/>
+          </a:stretch>
+        </p:blipFill>
+        <p:spPr>
+          <a:xfrm>
+            <a:off x="838200" y="1690688"/>
+            <a:ext cx="4334934" cy="3251201"/>
+          </a:xfrm>
+          <a:prstGeom prst="rect">
+            <a:avLst/>
+          </a:prstGeom>
+        </p:spPr>
+      </p:pic>
+      <p:pic>
+        <p:nvPicPr>
+          <p:cNvPr id="13" name="Immagine 12" descr="Immagine che contiene testo, schermata, Carattere, diagramma&#10;&#10;Descrizione generata automaticamente">
+            <a:extLst>
+              <a:ext uri="{FF2B5EF4-FFF2-40B4-BE49-F238E27FC236}">
+                <a16:creationId xmlns:a16="http://schemas.microsoft.com/office/drawing/2014/main" id="{0321FCF3-8C20-B74D-0FA5-55214AEB452E}"/>
+              </a:ext>
+            </a:extLst>
+          </p:cNvPr>
+          <p:cNvPicPr>
+            <a:picLocks noChangeAspect="1"/>
+          </p:cNvPicPr>
+          <p:nvPr/>
+        </p:nvPicPr>
+        <p:blipFill>
+          <a:blip r:embed="rId3">
+            <a:extLst>
+              <a:ext uri="{28A0092B-C50C-407E-A947-70E740481C1C}">
+                <a14:useLocalDpi xmlns:a14="http://schemas.microsoft.com/office/drawing/2010/main" val="0"/>
+              </a:ext>
+            </a:extLst>
+          </a:blip>
+          <a:stretch>
+            <a:fillRect/>
+          </a:stretch>
+        </p:blipFill>
+        <p:spPr>
+          <a:xfrm>
+            <a:off x="7018868" y="1690688"/>
+            <a:ext cx="4334934" cy="3251201"/>
+          </a:xfrm>
+          <a:prstGeom prst="rect">
+            <a:avLst/>
+          </a:prstGeom>
+        </p:spPr>
+      </p:pic>
+    </p:spTree>
+    <p:extLst>
+      <p:ext uri="{BB962C8B-B14F-4D97-AF65-F5344CB8AC3E}">
+        <p14:creationId xmlns:p14="http://schemas.microsoft.com/office/powerpoint/2010/main" val="2312428124"/>
+      </p:ext>
+    </p:extLst>
+  </p:cSld>
+  <p:clrMapOvr>
+    <a:masterClrMapping/>
+  </p:clrMapOvr>
+</p:sld>
+</file>
+
+<file path=ppt/slides/slide8.xml><?xml version="1.0" encoding="utf-8"?>
+<p:sld xmlns:a="http://schemas.openxmlformats.org/drawingml/2006/main" xmlns:r="http://schemas.openxmlformats.org/officeDocument/2006/relationships" xmlns:p="http://schemas.openxmlformats.org/presentationml/2006/main">
+  <p:cSld>
+    <p:spTree>
+      <p:nvGrpSpPr>
+        <p:cNvPr id="1" name=""/>
+        <p:cNvGrpSpPr/>
+        <p:nvPr/>
+      </p:nvGrpSpPr>
+      <p:grpSpPr>
+        <a:xfrm>
+          <a:off x="0" y="0"/>
+          <a:ext cx="0" cy="0"/>
+          <a:chOff x="0" y="0"/>
+          <a:chExt cx="0" cy="0"/>
+        </a:xfrm>
+      </p:grpSpPr>
+      <p:sp>
+        <p:nvSpPr>
+          <p:cNvPr id="2" name="Titolo 1">
+            <a:extLst>
+              <a:ext uri="{FF2B5EF4-FFF2-40B4-BE49-F238E27FC236}">
                 <a16:creationId xmlns:a16="http://schemas.microsoft.com/office/drawing/2014/main" id="{AFFBF2B0-7EF0-BEA2-6E6D-CB800AA38DD9}"/>
               </a:ext>
             </a:extLst>
@@ -12321,14 +13376,14 @@
             <p:ph idx="1"/>
             <p:extLst>
               <p:ext uri="{D42A27DB-BD31-4B8C-83A1-F6EECF244321}">
-                <p14:modId xmlns:p14="http://schemas.microsoft.com/office/powerpoint/2010/main" val="1841136669"/>
+                <p14:modId xmlns:p14="http://schemas.microsoft.com/office/powerpoint/2010/main" val="244448992"/>
               </p:ext>
             </p:extLst>
           </p:nvPr>
         </p:nvGraphicFramePr>
         <p:xfrm>
           <a:off x="838200" y="1957705"/>
-          <a:ext cx="10515597" cy="3579495"/>
+          <a:ext cx="10515597" cy="4867864"/>
         </p:xfrm>
         <a:graphic>
           <a:graphicData uri="http://schemas.openxmlformats.org/drawingml/2006/table">
@@ -12359,7 +13414,7 @@
                   </a:extLst>
                 </a:gridCol>
               </a:tblGrid>
-              <a:tr h="917575">
+              <a:tr h="973034">
                 <a:tc>
                   <a:txBody>
                     <a:bodyPr/>
@@ -12408,7 +13463,7 @@
                   </a:ext>
                 </a:extLst>
               </a:tr>
-              <a:tr h="370840">
+              <a:tr h="393254">
                 <a:tc>
                   <a:txBody>
                     <a:bodyPr/>
@@ -12452,7 +13507,7 @@
                   </a:ext>
                 </a:extLst>
               </a:tr>
-              <a:tr h="370840">
+              <a:tr h="678767">
                 <a:tc>
                   <a:txBody>
                     <a:bodyPr/>
@@ -12501,7 +13556,7 @@
                   </a:ext>
                 </a:extLst>
               </a:tr>
-              <a:tr h="370840">
+              <a:tr h="678767">
                 <a:tc>
                   <a:txBody>
                     <a:bodyPr/>
@@ -12562,7 +13617,106 @@
                   </a:ext>
                 </a:extLst>
               </a:tr>
-              <a:tr h="370840">
+              <a:tr h="678767">
+                <a:tc>
+                  <a:txBody>
+                    <a:bodyPr/>
+                    <a:lstStyle/>
+                    <a:p>
+                      <a:pPr algn="r"/>
+                      <a:r>
+                        <a:rPr lang="it-IT" dirty="0"/>
+                        <a:t>Ports </a:t>
+                      </a:r>
+                      <a:r>
+                        <a:rPr lang="it-IT" dirty="0" err="1"/>
+                        <a:t>conflicts</a:t>
+                      </a:r>
+                      <a:r>
+                        <a:rPr lang="it-IT" dirty="0"/>
+                        <a:t>: </a:t>
+                      </a:r>
+                    </a:p>
+                  </a:txBody>
+                  <a:tcPr marL="91439" marR="91439">
+                    <a:solidFill>
+                      <a:srgbClr val="E7EAED"/>
+                    </a:solidFill>
+                  </a:tcPr>
+                </a:tc>
+                <a:tc>
+                  <a:txBody>
+                    <a:bodyPr/>
+                    <a:lstStyle/>
+                    <a:p>
+                      <a:r>
+                        <a:rPr lang="it-IT" dirty="0" err="1"/>
+                        <a:t>Assigned</a:t>
+                      </a:r>
+                      <a:r>
+                        <a:rPr lang="it-IT" dirty="0"/>
+                        <a:t> port </a:t>
+                      </a:r>
+                      <a:r>
+                        <a:rPr lang="it-IT" dirty="0" err="1"/>
+                        <a:t>may</a:t>
+                      </a:r>
+                      <a:r>
+                        <a:rPr lang="it-IT" dirty="0"/>
+                        <a:t> be </a:t>
+                      </a:r>
+                      <a:r>
+                        <a:rPr lang="it-IT" dirty="0" err="1"/>
+                        <a:t>already</a:t>
+                      </a:r>
+                      <a:r>
+                        <a:rPr lang="it-IT" dirty="0"/>
+                        <a:t> in use </a:t>
+                      </a:r>
+                    </a:p>
+                  </a:txBody>
+                  <a:tcPr marL="91439" marR="91439">
+                    <a:solidFill>
+                      <a:srgbClr val="E7EAED"/>
+                    </a:solidFill>
+                  </a:tcPr>
+                </a:tc>
+                <a:tc>
+                  <a:txBody>
+                    <a:bodyPr/>
+                    <a:lstStyle/>
+                    <a:p>
+                      <a:r>
+                        <a:rPr lang="it-IT" dirty="0" err="1"/>
+                        <a:t>Different</a:t>
+                      </a:r>
+                      <a:r>
+                        <a:rPr lang="it-IT" dirty="0"/>
+                        <a:t> </a:t>
+                      </a:r>
+                      <a:r>
+                        <a:rPr lang="it-IT" dirty="0" err="1"/>
+                        <a:t>attempts</a:t>
+                      </a:r>
+                      <a:r>
+                        <a:rPr lang="it-IT" dirty="0"/>
+                        <a:t> to use a port</a:t>
+                      </a:r>
+                    </a:p>
+                  </a:txBody>
+                  <a:tcPr marL="91439" marR="91439">
+                    <a:solidFill>
+                      <a:srgbClr val="E7EAED"/>
+                    </a:solidFill>
+                  </a:tcPr>
+                </a:tc>
+                <a:extLst>
+                  <a:ext uri="{0D108BD9-81ED-4DB2-BD59-A6C34878D82A}">
+                    <a16:rowId xmlns:a16="http://schemas.microsoft.com/office/drawing/2014/main" val="1053847510"/>
+                  </a:ext>
+                </a:extLst>
+              </a:tr>
+              <a:tr h="393254">
                 <a:tc>
                   <a:txBody>
                     <a:bodyPr/>
@@ -12631,7 +13785,7 @@
                   </a:ext>
                 </a:extLst>
               </a:tr>
-              <a:tr h="370840">
+              <a:tr h="678767">
                 <a:tc>
                   <a:txBody>
                     <a:bodyPr/>
@@ -12688,6 +13842,56 @@
                   </a:ext>
                 </a:extLst>
               </a:tr>
+              <a:tr h="393254">
+                <a:tc>
+                  <a:txBody>
+                    <a:bodyPr/>
+                    <a:lstStyle/>
+                    <a:p>
+                      <a:pPr algn="r"/>
+                      <a:endParaRPr lang="it-IT" dirty="0"/>
+                    </a:p>
+                  </a:txBody>
+                  <a:tcPr marL="91439" marR="91439">
+                    <a:solidFill>
+                      <a:srgbClr val="E7EAED"/>
+                    </a:solidFill>
+                  </a:tcPr>
+                </a:tc>
+                <a:tc>
+                  <a:txBody>
+                    <a:bodyPr/>
+                    <a:lstStyle/>
+                    <a:p>
+                      <a:endParaRPr lang="it-IT" dirty="0"/>
+                    </a:p>
+                  </a:txBody>
+                  <a:tcPr marL="91439" marR="91439">
+                    <a:solidFill>
+                      <a:srgbClr val="E7EAED"/>
+                    </a:solidFill>
+                  </a:tcPr>
+                </a:tc>
+                <a:tc>
+                  <a:txBody>
+                    <a:bodyPr/>
+                    <a:lstStyle/>
+                    <a:p>
+                      <a:endParaRPr lang="it-IT" dirty="0"/>
+                    </a:p>
+                  </a:txBody>
+                  <a:tcPr marL="91439" marR="91439">
+                    <a:solidFill>
+                      <a:srgbClr val="E7EAED"/>
+                    </a:solidFill>
+                  </a:tcPr>
+                </a:tc>
+                <a:extLst>
+                  <a:ext uri="{0D108BD9-81ED-4DB2-BD59-A6C34878D82A}">
+                    <a16:rowId xmlns:a16="http://schemas.microsoft.com/office/drawing/2014/main" val="2681359767"/>
+                  </a:ext>
+                </a:extLst>
+              </a:tr>
             </a:tbl>
           </a:graphicData>
         </a:graphic>
@@ -12917,13 +14121,13 @@
   <p:clrMapOvr>
     <a:masterClrMapping/>
   </p:clrMapOvr>
-  <mc:AlternateContent xmlns:mc="http://schemas.openxmlformats.org/markup-compatibility/2006">
-    <mc:Choice xmlns:p14="http://schemas.microsoft.com/office/powerpoint/2010/main" Requires="p14">
+  <mc:AlternateContent xmlns:mc="http://schemas.openxmlformats.org/markup-compatibility/2006" xmlns:p14="http://schemas.microsoft.com/office/powerpoint/2010/main">
+    <mc:Choice Requires="p14">
       <p:transition spd="slow" p14:dur="800">
         <p:circle/>
       </p:transition>
     </mc:Choice>
-    <mc:Fallback>
+    <mc:Fallback xmlns="">
       <p:transition spd="slow">
         <p:circle/>
       </p:transition>
@@ -12932,7 +14136,7 @@
 </p:sld>
 </file>
 
-<file path=ppt/slides/slide8.xml><?xml version="1.0" encoding="utf-8"?>
+<file path=ppt/slides/slide9.xml><?xml version="1.0" encoding="utf-8"?>
 <p:sld xmlns:a="http://schemas.openxmlformats.org/drawingml/2006/main" xmlns:r="http://schemas.openxmlformats.org/officeDocument/2006/relationships" xmlns:p="http://schemas.openxmlformats.org/presentationml/2006/main">
   <p:cSld>
     <p:spTree>
@@ -13021,42 +14225,6 @@
           </a:fontRef>
         </p:style>
       </p:cxnSp>
-      <p:pic>
-        <p:nvPicPr>
-          <p:cNvPr id="7" name="Immagine 6" descr="Immagine che contiene testo, schermata, biglietto da visita, Carattere&#10;&#10;Descrizione generata automaticamente">
-            <a:extLst>
-              <a:ext uri="{FF2B5EF4-FFF2-40B4-BE49-F238E27FC236}">
-                <a16:creationId xmlns:a16="http://schemas.microsoft.com/office/drawing/2014/main" id="{7DF35A9A-D5E0-B169-46CD-E35BD1C7E570}"/>
-              </a:ext>
-            </a:extLst>
-          </p:cNvPr>
-          <p:cNvPicPr>
-            <a:picLocks noChangeAspect="1"/>
-          </p:cNvPicPr>
-          <p:nvPr/>
-        </p:nvPicPr>
-        <p:blipFill>
-          <a:blip r:embed="rId2">
-            <a:extLst>
-              <a:ext uri="{28A0092B-C50C-407E-A947-70E740481C1C}">
-                <a14:useLocalDpi xmlns:a14="http://schemas.microsoft.com/office/drawing/2010/main" val="0"/>
-              </a:ext>
-            </a:extLst>
-          </a:blip>
-          <a:stretch>
-            <a:fillRect/>
-          </a:stretch>
-        </p:blipFill>
-        <p:spPr>
-          <a:xfrm>
-            <a:off x="426719" y="1513843"/>
-            <a:ext cx="11575165" cy="4659103"/>
-          </a:xfrm>
-          <a:prstGeom prst="rect">
-            <a:avLst/>
-          </a:prstGeom>
-        </p:spPr>
-      </p:pic>
       <p:sp>
         <p:nvSpPr>
           <p:cNvPr id="10" name="Rettangolo 9">
@@ -13071,7 +14239,7 @@
         </p:nvSpPr>
         <p:spPr>
           <a:xfrm>
-            <a:off x="741680" y="1927464"/>
+            <a:off x="494030" y="2036127"/>
             <a:ext cx="7691120" cy="1540192"/>
           </a:xfrm>
           <a:prstGeom prst="rect">
@@ -13105,7 +14273,7 @@
           <a:lstStyle/>
           <a:p>
             <a:pPr algn="ctr"/>
-            <a:endParaRPr lang="it-IT"/>
+            <a:endParaRPr lang="it-IT" dirty="0"/>
           </a:p>
         </p:txBody>
       </p:sp>
@@ -13157,7 +14325,388 @@
           <a:lstStyle/>
           <a:p>
             <a:pPr algn="ctr"/>
-            <a:endParaRPr lang="it-IT"/>
+            <a:endParaRPr lang="it-IT" dirty="0"/>
+          </a:p>
+        </p:txBody>
+      </p:sp>
+      <p:grpSp>
+        <p:nvGrpSpPr>
+          <p:cNvPr id="6" name="Gruppo 5">
+            <a:extLst>
+              <a:ext uri="{FF2B5EF4-FFF2-40B4-BE49-F238E27FC236}">
+                <a16:creationId xmlns:a16="http://schemas.microsoft.com/office/drawing/2014/main" id="{E7600C75-4AEE-C816-7418-B35BEC4BADC8}"/>
+              </a:ext>
+            </a:extLst>
+          </p:cNvPr>
+          <p:cNvGrpSpPr/>
+          <p:nvPr/>
+        </p:nvGrpSpPr>
+        <p:grpSpPr>
+          <a:xfrm>
+            <a:off x="426719" y="1560977"/>
+            <a:ext cx="11575165" cy="4659103"/>
+            <a:chOff x="426719" y="1513843"/>
+            <a:chExt cx="11575165" cy="4659103"/>
+          </a:xfrm>
+        </p:grpSpPr>
+        <p:pic>
+          <p:nvPicPr>
+            <p:cNvPr id="7" name="Immagine 6" descr="Immagine che contiene testo, schermata, biglietto da visita, Carattere&#10;&#10;Descrizione generata automaticamente">
+              <a:extLst>
+                <a:ext uri="{FF2B5EF4-FFF2-40B4-BE49-F238E27FC236}">
+                  <a16:creationId xmlns:a16="http://schemas.microsoft.com/office/drawing/2014/main" id="{7DF35A9A-D5E0-B169-46CD-E35BD1C7E570}"/>
+                </a:ext>
+              </a:extLst>
+            </p:cNvPr>
+            <p:cNvPicPr>
+              <a:picLocks noChangeAspect="1"/>
+            </p:cNvPicPr>
+            <p:nvPr/>
+          </p:nvPicPr>
+          <p:blipFill>
+            <a:blip r:embed="rId3">
+              <a:extLst>
+                <a:ext uri="{28A0092B-C50C-407E-A947-70E740481C1C}">
+                  <a14:useLocalDpi xmlns:a14="http://schemas.microsoft.com/office/drawing/2010/main" val="0"/>
+                </a:ext>
+              </a:extLst>
+            </a:blip>
+            <a:stretch>
+              <a:fillRect/>
+            </a:stretch>
+          </p:blipFill>
+          <p:spPr>
+            <a:xfrm>
+              <a:off x="426719" y="1513843"/>
+              <a:ext cx="11575165" cy="4659103"/>
+            </a:xfrm>
+            <a:prstGeom prst="rect">
+              <a:avLst/>
+            </a:prstGeom>
+          </p:spPr>
+        </p:pic>
+        <p:sp>
+          <p:nvSpPr>
+            <p:cNvPr id="3" name="Rettangolo 2">
+              <a:extLst>
+                <a:ext uri="{FF2B5EF4-FFF2-40B4-BE49-F238E27FC236}">
+                  <a16:creationId xmlns:a16="http://schemas.microsoft.com/office/drawing/2014/main" id="{7B58C3DF-3094-2E27-2755-4DCE8FC85E92}"/>
+                </a:ext>
+              </a:extLst>
+            </p:cNvPr>
+            <p:cNvSpPr/>
+            <p:nvPr/>
+          </p:nvSpPr>
+          <p:spPr>
+            <a:xfrm>
+              <a:off x="494030" y="2048827"/>
+              <a:ext cx="7691120" cy="1540192"/>
+            </a:xfrm>
+            <a:prstGeom prst="rect">
+              <a:avLst/>
+            </a:prstGeom>
+            <a:solidFill>
+              <a:schemeClr val="bg1"/>
+            </a:solidFill>
+            <a:ln>
+              <a:noFill/>
+            </a:ln>
+          </p:spPr>
+          <p:style>
+            <a:lnRef idx="2">
+              <a:schemeClr val="accent1">
+                <a:shade val="15000"/>
+              </a:schemeClr>
+            </a:lnRef>
+            <a:fillRef idx="1">
+              <a:schemeClr val="accent1"/>
+            </a:fillRef>
+            <a:effectRef idx="0">
+              <a:schemeClr val="accent1"/>
+            </a:effectRef>
+            <a:fontRef idx="minor">
+              <a:schemeClr val="lt1"/>
+            </a:fontRef>
+          </p:style>
+          <p:txBody>
+            <a:bodyPr rtlCol="0" anchor="ctr"/>
+            <a:lstStyle/>
+            <a:p>
+              <a:pPr algn="ctr"/>
+              <a:endParaRPr lang="it-IT" dirty="0"/>
+            </a:p>
+          </p:txBody>
+        </p:sp>
+      </p:grpSp>
+      <p:sp>
+        <p:nvSpPr>
+          <p:cNvPr id="5" name="Rettangolo 4">
+            <a:extLst>
+              <a:ext uri="{FF2B5EF4-FFF2-40B4-BE49-F238E27FC236}">
+                <a16:creationId xmlns:a16="http://schemas.microsoft.com/office/drawing/2014/main" id="{B679C76F-9B17-EFA7-886A-11FBDE8D54EE}"/>
+              </a:ext>
+            </a:extLst>
+          </p:cNvPr>
+          <p:cNvSpPr/>
+          <p:nvPr/>
+        </p:nvSpPr>
+        <p:spPr>
+          <a:xfrm>
+            <a:off x="838200" y="4409916"/>
+            <a:ext cx="7691120" cy="1540192"/>
+          </a:xfrm>
+          <a:prstGeom prst="rect">
+            <a:avLst/>
+          </a:prstGeom>
+          <a:solidFill>
+            <a:schemeClr val="bg1"/>
+          </a:solidFill>
+          <a:ln>
+            <a:noFill/>
+          </a:ln>
+        </p:spPr>
+        <p:style>
+          <a:lnRef idx="2">
+            <a:schemeClr val="accent1">
+              <a:shade val="15000"/>
+            </a:schemeClr>
+          </a:lnRef>
+          <a:fillRef idx="1">
+            <a:schemeClr val="accent1"/>
+          </a:fillRef>
+          <a:effectRef idx="0">
+            <a:schemeClr val="accent1"/>
+          </a:effectRef>
+          <a:fontRef idx="minor">
+            <a:schemeClr val="lt1"/>
+          </a:fontRef>
+        </p:style>
+        <p:txBody>
+          <a:bodyPr rtlCol="0" anchor="ctr"/>
+          <a:lstStyle/>
+          <a:p>
+            <a:pPr algn="ctr"/>
+            <a:endParaRPr lang="it-IT" dirty="0"/>
+          </a:p>
+        </p:txBody>
+      </p:sp>
+      <p:cxnSp>
+        <p:nvCxnSpPr>
+          <p:cNvPr id="18" name="Connettore 2 17">
+            <a:extLst>
+              <a:ext uri="{FF2B5EF4-FFF2-40B4-BE49-F238E27FC236}">
+                <a16:creationId xmlns:a16="http://schemas.microsoft.com/office/drawing/2014/main" id="{E60E6F08-905D-C7E6-D33C-F9A635FC90C1}"/>
+              </a:ext>
+            </a:extLst>
+          </p:cNvPr>
+          <p:cNvCxnSpPr/>
+          <p:nvPr/>
+        </p:nvCxnSpPr>
+        <p:spPr>
+          <a:xfrm flipV="1">
+            <a:off x="2073701" y="2854593"/>
+            <a:ext cx="0" cy="1035935"/>
+          </a:xfrm>
+          <a:prstGeom prst="straightConnector1">
+            <a:avLst/>
+          </a:prstGeom>
+          <a:ln w="28575">
+            <a:solidFill>
+              <a:srgbClr val="134F98"/>
+            </a:solidFill>
+            <a:tailEnd type="triangle"/>
+          </a:ln>
+        </p:spPr>
+        <p:style>
+          <a:lnRef idx="2">
+            <a:schemeClr val="accent1"/>
+          </a:lnRef>
+          <a:fillRef idx="0">
+            <a:schemeClr val="accent1"/>
+          </a:fillRef>
+          <a:effectRef idx="1">
+            <a:schemeClr val="accent1"/>
+          </a:effectRef>
+          <a:fontRef idx="minor">
+            <a:schemeClr val="tx1"/>
+          </a:fontRef>
+        </p:style>
+      </p:cxnSp>
+      <p:cxnSp>
+        <p:nvCxnSpPr>
+          <p:cNvPr id="20" name="Connettore 2 19">
+            <a:extLst>
+              <a:ext uri="{FF2B5EF4-FFF2-40B4-BE49-F238E27FC236}">
+                <a16:creationId xmlns:a16="http://schemas.microsoft.com/office/drawing/2014/main" id="{566A6A41-8D63-C378-5B76-50674684F484}"/>
+              </a:ext>
+            </a:extLst>
+          </p:cNvPr>
+          <p:cNvCxnSpPr/>
+          <p:nvPr/>
+        </p:nvCxnSpPr>
+        <p:spPr>
+          <a:xfrm flipV="1">
+            <a:off x="6942241" y="2854593"/>
+            <a:ext cx="0" cy="1035935"/>
+          </a:xfrm>
+          <a:prstGeom prst="straightConnector1">
+            <a:avLst/>
+          </a:prstGeom>
+          <a:ln w="28575">
+            <a:solidFill>
+              <a:srgbClr val="1DCED6"/>
+            </a:solidFill>
+            <a:tailEnd type="triangle"/>
+          </a:ln>
+        </p:spPr>
+        <p:style>
+          <a:lnRef idx="2">
+            <a:schemeClr val="accent1"/>
+          </a:lnRef>
+          <a:fillRef idx="0">
+            <a:schemeClr val="accent1"/>
+          </a:fillRef>
+          <a:effectRef idx="1">
+            <a:schemeClr val="accent1"/>
+          </a:effectRef>
+          <a:fontRef idx="minor">
+            <a:schemeClr val="tx1"/>
+          </a:fontRef>
+        </p:style>
+      </p:cxnSp>
+      <p:cxnSp>
+        <p:nvCxnSpPr>
+          <p:cNvPr id="22" name="Connettore 2 21">
+            <a:extLst>
+              <a:ext uri="{FF2B5EF4-FFF2-40B4-BE49-F238E27FC236}">
+                <a16:creationId xmlns:a16="http://schemas.microsoft.com/office/drawing/2014/main" id="{4A8BC5E0-E2C1-1CBE-0537-0DD4BF540C49}"/>
+              </a:ext>
+            </a:extLst>
+          </p:cNvPr>
+          <p:cNvCxnSpPr/>
+          <p:nvPr/>
+        </p:nvCxnSpPr>
+        <p:spPr>
+          <a:xfrm>
+            <a:off x="4509413" y="3890528"/>
+            <a:ext cx="0" cy="838749"/>
+          </a:xfrm>
+          <a:prstGeom prst="straightConnector1">
+            <a:avLst/>
+          </a:prstGeom>
+          <a:ln w="28575">
+            <a:solidFill>
+              <a:srgbClr val="1BB5E7"/>
+            </a:solidFill>
+            <a:tailEnd type="triangle"/>
+          </a:ln>
+        </p:spPr>
+        <p:style>
+          <a:lnRef idx="2">
+            <a:schemeClr val="accent1"/>
+          </a:lnRef>
+          <a:fillRef idx="0">
+            <a:schemeClr val="accent1"/>
+          </a:fillRef>
+          <a:effectRef idx="1">
+            <a:schemeClr val="accent1"/>
+          </a:effectRef>
+          <a:fontRef idx="minor">
+            <a:schemeClr val="tx1"/>
+          </a:fontRef>
+        </p:style>
+      </p:cxnSp>
+      <p:pic>
+        <p:nvPicPr>
+          <p:cNvPr id="23" name="Segnaposto contenuto 5">
+            <a:extLst>
+              <a:ext uri="{FF2B5EF4-FFF2-40B4-BE49-F238E27FC236}">
+                <a16:creationId xmlns:a16="http://schemas.microsoft.com/office/drawing/2014/main" id="{07295D30-7715-EAD5-472A-B0CD190F1505}"/>
+              </a:ext>
+            </a:extLst>
+          </p:cNvPr>
+          <p:cNvPicPr>
+            <a:picLocks noGrp="1" noChangeAspect="1"/>
+          </p:cNvPicPr>
+          <p:nvPr>
+            <p:ph idx="1"/>
+          </p:nvPr>
+        </p:nvPicPr>
+        <p:blipFill>
+          <a:blip r:embed="rId4"/>
+          <a:stretch>
+            <a:fillRect/>
+          </a:stretch>
+        </p:blipFill>
+        <p:spPr>
+          <a:xfrm>
+            <a:off x="2382705" y="4757808"/>
+            <a:ext cx="4253416" cy="887669"/>
+          </a:xfrm>
+        </p:spPr>
+      </p:pic>
+      <p:pic>
+        <p:nvPicPr>
+          <p:cNvPr id="24" name="Immagine 23">
+            <a:extLst>
+              <a:ext uri="{FF2B5EF4-FFF2-40B4-BE49-F238E27FC236}">
+                <a16:creationId xmlns:a16="http://schemas.microsoft.com/office/drawing/2014/main" id="{7BE1F240-DC7A-3496-9EA6-97ED6F1C2149}"/>
+              </a:ext>
+            </a:extLst>
+          </p:cNvPr>
+          <p:cNvPicPr>
+            <a:picLocks noChangeAspect="1"/>
+          </p:cNvPicPr>
+          <p:nvPr/>
+        </p:nvPicPr>
+        <p:blipFill>
+          <a:blip r:embed="rId5"/>
+          <a:stretch>
+            <a:fillRect/>
+          </a:stretch>
+        </p:blipFill>
+        <p:spPr>
+          <a:xfrm>
+            <a:off x="4765316" y="1958943"/>
+            <a:ext cx="4353850" cy="860151"/>
+          </a:xfrm>
+          <a:prstGeom prst="rect">
+            <a:avLst/>
+          </a:prstGeom>
+        </p:spPr>
+      </p:pic>
+      <p:sp>
+        <p:nvSpPr>
+          <p:cNvPr id="25" name="CasellaDiTesto 24">
+            <a:extLst>
+              <a:ext uri="{FF2B5EF4-FFF2-40B4-BE49-F238E27FC236}">
+                <a16:creationId xmlns:a16="http://schemas.microsoft.com/office/drawing/2014/main" id="{2549C263-290A-B262-FE99-1858A42D41A4}"/>
+              </a:ext>
+            </a:extLst>
+          </p:cNvPr>
+          <p:cNvSpPr txBox="1"/>
+          <p:nvPr/>
+        </p:nvSpPr>
+        <p:spPr>
+          <a:xfrm>
+            <a:off x="806780" y="2572197"/>
+            <a:ext cx="3151849" cy="369332"/>
+          </a:xfrm>
+          <a:prstGeom prst="rect">
+            <a:avLst/>
+          </a:prstGeom>
+          <a:noFill/>
+        </p:spPr>
+        <p:txBody>
+          <a:bodyPr wrap="square" rtlCol="0">
+            <a:spAutoFit/>
+          </a:bodyPr>
+          <a:lstStyle/>
+          <a:p>
+            <a:r>
+              <a:rPr lang="it-IT" dirty="0"/>
+              <a:t>SEQUENCE OF EVENTS</a:t>
+            </a:r>
           </a:p>
         </p:txBody>
       </p:sp>
@@ -13174,119 +14723,6 @@
   <p:transition spd="slow">
     <p:cover/>
   </p:transition>
-</p:sld>
-</file>
-
-<file path=ppt/slides/slide9.xml><?xml version="1.0" encoding="utf-8"?>
-<p:sld xmlns:a="http://schemas.openxmlformats.org/drawingml/2006/main" xmlns:r="http://schemas.openxmlformats.org/officeDocument/2006/relationships" xmlns:p="http://schemas.openxmlformats.org/presentationml/2006/main">
-  <p:cSld>
-    <p:bg>
-      <p:bgPr>
-        <a:blipFill dpi="0" rotWithShape="1">
-          <a:blip r:embed="rId2">
-            <a:lum/>
-          </a:blip>
-          <a:srcRect/>
-          <a:stretch>
-            <a:fillRect/>
-          </a:stretch>
-        </a:blipFill>
-        <a:effectLst/>
-      </p:bgPr>
-    </p:bg>
-    <p:spTree>
-      <p:nvGrpSpPr>
-        <p:cNvPr id="1" name=""/>
-        <p:cNvGrpSpPr/>
-        <p:nvPr/>
-      </p:nvGrpSpPr>
-      <p:grpSpPr>
-        <a:xfrm>
-          <a:off x="0" y="0"/>
-          <a:ext cx="0" cy="0"/>
-          <a:chOff x="0" y="0"/>
-          <a:chExt cx="0" cy="0"/>
-        </a:xfrm>
-      </p:grpSpPr>
-      <p:sp>
-        <p:nvSpPr>
-          <p:cNvPr id="2" name="Titolo 1">
-            <a:extLst>
-              <a:ext uri="{FF2B5EF4-FFF2-40B4-BE49-F238E27FC236}">
-                <a16:creationId xmlns:a16="http://schemas.microsoft.com/office/drawing/2014/main" id="{97133C2A-A702-7BB0-01BC-F9DB2D6A4487}"/>
-              </a:ext>
-            </a:extLst>
-          </p:cNvPr>
-          <p:cNvSpPr>
-            <a:spLocks noGrp="1"/>
-          </p:cNvSpPr>
-          <p:nvPr>
-            <p:ph type="ctrTitle"/>
-          </p:nvPr>
-        </p:nvSpPr>
-        <p:spPr>
-          <a:xfrm>
-            <a:off x="0" y="3556000"/>
-            <a:ext cx="6278880" cy="1838960"/>
-          </a:xfrm>
-        </p:spPr>
-        <p:txBody>
-          <a:bodyPr>
-            <a:normAutofit fontScale="90000"/>
-          </a:bodyPr>
-          <a:lstStyle/>
-          <a:p>
-            <a:r>
-              <a:rPr lang="it-IT" dirty="0">
-                <a:solidFill>
-                  <a:srgbClr val="0B76A0"/>
-                </a:solidFill>
-                <a:latin typeface="Berlin Sans FB Demi" panose="020E0802020502020306" pitchFamily="34" charset="0"/>
-              </a:rPr>
-              <a:t>GRAZIE PER L’ATTENZIONE </a:t>
-            </a:r>
-            <a:br>
-              <a:rPr lang="it-IT" dirty="0">
-                <a:solidFill>
-                  <a:srgbClr val="0B76A0"/>
-                </a:solidFill>
-                <a:latin typeface="Berlin Sans FB Demi" panose="020E0802020502020306" pitchFamily="34" charset="0"/>
-              </a:rPr>
-            </a:br>
-            <a:r>
-              <a:rPr lang="it-IT" dirty="0">
-                <a:solidFill>
-                  <a:srgbClr val="0B76A0"/>
-                </a:solidFill>
-                <a:latin typeface="Berlin Sans FB Demi" panose="020E0802020502020306" pitchFamily="34" charset="0"/>
-              </a:rPr>
-              <a:t>DOTTORESSA E FARIN8!!!!</a:t>
-            </a:r>
-          </a:p>
-        </p:txBody>
-      </p:sp>
-    </p:spTree>
-    <p:extLst>
-      <p:ext uri="{BB962C8B-B14F-4D97-AF65-F5344CB8AC3E}">
-        <p14:creationId xmlns:p14="http://schemas.microsoft.com/office/powerpoint/2010/main" val="88088807"/>
-      </p:ext>
-    </p:extLst>
-  </p:cSld>
-  <p:clrMapOvr>
-    <a:masterClrMapping/>
-  </p:clrMapOvr>
-  <mc:AlternateContent xmlns:mc="http://schemas.openxmlformats.org/markup-compatibility/2006">
-    <mc:Choice xmlns:p14="http://schemas.microsoft.com/office/powerpoint/2010/main" Requires="p14">
-      <p:transition spd="med" p14:dur="700">
-        <p:fade/>
-      </p:transition>
-    </mc:Choice>
-    <mc:Fallback>
-      <p:transition spd="med">
-        <p:fade/>
-      </p:transition>
-    </mc:Fallback>
-  </mc:AlternateContent>
 </p:sld>
 </file>
 
@@ -13603,4 +15039,319 @@
     </a:ext>
   </a:extLst>
 </a:theme>
+</file>
+
+<file path=ppt/theme/theme2.xml><?xml version="1.0" encoding="utf-8"?>
+<a:theme xmlns:a="http://schemas.openxmlformats.org/drawingml/2006/main" name="Tema di Office">
+  <a:themeElements>
+    <a:clrScheme name="Office">
+      <a:dk1>
+        <a:sysClr val="windowText" lastClr="000000"/>
+      </a:dk1>
+      <a:lt1>
+        <a:sysClr val="window" lastClr="FFFFFF"/>
+      </a:lt1>
+      <a:dk2>
+        <a:srgbClr val="0E2841"/>
+      </a:dk2>
+      <a:lt2>
+        <a:srgbClr val="E8E8E8"/>
+      </a:lt2>
+      <a:accent1>
+        <a:srgbClr val="156082"/>
+      </a:accent1>
+      <a:accent2>
+        <a:srgbClr val="E97132"/>
+      </a:accent2>
+      <a:accent3>
+        <a:srgbClr val="196B24"/>
+      </a:accent3>
+      <a:accent4>
+        <a:srgbClr val="0F9ED5"/>
+      </a:accent4>
+      <a:accent5>
+        <a:srgbClr val="A02B93"/>
+      </a:accent5>
+      <a:accent6>
+        <a:srgbClr val="4EA72E"/>
+      </a:accent6>
+      <a:hlink>
+        <a:srgbClr val="467886"/>
+      </a:hlink>
+      <a:folHlink>
+        <a:srgbClr val="96607D"/>
+      </a:folHlink>
+    </a:clrScheme>
+    <a:fontScheme name="Office">
+      <a:majorFont>
+        <a:latin typeface="Aptos Display" panose="02110004020202020204"/>
+        <a:ea typeface=""/>
+        <a:cs typeface=""/>
+        <a:font script="Jpan" typeface="游ゴシック Light"/>
+        <a:font script="Hang" typeface="맑은 고딕"/>
+        <a:font script="Hans" typeface="等线 Light"/>
+        <a:font script="Hant" typeface="新細明體"/>
+        <a:font script="Arab" typeface="Times New Roman"/>
+        <a:font script="Hebr" typeface="Times New Roman"/>
+        <a:font script="Thai" typeface="Angsana New"/>
+        <a:font script="Ethi" typeface="Nyala"/>
+        <a:font script="Beng" typeface="Vrinda"/>
+        <a:font script="Gujr" typeface="Shruti"/>
+        <a:font script="Khmr" typeface="MoolBoran"/>
+        <a:font script="Knda" typeface="Tunga"/>
+        <a:font script="Guru" typeface="Raavi"/>
+        <a:font script="Cans" typeface="Euphemia"/>
+        <a:font script="Cher" typeface="Plantagenet Cherokee"/>
+        <a:font script="Yiii" typeface="Microsoft Yi Baiti"/>
+        <a:font script="Tibt" typeface="Microsoft Himalaya"/>
+        <a:font script="Thaa" typeface="MV Boli"/>
+        <a:font script="Deva" typeface="Mangal"/>
+        <a:font script="Telu" typeface="Gautami"/>
+        <a:font script="Taml" typeface="Latha"/>
+        <a:font script="Syrc" typeface="Estrangelo Edessa"/>
+        <a:font script="Orya" typeface="Kalinga"/>
+        <a:font script="Mlym" typeface="Kartika"/>
+        <a:font script="Laoo" typeface="DokChampa"/>
+        <a:font script="Sinh" typeface="Iskoola Pota"/>
+        <a:font script="Mong" typeface="Mongolian Baiti"/>
+        <a:font script="Viet" typeface="Times New Roman"/>
+        <a:font script="Uigh" typeface="Microsoft Uighur"/>
+        <a:font script="Geor" typeface="Sylfaen"/>
+        <a:font script="Armn" typeface="Arial"/>
+        <a:font script="Bugi" typeface="Leelawadee UI"/>
+        <a:font script="Bopo" typeface="Microsoft JhengHei"/>
+        <a:font script="Java" typeface="Javanese Text"/>
+        <a:font script="Lisu" typeface="Segoe UI"/>
+        <a:font script="Mymr" typeface="Myanmar Text"/>
+        <a:font script="Nkoo" typeface="Ebrima"/>
+        <a:font script="Olck" typeface="Nirmala UI"/>
+        <a:font script="Osma" typeface="Ebrima"/>
+        <a:font script="Phag" typeface="Phagspa"/>
+        <a:font script="Syrn" typeface="Estrangelo Edessa"/>
+        <a:font script="Syrj" typeface="Estrangelo Edessa"/>
+        <a:font script="Syre" typeface="Estrangelo Edessa"/>
+        <a:font script="Sora" typeface="Nirmala UI"/>
+        <a:font script="Tale" typeface="Microsoft Tai Le"/>
+        <a:font script="Talu" typeface="Microsoft New Tai Lue"/>
+        <a:font script="Tfng" typeface="Ebrima"/>
+      </a:majorFont>
+      <a:minorFont>
+        <a:latin typeface="Aptos" panose="02110004020202020204"/>
+        <a:ea typeface=""/>
+        <a:cs typeface=""/>
+        <a:font script="Jpan" typeface="游ゴシック"/>
+        <a:font script="Hang" typeface="맑은 고딕"/>
+        <a:font script="Hans" typeface="等线"/>
+        <a:font script="Hant" typeface="新細明體"/>
+        <a:font script="Arab" typeface="Arial"/>
+        <a:font script="Hebr" typeface="Arial"/>
+        <a:font script="Thai" typeface="Cordia New"/>
+        <a:font script="Ethi" typeface="Nyala"/>
+        <a:font script="Beng" typeface="Vrinda"/>
+        <a:font script="Gujr" typeface="Shruti"/>
+        <a:font script="Khmr" typeface="DaunPenh"/>
+        <a:font script="Knda" typeface="Tunga"/>
+        <a:font script="Guru" typeface="Raavi"/>
+        <a:font script="Cans" typeface="Euphemia"/>
+        <a:font script="Cher" typeface="Plantagenet Cherokee"/>
+        <a:font script="Yiii" typeface="Microsoft Yi Baiti"/>
+        <a:font script="Tibt" typeface="Microsoft Himalaya"/>
+        <a:font script="Thaa" typeface="MV Boli"/>
+        <a:font script="Deva" typeface="Mangal"/>
+        <a:font script="Telu" typeface="Gautami"/>
+        <a:font script="Taml" typeface="Latha"/>
+        <a:font script="Syrc" typeface="Estrangelo Edessa"/>
+        <a:font script="Orya" typeface="Kalinga"/>
+        <a:font script="Mlym" typeface="Kartika"/>
+        <a:font script="Laoo" typeface="DokChampa"/>
+        <a:font script="Sinh" typeface="Iskoola Pota"/>
+        <a:font script="Mong" typeface="Mongolian Baiti"/>
+        <a:font script="Viet" typeface="Arial"/>
+        <a:font script="Uigh" typeface="Microsoft Uighur"/>
+        <a:font script="Geor" typeface="Sylfaen"/>
+        <a:font script="Armn" typeface="Arial"/>
+        <a:font script="Bugi" typeface="Leelawadee UI"/>
+        <a:font script="Bopo" typeface="Microsoft JhengHei"/>
+        <a:font script="Java" typeface="Javanese Text"/>
+        <a:font script="Lisu" typeface="Segoe UI"/>
+        <a:font script="Mymr" typeface="Myanmar Text"/>
+        <a:font script="Nkoo" typeface="Ebrima"/>
+        <a:font script="Olck" typeface="Nirmala UI"/>
+        <a:font script="Osma" typeface="Ebrima"/>
+        <a:font script="Phag" typeface="Phagspa"/>
+        <a:font script="Syrn" typeface="Estrangelo Edessa"/>
+        <a:font script="Syrj" typeface="Estrangelo Edessa"/>
+        <a:font script="Syre" typeface="Estrangelo Edessa"/>
+        <a:font script="Sora" typeface="Nirmala UI"/>
+        <a:font script="Tale" typeface="Microsoft Tai Le"/>
+        <a:font script="Talu" typeface="Microsoft New Tai Lue"/>
+        <a:font script="Tfng" typeface="Ebrima"/>
+      </a:minorFont>
+    </a:fontScheme>
+    <a:fmtScheme name="Office">
+      <a:fillStyleLst>
+        <a:solidFill>
+          <a:schemeClr val="phClr"/>
+        </a:solidFill>
+        <a:gradFill rotWithShape="1">
+          <a:gsLst>
+            <a:gs pos="0">
+              <a:schemeClr val="phClr">
+                <a:lumMod val="110000"/>
+                <a:satMod val="105000"/>
+                <a:tint val="67000"/>
+              </a:schemeClr>
+            </a:gs>
+            <a:gs pos="50000">
+              <a:schemeClr val="phClr">
+                <a:lumMod val="105000"/>
+                <a:satMod val="103000"/>
+                <a:tint val="73000"/>
+              </a:schemeClr>
+            </a:gs>
+            <a:gs pos="100000">
+              <a:schemeClr val="phClr">
+                <a:lumMod val="105000"/>
+                <a:satMod val="109000"/>
+                <a:tint val="81000"/>
+              </a:schemeClr>
+            </a:gs>
+          </a:gsLst>
+          <a:lin ang="5400000" scaled="0"/>
+        </a:gradFill>
+        <a:gradFill rotWithShape="1">
+          <a:gsLst>
+            <a:gs pos="0">
+              <a:schemeClr val="phClr">
+                <a:satMod val="103000"/>
+                <a:lumMod val="102000"/>
+                <a:tint val="94000"/>
+              </a:schemeClr>
+            </a:gs>
+            <a:gs pos="50000">
+              <a:schemeClr val="phClr">
+                <a:satMod val="110000"/>
+                <a:lumMod val="100000"/>
+                <a:shade val="100000"/>
+              </a:schemeClr>
+            </a:gs>
+            <a:gs pos="100000">
+              <a:schemeClr val="phClr">
+                <a:lumMod val="99000"/>
+                <a:satMod val="120000"/>
+                <a:shade val="78000"/>
+              </a:schemeClr>
+            </a:gs>
+          </a:gsLst>
+          <a:lin ang="5400000" scaled="0"/>
+        </a:gradFill>
+      </a:fillStyleLst>
+      <a:lnStyleLst>
+        <a:ln w="12700" cap="flat" cmpd="sng" algn="ctr">
+          <a:solidFill>
+            <a:schemeClr val="phClr"/>
+          </a:solidFill>
+          <a:prstDash val="solid"/>
+          <a:miter lim="800000"/>
+        </a:ln>
+        <a:ln w="19050" cap="flat" cmpd="sng" algn="ctr">
+          <a:solidFill>
+            <a:schemeClr val="phClr"/>
+          </a:solidFill>
+          <a:prstDash val="solid"/>
+          <a:miter lim="800000"/>
+        </a:ln>
+        <a:ln w="25400" cap="flat" cmpd="sng" algn="ctr">
+          <a:solidFill>
+            <a:schemeClr val="phClr"/>
+          </a:solidFill>
+          <a:prstDash val="solid"/>
+          <a:miter lim="800000"/>
+        </a:ln>
+      </a:lnStyleLst>
+      <a:effectStyleLst>
+        <a:effectStyle>
+          <a:effectLst/>
+        </a:effectStyle>
+        <a:effectStyle>
+          <a:effectLst/>
+        </a:effectStyle>
+        <a:effectStyle>
+          <a:effectLst>
+            <a:outerShdw blurRad="57150" dist="19050" dir="5400000" algn="ctr" rotWithShape="0">
+              <a:srgbClr val="000000">
+                <a:alpha val="63000"/>
+              </a:srgbClr>
+            </a:outerShdw>
+          </a:effectLst>
+        </a:effectStyle>
+      </a:effectStyleLst>
+      <a:bgFillStyleLst>
+        <a:solidFill>
+          <a:schemeClr val="phClr"/>
+        </a:solidFill>
+        <a:solidFill>
+          <a:schemeClr val="phClr">
+            <a:tint val="95000"/>
+            <a:satMod val="170000"/>
+          </a:schemeClr>
+        </a:solidFill>
+        <a:gradFill rotWithShape="1">
+          <a:gsLst>
+            <a:gs pos="0">
+              <a:schemeClr val="phClr">
+                <a:tint val="93000"/>
+                <a:satMod val="150000"/>
+                <a:shade val="98000"/>
+                <a:lumMod val="102000"/>
+              </a:schemeClr>
+            </a:gs>
+            <a:gs pos="50000">
+              <a:schemeClr val="phClr">
+                <a:tint val="98000"/>
+                <a:satMod val="130000"/>
+                <a:shade val="90000"/>
+                <a:lumMod val="103000"/>
+              </a:schemeClr>
+            </a:gs>
+            <a:gs pos="100000">
+              <a:schemeClr val="phClr">
+                <a:shade val="63000"/>
+                <a:satMod val="120000"/>
+              </a:schemeClr>
+            </a:gs>
+          </a:gsLst>
+          <a:lin ang="5400000" scaled="0"/>
+        </a:gradFill>
+      </a:bgFillStyleLst>
+    </a:fmtScheme>
+  </a:themeElements>
+  <a:objectDefaults>
+    <a:lnDef>
+      <a:spPr/>
+      <a:bodyPr/>
+      <a:lstStyle/>
+      <a:style>
+        <a:lnRef idx="2">
+          <a:schemeClr val="accent1"/>
+        </a:lnRef>
+        <a:fillRef idx="0">
+          <a:schemeClr val="accent1"/>
+        </a:fillRef>
+        <a:effectRef idx="1">
+          <a:schemeClr val="accent1"/>
+        </a:effectRef>
+        <a:fontRef idx="minor">
+          <a:schemeClr val="tx1"/>
+        </a:fontRef>
+      </a:style>
+    </a:lnDef>
+  </a:objectDefaults>
+  <a:extraClrSchemeLst/>
+  <a:extLst>
+    <a:ext uri="{05A4C25C-085E-4340-85A3-A5531E510DB2}">
+      <thm15:themeFamily xmlns:thm15="http://schemas.microsoft.com/office/thememl/2012/main" name="Office Theme" id="{2E142A2C-CD16-42D6-873A-C26D2A0506FA}" vid="{1BDDFF52-6CD6-40A5-AB3C-68EB2F1E4D0A}"/>
+    </a:ext>
+  </a:extLst>
+</a:theme>
 </file>
--- a/DDS Presentation .pptx
+++ b/DDS Presentation .pptx
@@ -5,7 +5,7 @@
     <p:sldMasterId id="2147483800" r:id="rId1"/>
   </p:sldMasterIdLst>
   <p:notesMasterIdLst>
-    <p:notesMasterId r:id="rId13"/>
+    <p:notesMasterId r:id="rId11"/>
   </p:notesMasterIdLst>
   <p:sldIdLst>
     <p:sldId id="256" r:id="rId2"/>
@@ -14,11 +14,9 @@
     <p:sldId id="258" r:id="rId5"/>
     <p:sldId id="259" r:id="rId6"/>
     <p:sldId id="260" r:id="rId7"/>
-    <p:sldId id="266" r:id="rId8"/>
-    <p:sldId id="261" r:id="rId9"/>
-    <p:sldId id="262" r:id="rId10"/>
-    <p:sldId id="267" r:id="rId11"/>
-    <p:sldId id="263" r:id="rId12"/>
+    <p:sldId id="261" r:id="rId8"/>
+    <p:sldId id="268" r:id="rId9"/>
+    <p:sldId id="263" r:id="rId10"/>
   </p:sldIdLst>
   <p:sldSz cx="12192000" cy="6858000"/>
   <p:notesSz cx="6858000" cy="9144000"/>
@@ -207,7 +205,7 @@
           <a:p>
             <a:fld id="{A72AE241-575C-4734-8304-AEF0433ABBA2}" type="datetimeFigureOut">
               <a:rPr lang="it-IT" smtClean="0"/>
-              <a:t>14/09/2024</a:t>
+              <a:t>15/09/2024</a:t>
             </a:fld>
             <a:endParaRPr lang="it-IT"/>
           </a:p>
@@ -539,7 +537,7 @@
           <a:p>
             <a:fld id="{53B8407B-5E22-4DA6-81F0-B2924824C30F}" type="slidenum">
               <a:rPr lang="it-IT" smtClean="0"/>
-              <a:t>9</a:t>
+              <a:t>8</a:t>
             </a:fld>
             <a:endParaRPr lang="it-IT"/>
           </a:p>
@@ -548,7 +546,7 @@
     </p:spTree>
     <p:extLst>
       <p:ext uri="{BB962C8B-B14F-4D97-AF65-F5344CB8AC3E}">
-        <p14:creationId xmlns:p14="http://schemas.microsoft.com/office/powerpoint/2010/main" val="3846719331"/>
+        <p14:creationId xmlns:p14="http://schemas.microsoft.com/office/powerpoint/2010/main" val="410002915"/>
       </p:ext>
     </p:extLst>
   </p:cSld>
@@ -705,7 +703,7 @@
           <a:p>
             <a:fld id="{ABF7293C-F45A-430F-AEDC-2832FF786C5C}" type="datetimeFigureOut">
               <a:rPr lang="it-IT" smtClean="0"/>
-              <a:t>14/09/2024</a:t>
+              <a:t>15/09/2024</a:t>
             </a:fld>
             <a:endParaRPr lang="it-IT"/>
           </a:p>
@@ -903,7 +901,7 @@
           <a:p>
             <a:fld id="{ABF7293C-F45A-430F-AEDC-2832FF786C5C}" type="datetimeFigureOut">
               <a:rPr lang="it-IT" smtClean="0"/>
-              <a:t>14/09/2024</a:t>
+              <a:t>15/09/2024</a:t>
             </a:fld>
             <a:endParaRPr lang="it-IT"/>
           </a:p>
@@ -1111,7 +1109,7 @@
           <a:p>
             <a:fld id="{ABF7293C-F45A-430F-AEDC-2832FF786C5C}" type="datetimeFigureOut">
               <a:rPr lang="it-IT" smtClean="0"/>
-              <a:t>14/09/2024</a:t>
+              <a:t>15/09/2024</a:t>
             </a:fld>
             <a:endParaRPr lang="it-IT"/>
           </a:p>
@@ -1309,7 +1307,7 @@
           <a:p>
             <a:fld id="{ABF7293C-F45A-430F-AEDC-2832FF786C5C}" type="datetimeFigureOut">
               <a:rPr lang="it-IT" smtClean="0"/>
-              <a:t>14/09/2024</a:t>
+              <a:t>15/09/2024</a:t>
             </a:fld>
             <a:endParaRPr lang="it-IT"/>
           </a:p>
@@ -1584,7 +1582,7 @@
           <a:p>
             <a:fld id="{ABF7293C-F45A-430F-AEDC-2832FF786C5C}" type="datetimeFigureOut">
               <a:rPr lang="it-IT" smtClean="0"/>
-              <a:t>14/09/2024</a:t>
+              <a:t>15/09/2024</a:t>
             </a:fld>
             <a:endParaRPr lang="it-IT"/>
           </a:p>
@@ -1849,7 +1847,7 @@
           <a:p>
             <a:fld id="{ABF7293C-F45A-430F-AEDC-2832FF786C5C}" type="datetimeFigureOut">
               <a:rPr lang="it-IT" smtClean="0"/>
-              <a:t>14/09/2024</a:t>
+              <a:t>15/09/2024</a:t>
             </a:fld>
             <a:endParaRPr lang="it-IT"/>
           </a:p>
@@ -2261,7 +2259,7 @@
           <a:p>
             <a:fld id="{ABF7293C-F45A-430F-AEDC-2832FF786C5C}" type="datetimeFigureOut">
               <a:rPr lang="it-IT" smtClean="0"/>
-              <a:t>14/09/2024</a:t>
+              <a:t>15/09/2024</a:t>
             </a:fld>
             <a:endParaRPr lang="it-IT"/>
           </a:p>
@@ -2402,7 +2400,7 @@
           <a:p>
             <a:fld id="{ABF7293C-F45A-430F-AEDC-2832FF786C5C}" type="datetimeFigureOut">
               <a:rPr lang="it-IT" smtClean="0"/>
-              <a:t>14/09/2024</a:t>
+              <a:t>15/09/2024</a:t>
             </a:fld>
             <a:endParaRPr lang="it-IT"/>
           </a:p>
@@ -2515,7 +2513,7 @@
           <a:p>
             <a:fld id="{ABF7293C-F45A-430F-AEDC-2832FF786C5C}" type="datetimeFigureOut">
               <a:rPr lang="it-IT" smtClean="0"/>
-              <a:t>14/09/2024</a:t>
+              <a:t>15/09/2024</a:t>
             </a:fld>
             <a:endParaRPr lang="it-IT"/>
           </a:p>
@@ -2826,7 +2824,7 @@
           <a:p>
             <a:fld id="{ABF7293C-F45A-430F-AEDC-2832FF786C5C}" type="datetimeFigureOut">
               <a:rPr lang="it-IT" smtClean="0"/>
-              <a:t>14/09/2024</a:t>
+              <a:t>15/09/2024</a:t>
             </a:fld>
             <a:endParaRPr lang="it-IT"/>
           </a:p>
@@ -3114,7 +3112,7 @@
           <a:p>
             <a:fld id="{ABF7293C-F45A-430F-AEDC-2832FF786C5C}" type="datetimeFigureOut">
               <a:rPr lang="it-IT" smtClean="0"/>
-              <a:t>14/09/2024</a:t>
+              <a:t>15/09/2024</a:t>
             </a:fld>
             <a:endParaRPr lang="it-IT"/>
           </a:p>
@@ -3355,7 +3353,7 @@
           <a:p>
             <a:fld id="{ABF7293C-F45A-430F-AEDC-2832FF786C5C}" type="datetimeFigureOut">
               <a:rPr lang="it-IT" smtClean="0"/>
-              <a:t>14/09/2024</a:t>
+              <a:t>15/09/2024</a:t>
             </a:fld>
             <a:endParaRPr lang="it-IT"/>
           </a:p>
@@ -4090,352 +4088,6 @@
 </p:sld>
 </file>
 
-<file path=ppt/slides/slide10.xml><?xml version="1.0" encoding="utf-8"?>
-<p:sld xmlns:a="http://schemas.openxmlformats.org/drawingml/2006/main" xmlns:r="http://schemas.openxmlformats.org/officeDocument/2006/relationships" xmlns:p="http://schemas.openxmlformats.org/presentationml/2006/main">
-  <p:cSld>
-    <p:spTree>
-      <p:nvGrpSpPr>
-        <p:cNvPr id="1" name=""/>
-        <p:cNvGrpSpPr/>
-        <p:nvPr/>
-      </p:nvGrpSpPr>
-      <p:grpSpPr>
-        <a:xfrm>
-          <a:off x="0" y="0"/>
-          <a:ext cx="0" cy="0"/>
-          <a:chOff x="0" y="0"/>
-          <a:chExt cx="0" cy="0"/>
-        </a:xfrm>
-      </p:grpSpPr>
-      <p:sp>
-        <p:nvSpPr>
-          <p:cNvPr id="2" name="Titolo 1">
-            <a:extLst>
-              <a:ext uri="{FF2B5EF4-FFF2-40B4-BE49-F238E27FC236}">
-                <a16:creationId xmlns:a16="http://schemas.microsoft.com/office/drawing/2014/main" id="{FE0EBE1C-1C48-788E-457A-A1C929B85351}"/>
-              </a:ext>
-            </a:extLst>
-          </p:cNvPr>
-          <p:cNvSpPr>
-            <a:spLocks noGrp="1"/>
-          </p:cNvSpPr>
-          <p:nvPr>
-            <p:ph type="title"/>
-          </p:nvPr>
-        </p:nvSpPr>
-        <p:spPr/>
-        <p:txBody>
-          <a:bodyPr/>
-          <a:lstStyle/>
-          <a:p>
-            <a:r>
-              <a:rPr lang="it-IT" u="sng" dirty="0">
-                <a:solidFill>
-                  <a:srgbClr val="0B76A0"/>
-                </a:solidFill>
-                <a:latin typeface="Berlin Sans FB Demi" panose="020E0802020502020306" pitchFamily="34" charset="0"/>
-              </a:rPr>
-              <a:t>CONCLUSION</a:t>
-            </a:r>
-            <a:endParaRPr lang="it-IT" u="sng" dirty="0"/>
-          </a:p>
-        </p:txBody>
-      </p:sp>
-      <p:pic>
-        <p:nvPicPr>
-          <p:cNvPr id="11" name="Segnaposto contenuto 10">
-            <a:extLst>
-              <a:ext uri="{FF2B5EF4-FFF2-40B4-BE49-F238E27FC236}">
-                <a16:creationId xmlns:a16="http://schemas.microsoft.com/office/drawing/2014/main" id="{E21BD2B7-272B-7E5B-6978-532FAEA4B925}"/>
-              </a:ext>
-            </a:extLst>
-          </p:cNvPr>
-          <p:cNvPicPr>
-            <a:picLocks noGrp="1" noChangeAspect="1"/>
-          </p:cNvPicPr>
-          <p:nvPr>
-            <p:ph idx="1"/>
-          </p:nvPr>
-        </p:nvPicPr>
-        <p:blipFill>
-          <a:blip r:embed="rId2"/>
-          <a:stretch>
-            <a:fillRect/>
-          </a:stretch>
-        </p:blipFill>
-        <p:spPr>
-          <a:xfrm>
-            <a:off x="66314" y="1817250"/>
-            <a:ext cx="5163271" cy="1238423"/>
-          </a:xfrm>
-          <a:prstGeom prst="rect">
-            <a:avLst/>
-          </a:prstGeom>
-        </p:spPr>
-      </p:pic>
-      <p:pic>
-        <p:nvPicPr>
-          <p:cNvPr id="16" name="Immagine 15">
-            <a:extLst>
-              <a:ext uri="{FF2B5EF4-FFF2-40B4-BE49-F238E27FC236}">
-                <a16:creationId xmlns:a16="http://schemas.microsoft.com/office/drawing/2014/main" id="{CF710326-2CC8-E486-3C9C-535011CD25B1}"/>
-              </a:ext>
-            </a:extLst>
-          </p:cNvPr>
-          <p:cNvPicPr>
-            <a:picLocks noChangeAspect="1"/>
-          </p:cNvPicPr>
-          <p:nvPr/>
-        </p:nvPicPr>
-        <p:blipFill>
-          <a:blip r:embed="rId3"/>
-          <a:stretch>
-            <a:fillRect/>
-          </a:stretch>
-        </p:blipFill>
-        <p:spPr>
-          <a:xfrm>
-            <a:off x="66314" y="5287970"/>
-            <a:ext cx="5179998" cy="1251993"/>
-          </a:xfrm>
-          <a:prstGeom prst="rect">
-            <a:avLst/>
-          </a:prstGeom>
-        </p:spPr>
-      </p:pic>
-      <p:pic>
-        <p:nvPicPr>
-          <p:cNvPr id="14" name="Immagine 13">
-            <a:extLst>
-              <a:ext uri="{FF2B5EF4-FFF2-40B4-BE49-F238E27FC236}">
-                <a16:creationId xmlns:a16="http://schemas.microsoft.com/office/drawing/2014/main" id="{BC6BBC61-D986-6772-2F2D-A45649EF5085}"/>
-              </a:ext>
-            </a:extLst>
-          </p:cNvPr>
-          <p:cNvPicPr>
-            <a:picLocks noChangeAspect="1"/>
-          </p:cNvPicPr>
-          <p:nvPr/>
-        </p:nvPicPr>
-        <p:blipFill>
-          <a:blip r:embed="rId4"/>
-          <a:stretch>
-            <a:fillRect/>
-          </a:stretch>
-        </p:blipFill>
-        <p:spPr>
-          <a:xfrm>
-            <a:off x="66314" y="3751528"/>
-            <a:ext cx="5179998" cy="962825"/>
-          </a:xfrm>
-          <a:prstGeom prst="rect">
-            <a:avLst/>
-          </a:prstGeom>
-        </p:spPr>
-      </p:pic>
-      <p:sp>
-        <p:nvSpPr>
-          <p:cNvPr id="15" name="CasellaDiTesto 14">
-            <a:extLst>
-              <a:ext uri="{FF2B5EF4-FFF2-40B4-BE49-F238E27FC236}">
-                <a16:creationId xmlns:a16="http://schemas.microsoft.com/office/drawing/2014/main" id="{3CD3F5F9-1623-388A-02A6-98DEBE68E956}"/>
-              </a:ext>
-            </a:extLst>
-          </p:cNvPr>
-          <p:cNvSpPr txBox="1"/>
-          <p:nvPr/>
-        </p:nvSpPr>
-        <p:spPr>
-          <a:xfrm>
-            <a:off x="5575300" y="1817250"/>
-            <a:ext cx="6172200" cy="2031325"/>
-          </a:xfrm>
-          <a:prstGeom prst="rect">
-            <a:avLst/>
-          </a:prstGeom>
-          <a:noFill/>
-        </p:spPr>
-        <p:txBody>
-          <a:bodyPr wrap="square" rtlCol="0">
-            <a:spAutoFit/>
-          </a:bodyPr>
-          <a:lstStyle/>
-          <a:p>
-            <a:r>
-              <a:rPr lang="it-IT" dirty="0"/>
-              <a:t>E_0^1 </a:t>
-            </a:r>
-            <a:r>
-              <a:rPr lang="it-IT" dirty="0">
-                <a:sym typeface="Wingdings" panose="05000000000000000000" pitchFamily="2" charset="2"/>
-              </a:rPr>
-              <a:t> E_2^1 </a:t>
-            </a:r>
-          </a:p>
-          <a:p>
-            <a:r>
-              <a:rPr lang="it-IT" dirty="0">
-                <a:sym typeface="Wingdings" panose="05000000000000000000" pitchFamily="2" charset="2"/>
-              </a:rPr>
-              <a:t>E_1^2  E_2^1</a:t>
-            </a:r>
-          </a:p>
-          <a:p>
-            <a:endParaRPr lang="it-IT" dirty="0">
-              <a:sym typeface="Wingdings" panose="05000000000000000000" pitchFamily="2" charset="2"/>
-            </a:endParaRPr>
-          </a:p>
-          <a:p>
-            <a:endParaRPr lang="it-IT" dirty="0">
-              <a:sym typeface="Wingdings" panose="05000000000000000000" pitchFamily="2" charset="2"/>
-            </a:endParaRPr>
-          </a:p>
-          <a:p>
-            <a:r>
-              <a:rPr lang="it-IT" dirty="0">
-                <a:sym typeface="Wingdings" panose="05000000000000000000" pitchFamily="2" charset="2"/>
-              </a:rPr>
-              <a:t>V_2[1, 0] = 1 &gt;= 1</a:t>
-            </a:r>
-          </a:p>
-          <a:p>
-            <a:r>
-              <a:rPr lang="it-IT" dirty="0">
-                <a:sym typeface="Wingdings" panose="05000000000000000000" pitchFamily="2" charset="2"/>
-              </a:rPr>
-              <a:t>V_2[1, 1] = 0 &gt;= 2 </a:t>
-            </a:r>
-          </a:p>
-          <a:p>
-            <a:endParaRPr lang="it-IT" dirty="0">
-              <a:sym typeface="Wingdings" panose="05000000000000000000" pitchFamily="2" charset="2"/>
-            </a:endParaRPr>
-          </a:p>
-        </p:txBody>
-      </p:sp>
-    </p:spTree>
-    <p:extLst>
-      <p:ext uri="{BB962C8B-B14F-4D97-AF65-F5344CB8AC3E}">
-        <p14:creationId xmlns:p14="http://schemas.microsoft.com/office/powerpoint/2010/main" val="3447600007"/>
-      </p:ext>
-    </p:extLst>
-  </p:cSld>
-  <p:clrMapOvr>
-    <a:masterClrMapping/>
-  </p:clrMapOvr>
-</p:sld>
-</file>
-
-<file path=ppt/slides/slide11.xml><?xml version="1.0" encoding="utf-8"?>
-<p:sld xmlns:a="http://schemas.openxmlformats.org/drawingml/2006/main" xmlns:r="http://schemas.openxmlformats.org/officeDocument/2006/relationships" xmlns:p="http://schemas.openxmlformats.org/presentationml/2006/main">
-  <p:cSld>
-    <p:bg>
-      <p:bgPr>
-        <a:blipFill dpi="0" rotWithShape="1">
-          <a:blip r:embed="rId2">
-            <a:lum/>
-          </a:blip>
-          <a:srcRect/>
-          <a:stretch>
-            <a:fillRect/>
-          </a:stretch>
-        </a:blipFill>
-        <a:effectLst/>
-      </p:bgPr>
-    </p:bg>
-    <p:spTree>
-      <p:nvGrpSpPr>
-        <p:cNvPr id="1" name=""/>
-        <p:cNvGrpSpPr/>
-        <p:nvPr/>
-      </p:nvGrpSpPr>
-      <p:grpSpPr>
-        <a:xfrm>
-          <a:off x="0" y="0"/>
-          <a:ext cx="0" cy="0"/>
-          <a:chOff x="0" y="0"/>
-          <a:chExt cx="0" cy="0"/>
-        </a:xfrm>
-      </p:grpSpPr>
-      <p:sp>
-        <p:nvSpPr>
-          <p:cNvPr id="2" name="Titolo 1">
-            <a:extLst>
-              <a:ext uri="{FF2B5EF4-FFF2-40B4-BE49-F238E27FC236}">
-                <a16:creationId xmlns:a16="http://schemas.microsoft.com/office/drawing/2014/main" id="{97133C2A-A702-7BB0-01BC-F9DB2D6A4487}"/>
-              </a:ext>
-            </a:extLst>
-          </p:cNvPr>
-          <p:cNvSpPr>
-            <a:spLocks noGrp="1"/>
-          </p:cNvSpPr>
-          <p:nvPr>
-            <p:ph type="ctrTitle"/>
-          </p:nvPr>
-        </p:nvSpPr>
-        <p:spPr>
-          <a:xfrm>
-            <a:off x="0" y="3429000"/>
-            <a:ext cx="6278880" cy="1838960"/>
-          </a:xfrm>
-        </p:spPr>
-        <p:txBody>
-          <a:bodyPr>
-            <a:normAutofit fontScale="90000"/>
-          </a:bodyPr>
-          <a:lstStyle/>
-          <a:p>
-            <a:r>
-              <a:rPr lang="it-IT" dirty="0">
-                <a:solidFill>
-                  <a:srgbClr val="0B76A0"/>
-                </a:solidFill>
-                <a:latin typeface="Berlin Sans FB Demi" panose="020E0802020502020306" pitchFamily="34" charset="0"/>
-              </a:rPr>
-              <a:t>THANKS FOR YOUR ATTENTION! </a:t>
-            </a:r>
-            <a:br>
-              <a:rPr lang="it-IT" dirty="0">
-                <a:solidFill>
-                  <a:srgbClr val="0B76A0"/>
-                </a:solidFill>
-                <a:latin typeface="Berlin Sans FB Demi" panose="020E0802020502020306" pitchFamily="34" charset="0"/>
-              </a:rPr>
-            </a:br>
-            <a:endParaRPr lang="it-IT" dirty="0">
-              <a:solidFill>
-                <a:srgbClr val="0B76A0"/>
-              </a:solidFill>
-              <a:latin typeface="Berlin Sans FB Demi" panose="020E0802020502020306" pitchFamily="34" charset="0"/>
-            </a:endParaRPr>
-          </a:p>
-        </p:txBody>
-      </p:sp>
-    </p:spTree>
-    <p:extLst>
-      <p:ext uri="{BB962C8B-B14F-4D97-AF65-F5344CB8AC3E}">
-        <p14:creationId xmlns:p14="http://schemas.microsoft.com/office/powerpoint/2010/main" val="88088807"/>
-      </p:ext>
-    </p:extLst>
-  </p:cSld>
-  <p:clrMapOvr>
-    <a:masterClrMapping/>
-  </p:clrMapOvr>
-  <mc:AlternateContent xmlns:mc="http://schemas.openxmlformats.org/markup-compatibility/2006" xmlns:p14="http://schemas.microsoft.com/office/powerpoint/2010/main">
-    <mc:Choice Requires="p14">
-      <p:transition spd="med" p14:dur="700">
-        <p:fade/>
-      </p:transition>
-    </mc:Choice>
-    <mc:Fallback xmlns="">
-      <p:transition spd="med">
-        <p:fade/>
-      </p:transition>
-    </mc:Fallback>
-  </mc:AlternateContent>
-</p:sld>
-</file>
-
 <file path=ppt/slides/slide2.xml><?xml version="1.0" encoding="utf-8"?>
 <p:sld xmlns:a="http://schemas.openxmlformats.org/drawingml/2006/main" xmlns:r="http://schemas.openxmlformats.org/officeDocument/2006/relationships" xmlns:p="http://schemas.openxmlformats.org/presentationml/2006/main">
   <p:cSld>
@@ -7083,8 +6735,8 @@
         </p:nvCxnSpPr>
         <p:spPr bwMode="auto">
           <a:xfrm>
-            <a:off x="8822832" y="3340747"/>
-            <a:ext cx="432000" cy="432000"/>
+            <a:off x="9054650" y="3585286"/>
+            <a:ext cx="205552" cy="198243"/>
           </a:xfrm>
           <a:prstGeom prst="line">
             <a:avLst/>
@@ -7425,104 +7077,6 @@
           </a:p>
         </p:txBody>
       </p:sp>
-      <p:sp>
-        <p:nvSpPr>
-          <p:cNvPr id="4" name="Rectangle 1">
-            <a:extLst>
-              <a:ext uri="{FF2B5EF4-FFF2-40B4-BE49-F238E27FC236}">
-                <a16:creationId xmlns:a16="http://schemas.microsoft.com/office/drawing/2014/main" id="{512A8ECE-777E-C4EF-EF8C-1D052E91C56E}"/>
-              </a:ext>
-            </a:extLst>
-          </p:cNvPr>
-          <p:cNvSpPr>
-            <a:spLocks noGrp="1" noChangeArrowheads="1"/>
-          </p:cNvSpPr>
-          <p:nvPr>
-            <p:ph idx="1"/>
-          </p:nvPr>
-        </p:nvSpPr>
-        <p:spPr bwMode="auto">
-          <a:xfrm>
-            <a:off x="7023739" y="1750614"/>
-            <a:ext cx="4626602" cy="1077218"/>
-          </a:xfrm>
-          <a:prstGeom prst="rect">
-            <a:avLst/>
-          </a:prstGeom>
-          <a:noFill/>
-          <a:ln>
-            <a:noFill/>
-          </a:ln>
-          <a:effectLst/>
-          <a:extLst>
-            <a:ext uri="{909E8E84-426E-40DD-AFC4-6F175D3DCCD1}">
-              <a14:hiddenFill xmlns:a14="http://schemas.microsoft.com/office/drawing/2010/main">
-                <a:solidFill>
-                  <a:schemeClr val="accent1"/>
-                </a:solidFill>
-              </a14:hiddenFill>
-            </a:ext>
-            <a:ext uri="{91240B29-F687-4F45-9708-019B960494DF}">
-              <a14:hiddenLine xmlns:a14="http://schemas.microsoft.com/office/drawing/2010/main" w="9525">
-                <a:solidFill>
-                  <a:schemeClr val="tx1"/>
-                </a:solidFill>
-                <a:miter lim="800000"/>
-                <a:headEnd/>
-                <a:tailEnd/>
-              </a14:hiddenLine>
-            </a:ext>
-            <a:ext uri="{AF507438-7753-43E0-B8FC-AC1667EBCBE1}">
-              <a14:hiddenEffects xmlns:a14="http://schemas.microsoft.com/office/drawing/2010/main">
-                <a:effectLst>
-                  <a:outerShdw dist="35921" dir="2700000" algn="ctr" rotWithShape="0">
-                    <a:schemeClr val="bg2"/>
-                  </a:outerShdw>
-                </a:effectLst>
-              </a14:hiddenEffects>
-            </a:ext>
-          </a:extLst>
-        </p:spPr>
-        <p:txBody>
-          <a:bodyPr vert="horz" wrap="square" lIns="91440" tIns="45720" rIns="91440" bIns="45720" numCol="1" anchor="ctr" anchorCtr="0" compatLnSpc="1">
-            <a:prstTxWarp prst="textNoShape">
-              <a:avLst/>
-            </a:prstTxWarp>
-            <a:spAutoFit/>
-          </a:bodyPr>
-          <a:lstStyle/>
-          <a:p>
-            <a:pPr marL="0" marR="0" lvl="0" indent="0" algn="l" defTabSz="914400" rtl="0" eaLnBrk="0" fontAlgn="base" latinLnBrk="0" hangingPunct="0">
-              <a:lnSpc>
-                <a:spcPct val="100000"/>
-              </a:lnSpc>
-              <a:spcBef>
-                <a:spcPct val="0"/>
-              </a:spcBef>
-              <a:spcAft>
-                <a:spcPct val="0"/>
-              </a:spcAft>
-              <a:buClrTx/>
-              <a:buSzTx/>
-              <a:buNone/>
-              <a:tabLst/>
-            </a:pPr>
-            <a:r>
-              <a:rPr kumimoji="0" lang="en-US" altLang="it-IT" sz="1600" b="0" i="0" u="none" strike="noStrike" cap="none" normalizeH="0" baseline="0" dirty="0">
-                <a:ln>
-                  <a:noFill/>
-                </a:ln>
-                <a:solidFill>
-                  <a:schemeClr val="tx1"/>
-                </a:solidFill>
-                <a:effectLst/>
-                <a:latin typeface="Arial" panose="020B0604020202020204" pitchFamily="34" charset="0"/>
-              </a:rPr>
-              <a:t>The project implements a distributed framework that manages communication and coordination between processes, even in the presence of Byzantine failures. </a:t>
-            </a:r>
-          </a:p>
-        </p:txBody>
-      </p:sp>
       <p:cxnSp>
         <p:nvCxnSpPr>
           <p:cNvPr id="13" name="Connettore diritto 12">
@@ -9052,8 +8606,8 @@
         </p:nvSpPr>
         <p:spPr>
           <a:xfrm>
-            <a:off x="6856723" y="2506901"/>
-            <a:ext cx="4800599" cy="4351338"/>
+            <a:off x="7051040" y="1820546"/>
+            <a:ext cx="4165601" cy="4351338"/>
           </a:xfrm>
           <a:prstGeom prst="rect">
             <a:avLst/>
@@ -9628,7 +9182,7 @@
         </p:nvSpPr>
         <p:spPr>
           <a:xfrm>
-            <a:off x="1190562" y="1761323"/>
+            <a:off x="1424242" y="1710523"/>
             <a:ext cx="9121838" cy="4731551"/>
           </a:xfrm>
           <a:prstGeom prst="rect">
@@ -9666,7 +9220,7 @@
           <a:lstStyle/>
           <a:p>
             <a:pPr algn="ctr"/>
-            <a:endParaRPr lang="it-IT"/>
+            <a:endParaRPr lang="it-IT" dirty="0"/>
           </a:p>
         </p:txBody>
       </p:sp>
@@ -9687,7 +9241,7 @@
         </p:nvCxnSpPr>
         <p:spPr>
           <a:xfrm flipH="1" flipV="1">
-            <a:off x="5605447" y="4760803"/>
+            <a:off x="5839127" y="4710003"/>
             <a:ext cx="364161" cy="274"/>
           </a:xfrm>
           <a:prstGeom prst="line">
@@ -9726,7 +9280,7 @@
         </p:nvCxnSpPr>
         <p:spPr>
           <a:xfrm flipH="1">
-            <a:off x="8817703" y="3058794"/>
+            <a:off x="9051383" y="3007994"/>
             <a:ext cx="422363" cy="0"/>
           </a:xfrm>
           <a:prstGeom prst="line">
@@ -9765,7 +9319,7 @@
         </p:nvCxnSpPr>
         <p:spPr>
           <a:xfrm flipV="1">
-            <a:off x="2566642" y="2672368"/>
+            <a:off x="2800322" y="2621568"/>
             <a:ext cx="403619" cy="455734"/>
           </a:xfrm>
           <a:prstGeom prst="line">
@@ -9806,7 +9360,7 @@
         </p:nvCxnSpPr>
         <p:spPr>
           <a:xfrm>
-            <a:off x="2414029" y="2548209"/>
+            <a:off x="2647709" y="2497409"/>
             <a:ext cx="708558" cy="741524"/>
           </a:xfrm>
           <a:prstGeom prst="line">
@@ -9915,7 +9469,7 @@
         </p:nvSpPr>
         <p:spPr>
           <a:xfrm>
-            <a:off x="2034260" y="2206722"/>
+            <a:off x="2267940" y="2155922"/>
             <a:ext cx="1440000" cy="1440000"/>
           </a:xfrm>
           <a:prstGeom prst="ellipse">
@@ -9967,7 +9521,7 @@
         </p:nvSpPr>
         <p:spPr>
           <a:xfrm>
-            <a:off x="2124260" y="2294607"/>
+            <a:off x="2357940" y="2243807"/>
             <a:ext cx="1260000" cy="1260000"/>
           </a:xfrm>
           <a:prstGeom prst="ellipse">
@@ -10019,7 +9573,7 @@
         </p:nvSpPr>
         <p:spPr>
           <a:xfrm>
-            <a:off x="2382397" y="2516577"/>
+            <a:off x="2616077" y="2465777"/>
             <a:ext cx="216000" cy="216000"/>
           </a:xfrm>
           <a:prstGeom prst="ellipse">
@@ -10098,8 +9652,47 @@
         </p:nvCxnSpPr>
         <p:spPr>
           <a:xfrm>
-            <a:off x="2489077" y="2721881"/>
+            <a:off x="2722757" y="2671081"/>
             <a:ext cx="0" cy="437660"/>
+          </a:xfrm>
+          <a:prstGeom prst="line">
+            <a:avLst/>
+          </a:prstGeom>
+          <a:ln w="19050"/>
+        </p:spPr>
+        <p:style>
+          <a:lnRef idx="2">
+            <a:schemeClr val="accent1"/>
+          </a:lnRef>
+          <a:fillRef idx="0">
+            <a:schemeClr val="accent1"/>
+          </a:fillRef>
+          <a:effectRef idx="1">
+            <a:schemeClr val="accent1"/>
+          </a:effectRef>
+          <a:fontRef idx="minor">
+            <a:schemeClr val="tx1"/>
+          </a:fontRef>
+        </p:style>
+      </p:cxnSp>
+      <p:cxnSp>
+        <p:nvCxnSpPr>
+          <p:cNvPr id="22" name="Connettore diritto 21">
+            <a:extLst>
+              <a:ext uri="{FF2B5EF4-FFF2-40B4-BE49-F238E27FC236}">
+                <a16:creationId xmlns:a16="http://schemas.microsoft.com/office/drawing/2014/main" id="{82979068-C6AC-DFA7-D313-104C9CFDDBAB}"/>
+              </a:ext>
+            </a:extLst>
+          </p:cNvPr>
+          <p:cNvCxnSpPr>
+            <a:cxnSpLocks/>
+          </p:cNvCxnSpPr>
+          <p:nvPr/>
+        </p:nvCxnSpPr>
+        <p:spPr>
+          <a:xfrm flipH="1">
+            <a:off x="2828231" y="2555601"/>
+            <a:ext cx="417600" cy="0"/>
           </a:xfrm>
           <a:prstGeom prst="line">
             <a:avLst/>
@@ -10137,47 +9730,8 @@
         </p:nvCxnSpPr>
         <p:spPr>
           <a:xfrm>
-            <a:off x="3046219" y="2691053"/>
+            <a:off x="3279899" y="2640253"/>
             <a:ext cx="0" cy="437660"/>
-          </a:xfrm>
-          <a:prstGeom prst="line">
-            <a:avLst/>
-          </a:prstGeom>
-          <a:ln w="19050"/>
-        </p:spPr>
-        <p:style>
-          <a:lnRef idx="2">
-            <a:schemeClr val="accent1"/>
-          </a:lnRef>
-          <a:fillRef idx="0">
-            <a:schemeClr val="accent1"/>
-          </a:fillRef>
-          <a:effectRef idx="1">
-            <a:schemeClr val="accent1"/>
-          </a:effectRef>
-          <a:fontRef idx="minor">
-            <a:schemeClr val="tx1"/>
-          </a:fontRef>
-        </p:style>
-      </p:cxnSp>
-      <p:cxnSp>
-        <p:nvCxnSpPr>
-          <p:cNvPr id="22" name="Connettore diritto 21">
-            <a:extLst>
-              <a:ext uri="{FF2B5EF4-FFF2-40B4-BE49-F238E27FC236}">
-                <a16:creationId xmlns:a16="http://schemas.microsoft.com/office/drawing/2014/main" id="{82979068-C6AC-DFA7-D313-104C9CFDDBAB}"/>
-              </a:ext>
-            </a:extLst>
-          </p:cNvPr>
-          <p:cNvCxnSpPr>
-            <a:cxnSpLocks/>
-          </p:cNvCxnSpPr>
-          <p:nvPr/>
-        </p:nvCxnSpPr>
-        <p:spPr>
-          <a:xfrm flipH="1">
-            <a:off x="2582359" y="2606401"/>
-            <a:ext cx="422363" cy="0"/>
           </a:xfrm>
           <a:prstGeom prst="line">
             <a:avLst/>
@@ -10215,7 +9769,7 @@
         </p:nvCxnSpPr>
         <p:spPr>
           <a:xfrm flipH="1">
-            <a:off x="2525797" y="3229414"/>
+            <a:off x="2759477" y="3178614"/>
             <a:ext cx="412422" cy="0"/>
           </a:xfrm>
           <a:prstGeom prst="line">
@@ -10254,7 +9808,7 @@
         </p:nvCxnSpPr>
         <p:spPr>
           <a:xfrm>
-            <a:off x="3342097" y="2544243"/>
+            <a:off x="3575777" y="2493443"/>
             <a:ext cx="4994124" cy="492717"/>
           </a:xfrm>
           <a:prstGeom prst="line">
@@ -10293,7 +9847,7 @@
         </p:nvCxnSpPr>
         <p:spPr>
           <a:xfrm>
-            <a:off x="3068523" y="3567081"/>
+            <a:off x="3302203" y="3516281"/>
             <a:ext cx="2020089" cy="1320172"/>
           </a:xfrm>
           <a:prstGeom prst="line">
@@ -10332,8 +9886,8 @@
         </p:nvCxnSpPr>
         <p:spPr>
           <a:xfrm flipV="1">
-            <a:off x="6516832" y="4079050"/>
-            <a:ext cx="2224462" cy="1113443"/>
+            <a:off x="6731165" y="4027672"/>
+            <a:ext cx="2318361" cy="1115802"/>
           </a:xfrm>
           <a:prstGeom prst="line">
             <a:avLst/>
@@ -10369,7 +9923,7 @@
         </p:nvSpPr>
         <p:spPr>
           <a:xfrm>
-            <a:off x="8312726" y="1162842"/>
+            <a:off x="8546406" y="1112042"/>
             <a:ext cx="2525240" cy="369332"/>
           </a:xfrm>
           <a:prstGeom prst="rect">
@@ -10408,7 +9962,7 @@
         </p:nvSpPr>
         <p:spPr>
           <a:xfrm>
-            <a:off x="5799360" y="5829733"/>
+            <a:off x="6033040" y="5778933"/>
             <a:ext cx="2714719" cy="369332"/>
           </a:xfrm>
           <a:prstGeom prst="rect">
@@ -10447,7 +10001,7 @@
         </p:nvSpPr>
         <p:spPr>
           <a:xfrm>
-            <a:off x="5863561" y="6067867"/>
+            <a:off x="6097241" y="6017067"/>
             <a:ext cx="2499360" cy="307777"/>
           </a:xfrm>
           <a:prstGeom prst="rect">
@@ -10483,7 +10037,7 @@
         </p:nvSpPr>
         <p:spPr>
           <a:xfrm>
-            <a:off x="1440999" y="3811115"/>
+            <a:off x="1674679" y="3760315"/>
             <a:ext cx="1141360" cy="369332"/>
           </a:xfrm>
           <a:prstGeom prst="rect">
@@ -10522,7 +10076,7 @@
         </p:nvSpPr>
         <p:spPr>
           <a:xfrm>
-            <a:off x="1190562" y="4030971"/>
+            <a:off x="1424242" y="3980171"/>
             <a:ext cx="1384029" cy="307777"/>
           </a:xfrm>
           <a:prstGeom prst="rect">
@@ -10558,7 +10112,7 @@
         </p:nvSpPr>
         <p:spPr>
           <a:xfrm rot="15017027">
-            <a:off x="1790109" y="3196034"/>
+            <a:off x="2023789" y="3145234"/>
             <a:ext cx="1107285" cy="948433"/>
           </a:xfrm>
           <a:prstGeom prst="arc">
@@ -10606,7 +10160,7 @@
         </p:nvSpPr>
         <p:spPr>
           <a:xfrm rot="779776">
-            <a:off x="5946154" y="5412837"/>
+            <a:off x="6179834" y="5362037"/>
             <a:ext cx="807819" cy="742546"/>
           </a:xfrm>
           <a:prstGeom prst="arc">
@@ -10657,7 +10211,7 @@
         </p:nvSpPr>
         <p:spPr>
           <a:xfrm>
-            <a:off x="2938752" y="2498401"/>
+            <a:off x="3172432" y="2447601"/>
             <a:ext cx="216000" cy="216000"/>
           </a:xfrm>
           <a:prstGeom prst="ellipse">
@@ -10734,7 +10288,7 @@
         </p:nvSpPr>
         <p:spPr>
           <a:xfrm>
-            <a:off x="2938219" y="3105365"/>
+            <a:off x="3171899" y="3054565"/>
             <a:ext cx="216000" cy="216000"/>
           </a:xfrm>
           <a:prstGeom prst="ellipse">
@@ -10811,7 +10365,7 @@
         </p:nvSpPr>
         <p:spPr>
           <a:xfrm>
-            <a:off x="2382397" y="3106871"/>
+            <a:off x="2616077" y="3056071"/>
             <a:ext cx="216000" cy="216000"/>
           </a:xfrm>
           <a:prstGeom prst="ellipse">
@@ -10888,7 +10442,7 @@
         </p:nvSpPr>
         <p:spPr>
           <a:xfrm>
-            <a:off x="2660083" y="2811388"/>
+            <a:off x="2893763" y="2760588"/>
             <a:ext cx="216000" cy="216000"/>
           </a:xfrm>
           <a:prstGeom prst="ellipse">
@@ -10965,7 +10519,7 @@
         </p:nvSpPr>
         <p:spPr>
           <a:xfrm>
-            <a:off x="8279134" y="1384622"/>
+            <a:off x="8512814" y="1333822"/>
             <a:ext cx="2499360" cy="307777"/>
           </a:xfrm>
           <a:prstGeom prst="rect">
@@ -11003,7 +10557,7 @@
         </p:nvCxnSpPr>
         <p:spPr>
           <a:xfrm flipH="1" flipV="1">
-            <a:off x="5232665" y="3805000"/>
+            <a:off x="5466345" y="3754200"/>
             <a:ext cx="254561" cy="882790"/>
           </a:xfrm>
           <a:prstGeom prst="line">
@@ -11041,7 +10595,7 @@
         </p:nvCxnSpPr>
         <p:spPr>
           <a:xfrm flipV="1">
-            <a:off x="5579585" y="3820544"/>
+            <a:off x="5813265" y="3769744"/>
             <a:ext cx="235122" cy="861888"/>
           </a:xfrm>
           <a:prstGeom prst="line">
@@ -11077,7 +10631,7 @@
         </p:nvSpPr>
         <p:spPr>
           <a:xfrm>
-            <a:off x="5100328" y="3123761"/>
+            <a:off x="5334008" y="3072961"/>
             <a:ext cx="828000" cy="803002"/>
           </a:xfrm>
           <a:prstGeom prst="ellipse">
@@ -11129,7 +10683,7 @@
         </p:nvSpPr>
         <p:spPr>
           <a:xfrm>
-            <a:off x="5213580" y="3226859"/>
+            <a:off x="5457092" y="3176059"/>
             <a:ext cx="595340" cy="594000"/>
           </a:xfrm>
           <a:prstGeom prst="ellipse">
@@ -11206,7 +10760,7 @@
         </p:nvCxnSpPr>
         <p:spPr>
           <a:xfrm flipV="1">
-            <a:off x="5597498" y="4827044"/>
+            <a:off x="5831178" y="4776244"/>
             <a:ext cx="403619" cy="455734"/>
           </a:xfrm>
           <a:prstGeom prst="line">
@@ -11247,7 +10801,7 @@
         </p:nvCxnSpPr>
         <p:spPr>
           <a:xfrm>
-            <a:off x="5444885" y="4702885"/>
+            <a:off x="5678565" y="4652085"/>
             <a:ext cx="708558" cy="741524"/>
           </a:xfrm>
           <a:prstGeom prst="line">
@@ -11284,7 +10838,7 @@
         </p:nvSpPr>
         <p:spPr>
           <a:xfrm>
-            <a:off x="5065116" y="4361398"/>
+            <a:off x="5298796" y="4310598"/>
             <a:ext cx="1440000" cy="1440000"/>
           </a:xfrm>
           <a:prstGeom prst="ellipse">
@@ -11336,7 +10890,7 @@
         </p:nvSpPr>
         <p:spPr>
           <a:xfrm>
-            <a:off x="5155116" y="4449283"/>
+            <a:off x="5388796" y="4398483"/>
             <a:ext cx="1260000" cy="1260000"/>
           </a:xfrm>
           <a:prstGeom prst="ellipse">
@@ -11388,7 +10942,7 @@
         </p:nvSpPr>
         <p:spPr>
           <a:xfrm>
-            <a:off x="5413253" y="4671253"/>
+            <a:off x="5646933" y="4620453"/>
             <a:ext cx="216000" cy="216000"/>
           </a:xfrm>
           <a:prstGeom prst="ellipse">
@@ -11467,7 +11021,7 @@
         </p:nvCxnSpPr>
         <p:spPr>
           <a:xfrm>
-            <a:off x="5519933" y="4876557"/>
+            <a:off x="5753613" y="4825757"/>
             <a:ext cx="0" cy="437660"/>
           </a:xfrm>
           <a:prstGeom prst="line">
@@ -11506,7 +11060,7 @@
         </p:nvCxnSpPr>
         <p:spPr>
           <a:xfrm>
-            <a:off x="6077075" y="4845729"/>
+            <a:off x="6310755" y="4794929"/>
             <a:ext cx="0" cy="437660"/>
           </a:xfrm>
           <a:prstGeom prst="line">
@@ -11545,7 +11099,7 @@
         </p:nvCxnSpPr>
         <p:spPr>
           <a:xfrm flipH="1">
-            <a:off x="5556653" y="5384090"/>
+            <a:off x="5790333" y="5333290"/>
             <a:ext cx="412422" cy="0"/>
           </a:xfrm>
           <a:prstGeom prst="line">
@@ -11582,7 +11136,7 @@
         </p:nvSpPr>
         <p:spPr>
           <a:xfrm>
-            <a:off x="5969608" y="4653077"/>
+            <a:off x="6203288" y="4602277"/>
             <a:ext cx="216000" cy="216000"/>
           </a:xfrm>
           <a:prstGeom prst="ellipse">
@@ -11659,7 +11213,7 @@
         </p:nvSpPr>
         <p:spPr>
           <a:xfrm>
-            <a:off x="5969075" y="5260041"/>
+            <a:off x="6202755" y="5209241"/>
             <a:ext cx="216000" cy="216000"/>
           </a:xfrm>
           <a:prstGeom prst="ellipse">
@@ -11736,7 +11290,7 @@
         </p:nvSpPr>
         <p:spPr>
           <a:xfrm>
-            <a:off x="5413253" y="5261547"/>
+            <a:off x="5646933" y="5210747"/>
             <a:ext cx="216000" cy="216000"/>
           </a:xfrm>
           <a:prstGeom prst="ellipse">
@@ -11813,7 +11367,7 @@
         </p:nvSpPr>
         <p:spPr>
           <a:xfrm>
-            <a:off x="5690939" y="4966064"/>
+            <a:off x="5924619" y="4915264"/>
             <a:ext cx="216000" cy="216000"/>
           </a:xfrm>
           <a:prstGeom prst="ellipse">
@@ -11892,7 +11446,7 @@
         </p:nvCxnSpPr>
         <p:spPr>
           <a:xfrm flipV="1">
-            <a:off x="8785948" y="3124761"/>
+            <a:off x="9019628" y="3073961"/>
             <a:ext cx="403619" cy="455734"/>
           </a:xfrm>
           <a:prstGeom prst="line">
@@ -11933,7 +11487,7 @@
         </p:nvCxnSpPr>
         <p:spPr>
           <a:xfrm>
-            <a:off x="8633335" y="3000602"/>
+            <a:off x="8867015" y="2949802"/>
             <a:ext cx="708558" cy="741524"/>
           </a:xfrm>
           <a:prstGeom prst="line">
@@ -11970,7 +11524,7 @@
         </p:nvSpPr>
         <p:spPr>
           <a:xfrm>
-            <a:off x="8253566" y="2659115"/>
+            <a:off x="8487246" y="2608315"/>
             <a:ext cx="1440000" cy="1440000"/>
           </a:xfrm>
           <a:prstGeom prst="ellipse">
@@ -12022,7 +11576,7 @@
         </p:nvSpPr>
         <p:spPr>
           <a:xfrm>
-            <a:off x="8343566" y="2747000"/>
+            <a:off x="8577246" y="2696200"/>
             <a:ext cx="1260000" cy="1260000"/>
           </a:xfrm>
           <a:prstGeom prst="ellipse">
@@ -12074,7 +11628,7 @@
         </p:nvSpPr>
         <p:spPr>
           <a:xfrm>
-            <a:off x="8601703" y="2968970"/>
+            <a:off x="8835383" y="2918170"/>
             <a:ext cx="216000" cy="216000"/>
           </a:xfrm>
           <a:prstGeom prst="ellipse">
@@ -12153,7 +11707,7 @@
         </p:nvCxnSpPr>
         <p:spPr>
           <a:xfrm>
-            <a:off x="8708383" y="3174274"/>
+            <a:off x="8942063" y="3123474"/>
             <a:ext cx="0" cy="437660"/>
           </a:xfrm>
           <a:prstGeom prst="line">
@@ -12192,7 +11746,7 @@
         </p:nvCxnSpPr>
         <p:spPr>
           <a:xfrm>
-            <a:off x="9265525" y="3143446"/>
+            <a:off x="9499205" y="3092646"/>
             <a:ext cx="0" cy="437660"/>
           </a:xfrm>
           <a:prstGeom prst="line">
@@ -12231,7 +11785,7 @@
         </p:nvCxnSpPr>
         <p:spPr>
           <a:xfrm flipH="1">
-            <a:off x="8745103" y="3681807"/>
+            <a:off x="8978783" y="3631007"/>
             <a:ext cx="412422" cy="0"/>
           </a:xfrm>
           <a:prstGeom prst="line">
@@ -12268,7 +11822,7 @@
         </p:nvSpPr>
         <p:spPr>
           <a:xfrm>
-            <a:off x="9158058" y="2950794"/>
+            <a:off x="9391738" y="2899994"/>
             <a:ext cx="216000" cy="216000"/>
           </a:xfrm>
           <a:prstGeom prst="ellipse">
@@ -12345,7 +11899,7 @@
         </p:nvSpPr>
         <p:spPr>
           <a:xfrm>
-            <a:off x="9157525" y="3557758"/>
+            <a:off x="9391205" y="3506958"/>
             <a:ext cx="216000" cy="216000"/>
           </a:xfrm>
           <a:prstGeom prst="ellipse">
@@ -12422,7 +11976,7 @@
         </p:nvSpPr>
         <p:spPr>
           <a:xfrm>
-            <a:off x="8601703" y="3559264"/>
+            <a:off x="8835383" y="3508464"/>
             <a:ext cx="216000" cy="216000"/>
           </a:xfrm>
           <a:prstGeom prst="ellipse">
@@ -12499,7 +12053,7 @@
         </p:nvSpPr>
         <p:spPr>
           <a:xfrm>
-            <a:off x="8879389" y="3263781"/>
+            <a:off x="9113069" y="3212981"/>
             <a:ext cx="216000" cy="216000"/>
           </a:xfrm>
           <a:prstGeom prst="ellipse">
@@ -12576,7 +12130,7 @@
         </p:nvSpPr>
         <p:spPr>
           <a:xfrm>
-            <a:off x="3550218" y="3117541"/>
+            <a:off x="3783898" y="3066741"/>
             <a:ext cx="2714719" cy="369332"/>
           </a:xfrm>
           <a:prstGeom prst="rect">
@@ -12615,7 +12169,7 @@
         </p:nvSpPr>
         <p:spPr>
           <a:xfrm>
-            <a:off x="3150866" y="3323862"/>
+            <a:off x="3384546" y="3273062"/>
             <a:ext cx="2499360" cy="307777"/>
           </a:xfrm>
           <a:prstGeom prst="rect">
@@ -12651,7 +12205,7 @@
         </p:nvSpPr>
         <p:spPr>
           <a:xfrm rot="18663821">
-            <a:off x="5545593" y="3146307"/>
+            <a:off x="5779273" y="3095507"/>
             <a:ext cx="746094" cy="720242"/>
           </a:xfrm>
           <a:prstGeom prst="arc">
@@ -12702,7 +12256,7 @@
         </p:nvSpPr>
         <p:spPr>
           <a:xfrm rot="6164801">
-            <a:off x="4206330" y="2799318"/>
+            <a:off x="4440010" y="2748518"/>
             <a:ext cx="1107285" cy="948433"/>
           </a:xfrm>
           <a:prstGeom prst="arc">
@@ -12753,7 +12307,7 @@
         </p:nvSpPr>
         <p:spPr>
           <a:xfrm>
-            <a:off x="6086188" y="3198032"/>
+            <a:off x="6319868" y="3147232"/>
             <a:ext cx="864389" cy="369332"/>
           </a:xfrm>
           <a:prstGeom prst="rect">
@@ -12792,7 +12346,7 @@
         </p:nvSpPr>
         <p:spPr>
           <a:xfrm>
-            <a:off x="5163660" y="3406328"/>
+            <a:off x="5397340" y="3355528"/>
             <a:ext cx="2499360" cy="307777"/>
           </a:xfrm>
           <a:prstGeom prst="rect">
@@ -12828,7 +12382,7 @@
         </p:nvSpPr>
         <p:spPr>
           <a:xfrm rot="779776">
-            <a:off x="9781946" y="1528143"/>
+            <a:off x="10015626" y="1477343"/>
             <a:ext cx="807819" cy="742546"/>
           </a:xfrm>
           <a:prstGeom prst="arc">
@@ -12907,44 +12461,6 @@
           <a:chExt cx="0" cy="0"/>
         </a:xfrm>
       </p:grpSpPr>
-      <p:sp>
-        <p:nvSpPr>
-          <p:cNvPr id="2" name="Titolo 1">
-            <a:extLst>
-              <a:ext uri="{FF2B5EF4-FFF2-40B4-BE49-F238E27FC236}">
-                <a16:creationId xmlns:a16="http://schemas.microsoft.com/office/drawing/2014/main" id="{ED5FAFA8-A161-1F52-978B-612E0AF158D4}"/>
-              </a:ext>
-            </a:extLst>
-          </p:cNvPr>
-          <p:cNvSpPr>
-            <a:spLocks noGrp="1"/>
-          </p:cNvSpPr>
-          <p:nvPr>
-            <p:ph type="title"/>
-          </p:nvPr>
-        </p:nvSpPr>
-        <p:spPr>
-          <a:xfrm>
-            <a:off x="838200" y="434498"/>
-            <a:ext cx="10515600" cy="1325563"/>
-          </a:xfrm>
-        </p:spPr>
-        <p:txBody>
-          <a:bodyPr/>
-          <a:lstStyle/>
-          <a:p>
-            <a:r>
-              <a:rPr lang="it-IT" dirty="0">
-                <a:solidFill>
-                  <a:srgbClr val="0B76A0"/>
-                </a:solidFill>
-                <a:latin typeface="Berlin Sans FB Demi" panose="020E0802020502020306" pitchFamily="34" charset="0"/>
-              </a:rPr>
-              <a:t>DEPENDABILITY EVALUATION</a:t>
-            </a:r>
-          </a:p>
-        </p:txBody>
-      </p:sp>
       <p:pic>
         <p:nvPicPr>
           <p:cNvPr id="6" name="Segnaposto contenuto 5" descr="Immagine che contiene testo, schermata, diagramma, Rettangolo&#10;&#10;Descrizione generata automaticamente">
@@ -12964,6 +12480,15 @@
         <p:blipFill>
           <a:blip r:embed="rId2">
             <a:extLst>
+              <a:ext uri="{BEBA8EAE-BF5A-486C-A8C5-ECC9F3942E4B}">
+                <a14:imgProps xmlns:a14="http://schemas.microsoft.com/office/drawing/2010/main">
+                  <a14:imgLayer r:embed="rId3">
+                    <a14:imgEffect>
+                      <a14:saturation sat="33000"/>
+                    </a14:imgEffect>
+                  </a14:imgLayer>
+                </a14:imgProps>
+              </a:ext>
               <a:ext uri="{28A0092B-C50C-407E-A947-70E740481C1C}">
                 <a14:useLocalDpi xmlns:a14="http://schemas.microsoft.com/office/drawing/2010/main" val="0"/>
               </a:ext>
@@ -12975,11 +12500,153 @@
         </p:blipFill>
         <p:spPr>
           <a:xfrm>
-            <a:off x="0" y="2305694"/>
-            <a:ext cx="4616451" cy="3462339"/>
+            <a:off x="774739" y="1520944"/>
+            <a:ext cx="3795168" cy="2846377"/>
           </a:xfrm>
         </p:spPr>
       </p:pic>
+      <p:sp>
+        <p:nvSpPr>
+          <p:cNvPr id="23" name="Rettangolo con angoli arrotondati 22">
+            <a:extLst>
+              <a:ext uri="{FF2B5EF4-FFF2-40B4-BE49-F238E27FC236}">
+                <a16:creationId xmlns:a16="http://schemas.microsoft.com/office/drawing/2014/main" id="{34527D37-D69D-139A-E944-DB0A95AB06B7}"/>
+              </a:ext>
+            </a:extLst>
+          </p:cNvPr>
+          <p:cNvSpPr/>
+          <p:nvPr/>
+        </p:nvSpPr>
+        <p:spPr>
+          <a:xfrm>
+            <a:off x="5372175" y="3529693"/>
+            <a:ext cx="1930815" cy="746706"/>
+          </a:xfrm>
+          <a:prstGeom prst="roundRect">
+            <a:avLst/>
+          </a:prstGeom>
+          <a:solidFill>
+            <a:srgbClr val="ECEFF0"/>
+          </a:solidFill>
+          <a:ln>
+            <a:noFill/>
+          </a:ln>
+        </p:spPr>
+        <p:style>
+          <a:lnRef idx="2">
+            <a:schemeClr val="accent1">
+              <a:shade val="15000"/>
+            </a:schemeClr>
+          </a:lnRef>
+          <a:fillRef idx="1">
+            <a:schemeClr val="accent1"/>
+          </a:fillRef>
+          <a:effectRef idx="0">
+            <a:schemeClr val="accent1"/>
+          </a:effectRef>
+          <a:fontRef idx="minor">
+            <a:schemeClr val="lt1"/>
+          </a:fontRef>
+        </p:style>
+        <p:txBody>
+          <a:bodyPr rtlCol="0" anchor="ctr"/>
+          <a:lstStyle/>
+          <a:p>
+            <a:pPr algn="ctr"/>
+            <a:endParaRPr lang="it-IT"/>
+          </a:p>
+        </p:txBody>
+      </p:sp>
+      <p:sp>
+        <p:nvSpPr>
+          <p:cNvPr id="22" name="Rettangolo con angoli arrotondati 21">
+            <a:extLst>
+              <a:ext uri="{FF2B5EF4-FFF2-40B4-BE49-F238E27FC236}">
+                <a16:creationId xmlns:a16="http://schemas.microsoft.com/office/drawing/2014/main" id="{1247D409-1B1B-C8BF-2135-09C857D0FC95}"/>
+              </a:ext>
+            </a:extLst>
+          </p:cNvPr>
+          <p:cNvSpPr/>
+          <p:nvPr/>
+        </p:nvSpPr>
+        <p:spPr>
+          <a:xfrm>
+            <a:off x="4508947" y="2644877"/>
+            <a:ext cx="1930815" cy="746706"/>
+          </a:xfrm>
+          <a:prstGeom prst="roundRect">
+            <a:avLst/>
+          </a:prstGeom>
+          <a:solidFill>
+            <a:srgbClr val="ECEFF0"/>
+          </a:solidFill>
+          <a:ln>
+            <a:noFill/>
+          </a:ln>
+        </p:spPr>
+        <p:style>
+          <a:lnRef idx="2">
+            <a:schemeClr val="accent1">
+              <a:shade val="15000"/>
+            </a:schemeClr>
+          </a:lnRef>
+          <a:fillRef idx="1">
+            <a:schemeClr val="accent1"/>
+          </a:fillRef>
+          <a:effectRef idx="0">
+            <a:schemeClr val="accent1"/>
+          </a:effectRef>
+          <a:fontRef idx="minor">
+            <a:schemeClr val="lt1"/>
+          </a:fontRef>
+        </p:style>
+        <p:txBody>
+          <a:bodyPr rtlCol="0" anchor="ctr"/>
+          <a:lstStyle/>
+          <a:p>
+            <a:pPr algn="ctr"/>
+            <a:endParaRPr lang="it-IT"/>
+          </a:p>
+        </p:txBody>
+      </p:sp>
+      <p:sp>
+        <p:nvSpPr>
+          <p:cNvPr id="2" name="Titolo 1">
+            <a:extLst>
+              <a:ext uri="{FF2B5EF4-FFF2-40B4-BE49-F238E27FC236}">
+                <a16:creationId xmlns:a16="http://schemas.microsoft.com/office/drawing/2014/main" id="{ED5FAFA8-A161-1F52-978B-612E0AF158D4}"/>
+              </a:ext>
+            </a:extLst>
+          </p:cNvPr>
+          <p:cNvSpPr>
+            <a:spLocks noGrp="1"/>
+          </p:cNvSpPr>
+          <p:nvPr>
+            <p:ph type="title"/>
+          </p:nvPr>
+        </p:nvSpPr>
+        <p:spPr>
+          <a:xfrm>
+            <a:off x="838200" y="434498"/>
+            <a:ext cx="10515600" cy="1325563"/>
+          </a:xfrm>
+        </p:spPr>
+        <p:txBody>
+          <a:bodyPr/>
+          <a:lstStyle/>
+          <a:p>
+            <a:r>
+              <a:rPr lang="it-IT" dirty="0">
+                <a:solidFill>
+                  <a:srgbClr val="0B76A0"/>
+                </a:solidFill>
+                <a:latin typeface="Berlin Sans FB Demi" panose="020E0802020502020306" pitchFamily="34" charset="0"/>
+              </a:rPr>
+              <a:t>EVALUATION ANALYSIS</a:t>
+            </a:r>
+          </a:p>
+        </p:txBody>
+      </p:sp>
       <p:cxnSp>
         <p:nvCxnSpPr>
           <p:cNvPr id="4" name="Connettore diritto 3">
@@ -12997,7 +12664,7 @@
         <p:spPr>
           <a:xfrm>
             <a:off x="838200" y="1412240"/>
-            <a:ext cx="8346440" cy="0"/>
+            <a:ext cx="6464790" cy="0"/>
           </a:xfrm>
           <a:prstGeom prst="line">
             <a:avLst/>
@@ -13033,8 +12700,8 @@
         </p:nvSpPr>
         <p:spPr>
           <a:xfrm>
-            <a:off x="4870450" y="2585403"/>
-            <a:ext cx="5778499" cy="1938992"/>
+            <a:off x="907026" y="4402846"/>
+            <a:ext cx="4401368" cy="1754326"/>
           </a:xfrm>
           <a:prstGeom prst="rect">
             <a:avLst/>
@@ -13047,41 +12714,21 @@
           </a:bodyPr>
           <a:lstStyle/>
           <a:p>
-            <a:r>
-              <a:rPr lang="it-IT" sz="2400" dirty="0"/>
-              <a:t>Time </a:t>
-            </a:r>
-            <a:r>
-              <a:rPr lang="it-IT" sz="2400" dirty="0" err="1"/>
-              <a:t>needed</a:t>
-            </a:r>
-            <a:r>
-              <a:rPr lang="it-IT" sz="2400" dirty="0"/>
-              <a:t> for </a:t>
-            </a:r>
-            <a:r>
-              <a:rPr lang="it-IT" sz="2400" dirty="0" err="1"/>
-              <a:t>send</a:t>
-            </a:r>
-            <a:r>
-              <a:rPr lang="it-IT" sz="2400" dirty="0"/>
-              <a:t> </a:t>
-            </a:r>
-            <a:r>
-              <a:rPr lang="it-IT" sz="2400" dirty="0" err="1"/>
-              <a:t>operations</a:t>
-            </a:r>
-            <a:r>
-              <a:rPr lang="it-IT" sz="2400" dirty="0"/>
-              <a:t>, </a:t>
-            </a:r>
-            <a:r>
-              <a:rPr lang="it-IT" sz="2400" dirty="0" err="1"/>
-              <a:t>considering</a:t>
-            </a:r>
-            <a:r>
-              <a:rPr lang="it-IT" sz="2400" dirty="0"/>
-              <a:t>:</a:t>
+            <a:pPr algn="ctr"/>
+            <a:r>
+              <a:rPr lang="it-IT" b="1" dirty="0">
+                <a:solidFill>
+                  <a:srgbClr val="156082"/>
+                </a:solidFill>
+              </a:rPr>
+              <a:t>LATENCIES AND THROUGHPUT </a:t>
+            </a:r>
+            <a:endParaRPr lang="it-IT" dirty="0"/>
+          </a:p>
+          <a:p>
+            <a:r>
+              <a:rPr lang="it-IT" dirty="0"/>
+              <a:t>Time needed for send operations, considering:</a:t>
             </a:r>
           </a:p>
           <a:p>
@@ -13090,24 +12737,8 @@
               <a:buChar char="•"/>
             </a:pPr>
             <a:r>
-              <a:rPr lang="it-IT" sz="2400" dirty="0"/>
-              <a:t>15 </a:t>
-            </a:r>
-            <a:r>
-              <a:rPr lang="it-IT" sz="2400" dirty="0" err="1"/>
-              <a:t>send</a:t>
-            </a:r>
-            <a:r>
-              <a:rPr lang="it-IT" sz="2400" dirty="0"/>
-              <a:t> </a:t>
-            </a:r>
-            <a:r>
-              <a:rPr lang="it-IT" sz="2400" dirty="0" err="1"/>
-              <a:t>operations</a:t>
-            </a:r>
-            <a:r>
-              <a:rPr lang="it-IT" sz="2400" dirty="0"/>
-              <a:t>.</a:t>
+              <a:rPr lang="it-IT" dirty="0"/>
+              <a:t>15 send operations.</a:t>
             </a:r>
           </a:p>
           <a:p>
@@ -13116,20 +12747,28 @@
               <a:buChar char="•"/>
             </a:pPr>
             <a:r>
-              <a:rPr lang="it-IT" sz="2400" b="1" dirty="0"/>
+              <a:rPr lang="it-IT" b="1" dirty="0"/>
               <a:t>AVG</a:t>
             </a:r>
             <a:r>
-              <a:rPr lang="it-IT" sz="2400" dirty="0"/>
+              <a:rPr lang="it-IT" dirty="0"/>
               <a:t>(</a:t>
             </a:r>
             <a:r>
-              <a:rPr lang="it-IT" sz="2400" i="1" dirty="0"/>
+              <a:rPr lang="it-IT" i="1" dirty="0"/>
               <a:t>i</a:t>
             </a:r>
             <a:r>
-              <a:rPr lang="it-IT" sz="2400" dirty="0"/>
-              <a:t>) = (TOTAL_TIME – 15*DELAY) / 15</a:t>
+              <a:rPr lang="it-IT" dirty="0"/>
+              <a:t>) = (TOTAL_TIME</a:t>
+            </a:r>
+            <a:r>
+              <a:rPr lang="it-IT" sz="2400" baseline="-25000" dirty="0"/>
+              <a:t>i</a:t>
+            </a:r>
+            <a:r>
+              <a:rPr lang="it-IT" dirty="0"/>
+              <a:t> – 15*DELAY) / 15</a:t>
             </a:r>
           </a:p>
           <a:p>
@@ -13138,21 +12777,279 @@
               <a:buChar char="•"/>
             </a:pPr>
             <a:r>
-              <a:rPr lang="it-IT" sz="2400" b="1" dirty="0"/>
-              <a:t>BEST_THROUGPUT </a:t>
-            </a:r>
-            <a:r>
-              <a:rPr lang="it-IT" sz="2400" dirty="0"/>
-              <a:t>= 2.5 </a:t>
-            </a:r>
-            <a:r>
-              <a:rPr lang="it-IT" sz="2400" dirty="0" err="1"/>
-              <a:t>Send</a:t>
-            </a:r>
-            <a:r>
-              <a:rPr lang="it-IT" sz="2400" dirty="0"/>
-              <a:t>/sec</a:t>
-            </a:r>
+              <a:rPr lang="it-IT" b="1" dirty="0"/>
+              <a:t>BEST_THROUGHPUT </a:t>
+            </a:r>
+            <a:r>
+              <a:rPr lang="it-IT" dirty="0"/>
+              <a:t>= 2.5 Send/sec</a:t>
+            </a:r>
+          </a:p>
+        </p:txBody>
+      </p:sp>
+      <p:pic>
+        <p:nvPicPr>
+          <p:cNvPr id="3" name="Segnaposto contenuto 11" descr="Immagine che contiene testo, schermata, Carattere, diagramma&#10;&#10;Descrizione generata automaticamente">
+            <a:extLst>
+              <a:ext uri="{FF2B5EF4-FFF2-40B4-BE49-F238E27FC236}">
+                <a16:creationId xmlns:a16="http://schemas.microsoft.com/office/drawing/2014/main" id="{1275011E-6262-DDCD-7538-5ED6326CD2A0}"/>
+              </a:ext>
+            </a:extLst>
+          </p:cNvPr>
+          <p:cNvPicPr>
+            <a:picLocks noChangeAspect="1"/>
+          </p:cNvPicPr>
+          <p:nvPr/>
+        </p:nvPicPr>
+        <p:blipFill>
+          <a:blip r:embed="rId4">
+            <a:extLst>
+              <a:ext uri="{BEBA8EAE-BF5A-486C-A8C5-ECC9F3942E4B}">
+                <a14:imgProps xmlns:a14="http://schemas.microsoft.com/office/drawing/2010/main">
+                  <a14:imgLayer r:embed="rId5">
+                    <a14:imgEffect>
+                      <a14:saturation sat="33000"/>
+                    </a14:imgEffect>
+                  </a14:imgLayer>
+                </a14:imgProps>
+              </a:ext>
+              <a:ext uri="{28A0092B-C50C-407E-A947-70E740481C1C}">
+                <a14:useLocalDpi xmlns:a14="http://schemas.microsoft.com/office/drawing/2010/main" val="0"/>
+              </a:ext>
+            </a:extLst>
+          </a:blip>
+          <a:stretch>
+            <a:fillRect/>
+          </a:stretch>
+        </p:blipFill>
+        <p:spPr>
+          <a:xfrm>
+            <a:off x="7534540" y="680302"/>
+            <a:ext cx="3870051" cy="2902539"/>
+          </a:xfrm>
+          <a:prstGeom prst="rect">
+            <a:avLst/>
+          </a:prstGeom>
+        </p:spPr>
+      </p:pic>
+      <p:pic>
+        <p:nvPicPr>
+          <p:cNvPr id="5" name="Immagine 4" descr="Immagine che contiene testo, schermata, Carattere, diagramma&#10;&#10;Descrizione generata automaticamente">
+            <a:extLst>
+              <a:ext uri="{FF2B5EF4-FFF2-40B4-BE49-F238E27FC236}">
+                <a16:creationId xmlns:a16="http://schemas.microsoft.com/office/drawing/2014/main" id="{AC9D10E2-5FBF-D103-0C0F-BE4F2DEFAF2A}"/>
+              </a:ext>
+            </a:extLst>
+          </p:cNvPr>
+          <p:cNvPicPr>
+            <a:picLocks noChangeAspect="1"/>
+          </p:cNvPicPr>
+          <p:nvPr/>
+        </p:nvPicPr>
+        <p:blipFill>
+          <a:blip r:embed="rId6">
+            <a:extLst>
+              <a:ext uri="{BEBA8EAE-BF5A-486C-A8C5-ECC9F3942E4B}">
+                <a14:imgProps xmlns:a14="http://schemas.microsoft.com/office/drawing/2010/main">
+                  <a14:imgLayer r:embed="rId7">
+                    <a14:imgEffect>
+                      <a14:saturation sat="33000"/>
+                    </a14:imgEffect>
+                  </a14:imgLayer>
+                </a14:imgProps>
+              </a:ext>
+              <a:ext uri="{28A0092B-C50C-407E-A947-70E740481C1C}">
+                <a14:useLocalDpi xmlns:a14="http://schemas.microsoft.com/office/drawing/2010/main" val="0"/>
+              </a:ext>
+            </a:extLst>
+          </a:blip>
+          <a:stretch>
+            <a:fillRect/>
+          </a:stretch>
+        </p:blipFill>
+        <p:spPr>
+          <a:xfrm>
+            <a:off x="7534539" y="3580881"/>
+            <a:ext cx="3870052" cy="2902539"/>
+          </a:xfrm>
+          <a:prstGeom prst="rect">
+            <a:avLst/>
+          </a:prstGeom>
+        </p:spPr>
+      </p:pic>
+      <p:sp>
+        <p:nvSpPr>
+          <p:cNvPr id="7" name="CasellaDiTesto 6">
+            <a:extLst>
+              <a:ext uri="{FF2B5EF4-FFF2-40B4-BE49-F238E27FC236}">
+                <a16:creationId xmlns:a16="http://schemas.microsoft.com/office/drawing/2014/main" id="{284F018F-00E4-6335-498D-3D7EE1D3EA73}"/>
+              </a:ext>
+            </a:extLst>
+          </p:cNvPr>
+          <p:cNvSpPr txBox="1"/>
+          <p:nvPr/>
+        </p:nvSpPr>
+        <p:spPr>
+          <a:xfrm>
+            <a:off x="4508947" y="2740740"/>
+            <a:ext cx="1883040" cy="584775"/>
+          </a:xfrm>
+          <a:prstGeom prst="rect">
+            <a:avLst/>
+          </a:prstGeom>
+          <a:noFill/>
+        </p:spPr>
+        <p:txBody>
+          <a:bodyPr wrap="square" rtlCol="0">
+            <a:spAutoFit/>
+          </a:bodyPr>
+          <a:lstStyle/>
+          <a:p>
+            <a:pPr algn="ctr"/>
+            <a:r>
+              <a:rPr lang="it-IT" sz="1600" b="1" dirty="0">
+                <a:solidFill>
+                  <a:srgbClr val="156082"/>
+                </a:solidFill>
+              </a:rPr>
+              <a:t>DEPENDABILITY EVALUATION</a:t>
+            </a:r>
+          </a:p>
+        </p:txBody>
+      </p:sp>
+      <p:sp>
+        <p:nvSpPr>
+          <p:cNvPr id="8" name="CasellaDiTesto 7">
+            <a:extLst>
+              <a:ext uri="{FF2B5EF4-FFF2-40B4-BE49-F238E27FC236}">
+                <a16:creationId xmlns:a16="http://schemas.microsoft.com/office/drawing/2014/main" id="{89B2F4C9-6CE4-A5D2-3611-DC8BD9B41C9C}"/>
+              </a:ext>
+            </a:extLst>
+          </p:cNvPr>
+          <p:cNvSpPr txBox="1"/>
+          <p:nvPr/>
+        </p:nvSpPr>
+        <p:spPr>
+          <a:xfrm>
+            <a:off x="5440635" y="3610658"/>
+            <a:ext cx="1862355" cy="584775"/>
+          </a:xfrm>
+          <a:prstGeom prst="rect">
+            <a:avLst/>
+          </a:prstGeom>
+          <a:noFill/>
+        </p:spPr>
+        <p:txBody>
+          <a:bodyPr wrap="square" rtlCol="0">
+            <a:spAutoFit/>
+          </a:bodyPr>
+          <a:lstStyle/>
+          <a:p>
+            <a:pPr algn="ctr"/>
+            <a:r>
+              <a:rPr lang="it-IT" sz="1600" b="1" dirty="0">
+                <a:solidFill>
+                  <a:srgbClr val="156082"/>
+                </a:solidFill>
+              </a:rPr>
+              <a:t>SCALABILITY EVALUATION</a:t>
+            </a:r>
+          </a:p>
+        </p:txBody>
+      </p:sp>
+      <p:sp>
+        <p:nvSpPr>
+          <p:cNvPr id="9" name="Arco 8">
+            <a:extLst>
+              <a:ext uri="{FF2B5EF4-FFF2-40B4-BE49-F238E27FC236}">
+                <a16:creationId xmlns:a16="http://schemas.microsoft.com/office/drawing/2014/main" id="{3A20AF84-4540-BDD3-E51D-FECC55EBEA95}"/>
+              </a:ext>
+            </a:extLst>
+          </p:cNvPr>
+          <p:cNvSpPr/>
+          <p:nvPr/>
+        </p:nvSpPr>
+        <p:spPr>
+          <a:xfrm rot="20583252">
+            <a:off x="4219170" y="2302371"/>
+            <a:ext cx="1107285" cy="948433"/>
+          </a:xfrm>
+          <a:prstGeom prst="arc">
+            <a:avLst/>
+          </a:prstGeom>
+          <a:ln>
+            <a:headEnd type="arrow" w="med" len="med"/>
+            <a:tailEnd type="none" w="med" len="med"/>
+          </a:ln>
+        </p:spPr>
+        <p:style>
+          <a:lnRef idx="3">
+            <a:schemeClr val="accent1"/>
+          </a:lnRef>
+          <a:fillRef idx="0">
+            <a:schemeClr val="accent1"/>
+          </a:fillRef>
+          <a:effectRef idx="2">
+            <a:schemeClr val="accent1"/>
+          </a:effectRef>
+          <a:fontRef idx="minor">
+            <a:schemeClr val="tx1"/>
+          </a:fontRef>
+        </p:style>
+        <p:txBody>
+          <a:bodyPr rtlCol="0" anchor="ctr"/>
+          <a:lstStyle/>
+          <a:p>
+            <a:pPr algn="ctr"/>
+            <a:endParaRPr lang="it-IT"/>
+          </a:p>
+        </p:txBody>
+      </p:sp>
+      <p:sp>
+        <p:nvSpPr>
+          <p:cNvPr id="10" name="Arco 9">
+            <a:extLst>
+              <a:ext uri="{FF2B5EF4-FFF2-40B4-BE49-F238E27FC236}">
+                <a16:creationId xmlns:a16="http://schemas.microsoft.com/office/drawing/2014/main" id="{276C0446-E2EB-7F29-5F5D-16B83F818BE1}"/>
+              </a:ext>
+            </a:extLst>
+          </p:cNvPr>
+          <p:cNvSpPr/>
+          <p:nvPr/>
+        </p:nvSpPr>
+        <p:spPr>
+          <a:xfrm rot="10379212">
+            <a:off x="6404906" y="3744369"/>
+            <a:ext cx="1107285" cy="948433"/>
+          </a:xfrm>
+          <a:prstGeom prst="arc">
+            <a:avLst/>
+          </a:prstGeom>
+          <a:ln>
+            <a:headEnd type="arrow" w="med" len="med"/>
+            <a:tailEnd type="none" w="med" len="med"/>
+          </a:ln>
+        </p:spPr>
+        <p:style>
+          <a:lnRef idx="3">
+            <a:schemeClr val="accent1"/>
+          </a:lnRef>
+          <a:fillRef idx="0">
+            <a:schemeClr val="accent1"/>
+          </a:fillRef>
+          <a:effectRef idx="2">
+            <a:schemeClr val="accent1"/>
+          </a:effectRef>
+          <a:fontRef idx="minor">
+            <a:schemeClr val="tx1"/>
+          </a:fontRef>
+        </p:style>
+        <p:txBody>
+          <a:bodyPr rtlCol="0" anchor="ctr"/>
+          <a:lstStyle/>
+          <a:p>
+            <a:pPr algn="ctr"/>
+            <a:endParaRPr lang="it-IT"/>
           </a:p>
         </p:txBody>
       </p:sp>
@@ -13194,144 +13091,6 @@
           <p:cNvPr id="2" name="Titolo 1">
             <a:extLst>
               <a:ext uri="{FF2B5EF4-FFF2-40B4-BE49-F238E27FC236}">
-                <a16:creationId xmlns:a16="http://schemas.microsoft.com/office/drawing/2014/main" id="{FE0EBE1C-1C48-788E-457A-A1C929B85351}"/>
-              </a:ext>
-            </a:extLst>
-          </p:cNvPr>
-          <p:cNvSpPr>
-            <a:spLocks noGrp="1"/>
-          </p:cNvSpPr>
-          <p:nvPr>
-            <p:ph type="title"/>
-          </p:nvPr>
-        </p:nvSpPr>
-        <p:spPr/>
-        <p:txBody>
-          <a:bodyPr/>
-          <a:lstStyle/>
-          <a:p>
-            <a:r>
-              <a:rPr lang="it-IT" u="sng" dirty="0">
-                <a:solidFill>
-                  <a:srgbClr val="0B76A0"/>
-                </a:solidFill>
-                <a:latin typeface="Berlin Sans FB Demi" panose="020E0802020502020306" pitchFamily="34" charset="0"/>
-              </a:rPr>
-              <a:t>SCALABILITY EVALUATION</a:t>
-            </a:r>
-            <a:endParaRPr lang="it-IT" u="sng" dirty="0"/>
-          </a:p>
-        </p:txBody>
-      </p:sp>
-      <p:pic>
-        <p:nvPicPr>
-          <p:cNvPr id="12" name="Segnaposto contenuto 11" descr="Immagine che contiene testo, schermata, Carattere, diagramma&#10;&#10;Descrizione generata automaticamente">
-            <a:extLst>
-              <a:ext uri="{FF2B5EF4-FFF2-40B4-BE49-F238E27FC236}">
-                <a16:creationId xmlns:a16="http://schemas.microsoft.com/office/drawing/2014/main" id="{9499C1F3-13D7-77ED-E5CE-5488E358B33E}"/>
-              </a:ext>
-            </a:extLst>
-          </p:cNvPr>
-          <p:cNvPicPr>
-            <a:picLocks noGrp="1" noChangeAspect="1"/>
-          </p:cNvPicPr>
-          <p:nvPr>
-            <p:ph idx="1"/>
-          </p:nvPr>
-        </p:nvPicPr>
-        <p:blipFill>
-          <a:blip r:embed="rId2">
-            <a:extLst>
-              <a:ext uri="{28A0092B-C50C-407E-A947-70E740481C1C}">
-                <a14:useLocalDpi xmlns:a14="http://schemas.microsoft.com/office/drawing/2010/main" val="0"/>
-              </a:ext>
-            </a:extLst>
-          </a:blip>
-          <a:stretch>
-            <a:fillRect/>
-          </a:stretch>
-        </p:blipFill>
-        <p:spPr>
-          <a:xfrm>
-            <a:off x="838200" y="1690688"/>
-            <a:ext cx="4334934" cy="3251201"/>
-          </a:xfrm>
-          <a:prstGeom prst="rect">
-            <a:avLst/>
-          </a:prstGeom>
-        </p:spPr>
-      </p:pic>
-      <p:pic>
-        <p:nvPicPr>
-          <p:cNvPr id="13" name="Immagine 12" descr="Immagine che contiene testo, schermata, Carattere, diagramma&#10;&#10;Descrizione generata automaticamente">
-            <a:extLst>
-              <a:ext uri="{FF2B5EF4-FFF2-40B4-BE49-F238E27FC236}">
-                <a16:creationId xmlns:a16="http://schemas.microsoft.com/office/drawing/2014/main" id="{0321FCF3-8C20-B74D-0FA5-55214AEB452E}"/>
-              </a:ext>
-            </a:extLst>
-          </p:cNvPr>
-          <p:cNvPicPr>
-            <a:picLocks noChangeAspect="1"/>
-          </p:cNvPicPr>
-          <p:nvPr/>
-        </p:nvPicPr>
-        <p:blipFill>
-          <a:blip r:embed="rId3">
-            <a:extLst>
-              <a:ext uri="{28A0092B-C50C-407E-A947-70E740481C1C}">
-                <a14:useLocalDpi xmlns:a14="http://schemas.microsoft.com/office/drawing/2010/main" val="0"/>
-              </a:ext>
-            </a:extLst>
-          </a:blip>
-          <a:stretch>
-            <a:fillRect/>
-          </a:stretch>
-        </p:blipFill>
-        <p:spPr>
-          <a:xfrm>
-            <a:off x="7018868" y="1690688"/>
-            <a:ext cx="4334934" cy="3251201"/>
-          </a:xfrm>
-          <a:prstGeom prst="rect">
-            <a:avLst/>
-          </a:prstGeom>
-        </p:spPr>
-      </p:pic>
-    </p:spTree>
-    <p:extLst>
-      <p:ext uri="{BB962C8B-B14F-4D97-AF65-F5344CB8AC3E}">
-        <p14:creationId xmlns:p14="http://schemas.microsoft.com/office/powerpoint/2010/main" val="2312428124"/>
-      </p:ext>
-    </p:extLst>
-  </p:cSld>
-  <p:clrMapOvr>
-    <a:masterClrMapping/>
-  </p:clrMapOvr>
-</p:sld>
-</file>
-
-<file path=ppt/slides/slide8.xml><?xml version="1.0" encoding="utf-8"?>
-<p:sld xmlns:a="http://schemas.openxmlformats.org/drawingml/2006/main" xmlns:r="http://schemas.openxmlformats.org/officeDocument/2006/relationships" xmlns:p="http://schemas.openxmlformats.org/presentationml/2006/main">
-  <p:cSld>
-    <p:spTree>
-      <p:nvGrpSpPr>
-        <p:cNvPr id="1" name=""/>
-        <p:cNvGrpSpPr/>
-        <p:nvPr/>
-      </p:nvGrpSpPr>
-      <p:grpSpPr>
-        <a:xfrm>
-          <a:off x="0" y="0"/>
-          <a:ext cx="0" cy="0"/>
-          <a:chOff x="0" y="0"/>
-          <a:chExt cx="0" cy="0"/>
-        </a:xfrm>
-      </p:grpSpPr>
-      <p:sp>
-        <p:nvSpPr>
-          <p:cNvPr id="2" name="Titolo 1">
-            <a:extLst>
-              <a:ext uri="{FF2B5EF4-FFF2-40B4-BE49-F238E27FC236}">
                 <a16:creationId xmlns:a16="http://schemas.microsoft.com/office/drawing/2014/main" id="{AFFBF2B0-7EF0-BEA2-6E6D-CB800AA38DD9}"/>
               </a:ext>
             </a:extLst>
@@ -13376,14 +13135,14 @@
             <p:ph idx="1"/>
             <p:extLst>
               <p:ext uri="{D42A27DB-BD31-4B8C-83A1-F6EECF244321}">
-                <p14:modId xmlns:p14="http://schemas.microsoft.com/office/powerpoint/2010/main" val="244448992"/>
+                <p14:modId xmlns:p14="http://schemas.microsoft.com/office/powerpoint/2010/main" val="2704783937"/>
               </p:ext>
             </p:extLst>
           </p:nvPr>
         </p:nvGraphicFramePr>
         <p:xfrm>
-          <a:off x="838200" y="1957705"/>
-          <a:ext cx="10515597" cy="4867864"/>
+          <a:off x="838200" y="1721732"/>
+          <a:ext cx="10515597" cy="4474610"/>
         </p:xfrm>
         <a:graphic>
           <a:graphicData uri="http://schemas.openxmlformats.org/drawingml/2006/table">
@@ -13842,56 +13601,6 @@
                   </a:ext>
                 </a:extLst>
               </a:tr>
-              <a:tr h="393254">
-                <a:tc>
-                  <a:txBody>
-                    <a:bodyPr/>
-                    <a:lstStyle/>
-                    <a:p>
-                      <a:pPr algn="r"/>
-                      <a:endParaRPr lang="it-IT" dirty="0"/>
-                    </a:p>
-                  </a:txBody>
-                  <a:tcPr marL="91439" marR="91439">
-                    <a:solidFill>
-                      <a:srgbClr val="E7EAED"/>
-                    </a:solidFill>
-                  </a:tcPr>
-                </a:tc>
-                <a:tc>
-                  <a:txBody>
-                    <a:bodyPr/>
-                    <a:lstStyle/>
-                    <a:p>
-                      <a:endParaRPr lang="it-IT" dirty="0"/>
-                    </a:p>
-                  </a:txBody>
-                  <a:tcPr marL="91439" marR="91439">
-                    <a:solidFill>
-                      <a:srgbClr val="E7EAED"/>
-                    </a:solidFill>
-                  </a:tcPr>
-                </a:tc>
-                <a:tc>
-                  <a:txBody>
-                    <a:bodyPr/>
-                    <a:lstStyle/>
-                    <a:p>
-                      <a:endParaRPr lang="it-IT" dirty="0"/>
-                    </a:p>
-                  </a:txBody>
-                  <a:tcPr marL="91439" marR="91439">
-                    <a:solidFill>
-                      <a:srgbClr val="E7EAED"/>
-                    </a:solidFill>
-                  </a:tcPr>
-                </a:tc>
-                <a:extLst>
-                  <a:ext uri="{0D108BD9-81ED-4DB2-BD59-A6C34878D82A}">
-                    <a16:rowId xmlns:a16="http://schemas.microsoft.com/office/drawing/2014/main" val="2681359767"/>
-                  </a:ext>
-                </a:extLst>
-              </a:tr>
             </a:tbl>
           </a:graphicData>
         </a:graphic>
@@ -13949,7 +13658,7 @@
         </p:nvSpPr>
         <p:spPr>
           <a:xfrm>
-            <a:off x="4442460" y="2032000"/>
+            <a:off x="4442460" y="1796027"/>
             <a:ext cx="802640" cy="735643"/>
           </a:xfrm>
           <a:prstGeom prst="ellipse">
@@ -14001,7 +13710,7 @@
         </p:nvSpPr>
         <p:spPr>
           <a:xfrm>
-            <a:off x="7948928" y="2032636"/>
+            <a:off x="7948928" y="1796663"/>
             <a:ext cx="802640" cy="735643"/>
           </a:xfrm>
           <a:prstGeom prst="ellipse">
@@ -14067,7 +13776,7 @@
         </p:blipFill>
         <p:spPr>
           <a:xfrm>
-            <a:off x="4578200" y="2129840"/>
+            <a:off x="4578200" y="1893867"/>
             <a:ext cx="531159" cy="507327"/>
           </a:xfrm>
           <a:prstGeom prst="rect">
@@ -14103,7 +13812,7 @@
         </p:blipFill>
         <p:spPr>
           <a:xfrm>
-            <a:off x="8097447" y="2155102"/>
+            <a:off x="8097447" y="1919129"/>
             <a:ext cx="508073" cy="484220"/>
           </a:xfrm>
           <a:prstGeom prst="rect">
@@ -14136,7 +13845,7 @@
 </p:sld>
 </file>
 
-<file path=ppt/slides/slide9.xml><?xml version="1.0" encoding="utf-8"?>
+<file path=ppt/slides/slide8.xml><?xml version="1.0" encoding="utf-8"?>
 <p:sld xmlns:a="http://schemas.openxmlformats.org/drawingml/2006/main" xmlns:r="http://schemas.openxmlformats.org/officeDocument/2006/relationships" xmlns:p="http://schemas.openxmlformats.org/presentationml/2006/main">
   <p:cSld>
     <p:spTree>
@@ -14225,313 +13934,41 @@
           </a:fontRef>
         </p:style>
       </p:cxnSp>
-      <p:sp>
-        <p:nvSpPr>
-          <p:cNvPr id="10" name="Rettangolo 9">
-            <a:extLst>
-              <a:ext uri="{FF2B5EF4-FFF2-40B4-BE49-F238E27FC236}">
-                <a16:creationId xmlns:a16="http://schemas.microsoft.com/office/drawing/2014/main" id="{E7EFAFC6-E0B8-C05D-9966-90957CB63446}"/>
-              </a:ext>
-            </a:extLst>
-          </p:cNvPr>
-          <p:cNvSpPr/>
-          <p:nvPr/>
-        </p:nvSpPr>
-        <p:spPr>
-          <a:xfrm>
-            <a:off x="494030" y="2036127"/>
-            <a:ext cx="7691120" cy="1540192"/>
+      <p:pic>
+        <p:nvPicPr>
+          <p:cNvPr id="7" name="Immagine 6" descr="Immagine che contiene testo, schermata, biglietto da visita, Carattere&#10;&#10;Descrizione generata automaticamente">
+            <a:extLst>
+              <a:ext uri="{FF2B5EF4-FFF2-40B4-BE49-F238E27FC236}">
+                <a16:creationId xmlns:a16="http://schemas.microsoft.com/office/drawing/2014/main" id="{7DF35A9A-D5E0-B169-46CD-E35BD1C7E570}"/>
+              </a:ext>
+            </a:extLst>
+          </p:cNvPr>
+          <p:cNvPicPr>
+            <a:picLocks noChangeAspect="1"/>
+          </p:cNvPicPr>
+          <p:nvPr/>
+        </p:nvPicPr>
+        <p:blipFill>
+          <a:blip r:embed="rId3">
+            <a:extLst>
+              <a:ext uri="{28A0092B-C50C-407E-A947-70E740481C1C}">
+                <a14:useLocalDpi xmlns:a14="http://schemas.microsoft.com/office/drawing/2010/main" val="0"/>
+              </a:ext>
+            </a:extLst>
+          </a:blip>
+          <a:srcRect l="65811" r="2730"/>
+          <a:stretch/>
+        </p:blipFill>
+        <p:spPr>
+          <a:xfrm>
+            <a:off x="4965284" y="2203271"/>
+            <a:ext cx="2691580" cy="3443718"/>
           </a:xfrm>
           <a:prstGeom prst="rect">
             <a:avLst/>
           </a:prstGeom>
-          <a:solidFill>
-            <a:schemeClr val="bg1"/>
-          </a:solidFill>
-          <a:ln>
-            <a:noFill/>
-          </a:ln>
-        </p:spPr>
-        <p:style>
-          <a:lnRef idx="2">
-            <a:schemeClr val="accent1">
-              <a:shade val="15000"/>
-            </a:schemeClr>
-          </a:lnRef>
-          <a:fillRef idx="1">
-            <a:schemeClr val="accent1"/>
-          </a:fillRef>
-          <a:effectRef idx="0">
-            <a:schemeClr val="accent1"/>
-          </a:effectRef>
-          <a:fontRef idx="minor">
-            <a:schemeClr val="lt1"/>
-          </a:fontRef>
-        </p:style>
-        <p:txBody>
-          <a:bodyPr rtlCol="0" anchor="ctr"/>
-          <a:lstStyle/>
-          <a:p>
-            <a:pPr algn="ctr"/>
-            <a:endParaRPr lang="it-IT" dirty="0"/>
-          </a:p>
-        </p:txBody>
-      </p:sp>
-      <p:sp>
-        <p:nvSpPr>
-          <p:cNvPr id="11" name="Rettangolo 10">
-            <a:extLst>
-              <a:ext uri="{FF2B5EF4-FFF2-40B4-BE49-F238E27FC236}">
-                <a16:creationId xmlns:a16="http://schemas.microsoft.com/office/drawing/2014/main" id="{B2DB0B25-62B9-978B-541A-38EC21E429DB}"/>
-              </a:ext>
-            </a:extLst>
-          </p:cNvPr>
-          <p:cNvSpPr/>
-          <p:nvPr/>
-        </p:nvSpPr>
-        <p:spPr>
-          <a:xfrm>
-            <a:off x="838200" y="4397216"/>
-            <a:ext cx="7691120" cy="1540192"/>
-          </a:xfrm>
-          <a:prstGeom prst="rect">
-            <a:avLst/>
-          </a:prstGeom>
-          <a:solidFill>
-            <a:schemeClr val="bg1"/>
-          </a:solidFill>
-          <a:ln>
-            <a:noFill/>
-          </a:ln>
-        </p:spPr>
-        <p:style>
-          <a:lnRef idx="2">
-            <a:schemeClr val="accent1">
-              <a:shade val="15000"/>
-            </a:schemeClr>
-          </a:lnRef>
-          <a:fillRef idx="1">
-            <a:schemeClr val="accent1"/>
-          </a:fillRef>
-          <a:effectRef idx="0">
-            <a:schemeClr val="accent1"/>
-          </a:effectRef>
-          <a:fontRef idx="minor">
-            <a:schemeClr val="lt1"/>
-          </a:fontRef>
-        </p:style>
-        <p:txBody>
-          <a:bodyPr rtlCol="0" anchor="ctr"/>
-          <a:lstStyle/>
-          <a:p>
-            <a:pPr algn="ctr"/>
-            <a:endParaRPr lang="it-IT" dirty="0"/>
-          </a:p>
-        </p:txBody>
-      </p:sp>
-      <p:grpSp>
-        <p:nvGrpSpPr>
-          <p:cNvPr id="6" name="Gruppo 5">
-            <a:extLst>
-              <a:ext uri="{FF2B5EF4-FFF2-40B4-BE49-F238E27FC236}">
-                <a16:creationId xmlns:a16="http://schemas.microsoft.com/office/drawing/2014/main" id="{E7600C75-4AEE-C816-7418-B35BEC4BADC8}"/>
-              </a:ext>
-            </a:extLst>
-          </p:cNvPr>
-          <p:cNvGrpSpPr/>
-          <p:nvPr/>
-        </p:nvGrpSpPr>
-        <p:grpSpPr>
-          <a:xfrm>
-            <a:off x="426719" y="1560977"/>
-            <a:ext cx="11575165" cy="4659103"/>
-            <a:chOff x="426719" y="1513843"/>
-            <a:chExt cx="11575165" cy="4659103"/>
-          </a:xfrm>
-        </p:grpSpPr>
-        <p:pic>
-          <p:nvPicPr>
-            <p:cNvPr id="7" name="Immagine 6" descr="Immagine che contiene testo, schermata, biglietto da visita, Carattere&#10;&#10;Descrizione generata automaticamente">
-              <a:extLst>
-                <a:ext uri="{FF2B5EF4-FFF2-40B4-BE49-F238E27FC236}">
-                  <a16:creationId xmlns:a16="http://schemas.microsoft.com/office/drawing/2014/main" id="{7DF35A9A-D5E0-B169-46CD-E35BD1C7E570}"/>
-                </a:ext>
-              </a:extLst>
-            </p:cNvPr>
-            <p:cNvPicPr>
-              <a:picLocks noChangeAspect="1"/>
-            </p:cNvPicPr>
-            <p:nvPr/>
-          </p:nvPicPr>
-          <p:blipFill>
-            <a:blip r:embed="rId3">
-              <a:extLst>
-                <a:ext uri="{28A0092B-C50C-407E-A947-70E740481C1C}">
-                  <a14:useLocalDpi xmlns:a14="http://schemas.microsoft.com/office/drawing/2010/main" val="0"/>
-                </a:ext>
-              </a:extLst>
-            </a:blip>
-            <a:stretch>
-              <a:fillRect/>
-            </a:stretch>
-          </p:blipFill>
-          <p:spPr>
-            <a:xfrm>
-              <a:off x="426719" y="1513843"/>
-              <a:ext cx="11575165" cy="4659103"/>
-            </a:xfrm>
-            <a:prstGeom prst="rect">
-              <a:avLst/>
-            </a:prstGeom>
-          </p:spPr>
-        </p:pic>
-        <p:sp>
-          <p:nvSpPr>
-            <p:cNvPr id="3" name="Rettangolo 2">
-              <a:extLst>
-                <a:ext uri="{FF2B5EF4-FFF2-40B4-BE49-F238E27FC236}">
-                  <a16:creationId xmlns:a16="http://schemas.microsoft.com/office/drawing/2014/main" id="{7B58C3DF-3094-2E27-2755-4DCE8FC85E92}"/>
-                </a:ext>
-              </a:extLst>
-            </p:cNvPr>
-            <p:cNvSpPr/>
-            <p:nvPr/>
-          </p:nvSpPr>
-          <p:spPr>
-            <a:xfrm>
-              <a:off x="494030" y="2048827"/>
-              <a:ext cx="7691120" cy="1540192"/>
-            </a:xfrm>
-            <a:prstGeom prst="rect">
-              <a:avLst/>
-            </a:prstGeom>
-            <a:solidFill>
-              <a:schemeClr val="bg1"/>
-            </a:solidFill>
-            <a:ln>
-              <a:noFill/>
-            </a:ln>
-          </p:spPr>
-          <p:style>
-            <a:lnRef idx="2">
-              <a:schemeClr val="accent1">
-                <a:shade val="15000"/>
-              </a:schemeClr>
-            </a:lnRef>
-            <a:fillRef idx="1">
-              <a:schemeClr val="accent1"/>
-            </a:fillRef>
-            <a:effectRef idx="0">
-              <a:schemeClr val="accent1"/>
-            </a:effectRef>
-            <a:fontRef idx="minor">
-              <a:schemeClr val="lt1"/>
-            </a:fontRef>
-          </p:style>
-          <p:txBody>
-            <a:bodyPr rtlCol="0" anchor="ctr"/>
-            <a:lstStyle/>
-            <a:p>
-              <a:pPr algn="ctr"/>
-              <a:endParaRPr lang="it-IT" dirty="0"/>
-            </a:p>
-          </p:txBody>
-        </p:sp>
-      </p:grpSp>
-      <p:sp>
-        <p:nvSpPr>
-          <p:cNvPr id="5" name="Rettangolo 4">
-            <a:extLst>
-              <a:ext uri="{FF2B5EF4-FFF2-40B4-BE49-F238E27FC236}">
-                <a16:creationId xmlns:a16="http://schemas.microsoft.com/office/drawing/2014/main" id="{B679C76F-9B17-EFA7-886A-11FBDE8D54EE}"/>
-              </a:ext>
-            </a:extLst>
-          </p:cNvPr>
-          <p:cNvSpPr/>
-          <p:nvPr/>
-        </p:nvSpPr>
-        <p:spPr>
-          <a:xfrm>
-            <a:off x="838200" y="4409916"/>
-            <a:ext cx="7691120" cy="1540192"/>
-          </a:xfrm>
-          <a:prstGeom prst="rect">
-            <a:avLst/>
-          </a:prstGeom>
-          <a:solidFill>
-            <a:schemeClr val="bg1"/>
-          </a:solidFill>
-          <a:ln>
-            <a:noFill/>
-          </a:ln>
-        </p:spPr>
-        <p:style>
-          <a:lnRef idx="2">
-            <a:schemeClr val="accent1">
-              <a:shade val="15000"/>
-            </a:schemeClr>
-          </a:lnRef>
-          <a:fillRef idx="1">
-            <a:schemeClr val="accent1"/>
-          </a:fillRef>
-          <a:effectRef idx="0">
-            <a:schemeClr val="accent1"/>
-          </a:effectRef>
-          <a:fontRef idx="minor">
-            <a:schemeClr val="lt1"/>
-          </a:fontRef>
-        </p:style>
-        <p:txBody>
-          <a:bodyPr rtlCol="0" anchor="ctr"/>
-          <a:lstStyle/>
-          <a:p>
-            <a:pPr algn="ctr"/>
-            <a:endParaRPr lang="it-IT" dirty="0"/>
-          </a:p>
-        </p:txBody>
-      </p:sp>
-      <p:cxnSp>
-        <p:nvCxnSpPr>
-          <p:cNvPr id="18" name="Connettore 2 17">
-            <a:extLst>
-              <a:ext uri="{FF2B5EF4-FFF2-40B4-BE49-F238E27FC236}">
-                <a16:creationId xmlns:a16="http://schemas.microsoft.com/office/drawing/2014/main" id="{E60E6F08-905D-C7E6-D33C-F9A635FC90C1}"/>
-              </a:ext>
-            </a:extLst>
-          </p:cNvPr>
-          <p:cNvCxnSpPr/>
-          <p:nvPr/>
-        </p:nvCxnSpPr>
-        <p:spPr>
-          <a:xfrm flipV="1">
-            <a:off x="2073701" y="2854593"/>
-            <a:ext cx="0" cy="1035935"/>
-          </a:xfrm>
-          <a:prstGeom prst="straightConnector1">
-            <a:avLst/>
-          </a:prstGeom>
-          <a:ln w="28575">
-            <a:solidFill>
-              <a:srgbClr val="134F98"/>
-            </a:solidFill>
-            <a:tailEnd type="triangle"/>
-          </a:ln>
-        </p:spPr>
-        <p:style>
-          <a:lnRef idx="2">
-            <a:schemeClr val="accent1"/>
-          </a:lnRef>
-          <a:fillRef idx="0">
-            <a:schemeClr val="accent1"/>
-          </a:fillRef>
-          <a:effectRef idx="1">
-            <a:schemeClr val="accent1"/>
-          </a:effectRef>
-          <a:fontRef idx="minor">
-            <a:schemeClr val="tx1"/>
-          </a:fontRef>
-        </p:style>
-      </p:cxnSp>
+        </p:spPr>
+      </p:pic>
       <p:cxnSp>
         <p:nvCxnSpPr>
           <p:cNvPr id="20" name="Connettore 2 19">
@@ -14541,20 +13978,22 @@
               </a:ext>
             </a:extLst>
           </p:cNvPr>
-          <p:cNvCxnSpPr/>
+          <p:cNvCxnSpPr>
+            <a:cxnSpLocks/>
+          </p:cNvCxnSpPr>
           <p:nvPr/>
         </p:nvCxnSpPr>
         <p:spPr>
           <a:xfrm flipV="1">
-            <a:off x="6942241" y="2854593"/>
-            <a:ext cx="0" cy="1035935"/>
+            <a:off x="3781819" y="2930009"/>
+            <a:ext cx="0" cy="989300"/>
           </a:xfrm>
           <a:prstGeom prst="straightConnector1">
             <a:avLst/>
           </a:prstGeom>
           <a:ln w="28575">
             <a:solidFill>
-              <a:srgbClr val="1DCED6"/>
+              <a:srgbClr val="1BB3E4"/>
             </a:solidFill>
             <a:tailEnd type="triangle"/>
           </a:ln>
@@ -14583,20 +14022,22 @@
               </a:ext>
             </a:extLst>
           </p:cNvPr>
-          <p:cNvCxnSpPr/>
+          <p:cNvCxnSpPr>
+            <a:cxnSpLocks/>
+          </p:cNvCxnSpPr>
           <p:nvPr/>
         </p:nvCxnSpPr>
         <p:spPr>
           <a:xfrm>
-            <a:off x="4509413" y="3890528"/>
-            <a:ext cx="0" cy="838749"/>
+            <a:off x="2726647" y="3938568"/>
+            <a:ext cx="0" cy="889066"/>
           </a:xfrm>
           <a:prstGeom prst="straightConnector1">
             <a:avLst/>
           </a:prstGeom>
           <a:ln w="28575">
             <a:solidFill>
-              <a:srgbClr val="1BB5E7"/>
+              <a:srgbClr val="156082"/>
             </a:solidFill>
             <a:tailEnd type="triangle"/>
           </a:ln>
@@ -14640,8 +14081,8 @@
         </p:blipFill>
         <p:spPr>
           <a:xfrm>
-            <a:off x="2382705" y="4757808"/>
-            <a:ext cx="4253416" cy="887669"/>
+            <a:off x="554852" y="4895675"/>
+            <a:ext cx="4902702" cy="1023172"/>
           </a:xfrm>
         </p:spPr>
       </p:pic>
@@ -14667,8 +14108,8 @@
         </p:blipFill>
         <p:spPr>
           <a:xfrm>
-            <a:off x="4765316" y="1958943"/>
-            <a:ext cx="4353850" cy="860151"/>
+            <a:off x="1233918" y="1677037"/>
+            <a:ext cx="5208481" cy="1028993"/>
           </a:xfrm>
           <a:prstGeom prst="rect">
             <a:avLst/>
@@ -14689,8 +14130,8 @@
         </p:nvSpPr>
         <p:spPr>
           <a:xfrm>
-            <a:off x="806780" y="2572197"/>
-            <a:ext cx="3151849" cy="369332"/>
+            <a:off x="482928" y="3278263"/>
+            <a:ext cx="1487460" cy="584775"/>
           </a:xfrm>
           <a:prstGeom prst="rect">
             <a:avLst/>
@@ -14704,16 +14145,590 @@
           <a:lstStyle/>
           <a:p>
             <a:r>
-              <a:rPr lang="it-IT" dirty="0"/>
-              <a:t>SEQUENCE OF EVENTS</a:t>
-            </a:r>
+              <a:rPr lang="it-IT" sz="1600" b="1" dirty="0">
+                <a:solidFill>
+                  <a:srgbClr val="156082"/>
+                </a:solidFill>
+              </a:rPr>
+              <a:t>SEQUENCE </a:t>
+            </a:r>
+          </a:p>
+          <a:p>
+            <a:r>
+              <a:rPr lang="it-IT" sz="1600" b="1" dirty="0">
+                <a:solidFill>
+                  <a:srgbClr val="156082"/>
+                </a:solidFill>
+              </a:rPr>
+              <a:t>OF EVENTS</a:t>
+            </a:r>
+          </a:p>
+        </p:txBody>
+      </p:sp>
+      <p:cxnSp>
+        <p:nvCxnSpPr>
+          <p:cNvPr id="16" name="Connettore diritto 15">
+            <a:extLst>
+              <a:ext uri="{FF2B5EF4-FFF2-40B4-BE49-F238E27FC236}">
+                <a16:creationId xmlns:a16="http://schemas.microsoft.com/office/drawing/2014/main" id="{F0DA322A-FD41-C9F8-F2CD-8ECBF1A4A793}"/>
+              </a:ext>
+            </a:extLst>
+          </p:cNvPr>
+          <p:cNvCxnSpPr>
+            <a:cxnSpLocks/>
+          </p:cNvCxnSpPr>
+          <p:nvPr/>
+        </p:nvCxnSpPr>
+        <p:spPr>
+          <a:xfrm flipH="1" flipV="1">
+            <a:off x="488012" y="3928839"/>
+            <a:ext cx="4477271" cy="5821"/>
+          </a:xfrm>
+          <a:prstGeom prst="line">
+            <a:avLst/>
+          </a:prstGeom>
+          <a:ln>
+            <a:solidFill>
+              <a:schemeClr val="bg1">
+                <a:lumMod val="85000"/>
+              </a:schemeClr>
+            </a:solidFill>
+          </a:ln>
+        </p:spPr>
+        <p:style>
+          <a:lnRef idx="2">
+            <a:schemeClr val="accent1"/>
+          </a:lnRef>
+          <a:fillRef idx="0">
+            <a:schemeClr val="accent1"/>
+          </a:fillRef>
+          <a:effectRef idx="1">
+            <a:schemeClr val="accent1"/>
+          </a:effectRef>
+          <a:fontRef idx="minor">
+            <a:schemeClr val="tx1"/>
+          </a:fontRef>
+        </p:style>
+      </p:cxnSp>
+      <p:sp>
+        <p:nvSpPr>
+          <p:cNvPr id="17" name="Ovale 16">
+            <a:extLst>
+              <a:ext uri="{FF2B5EF4-FFF2-40B4-BE49-F238E27FC236}">
+                <a16:creationId xmlns:a16="http://schemas.microsoft.com/office/drawing/2014/main" id="{5276740D-51A4-555C-5993-67C9F98A2AA0}"/>
+              </a:ext>
+            </a:extLst>
+          </p:cNvPr>
+          <p:cNvSpPr/>
+          <p:nvPr/>
+        </p:nvSpPr>
+        <p:spPr>
+          <a:xfrm>
+            <a:off x="2623413" y="3825854"/>
+            <a:ext cx="206468" cy="205200"/>
+          </a:xfrm>
+          <a:prstGeom prst="ellipse">
+            <a:avLst/>
+          </a:prstGeom>
+          <a:solidFill>
+            <a:srgbClr val="156082"/>
+          </a:solidFill>
+          <a:ln>
+            <a:solidFill>
+              <a:srgbClr val="156082"/>
+            </a:solidFill>
+          </a:ln>
+        </p:spPr>
+        <p:style>
+          <a:lnRef idx="2">
+            <a:schemeClr val="accent1">
+              <a:shade val="15000"/>
+            </a:schemeClr>
+          </a:lnRef>
+          <a:fillRef idx="1">
+            <a:schemeClr val="accent1"/>
+          </a:fillRef>
+          <a:effectRef idx="0">
+            <a:schemeClr val="accent1"/>
+          </a:effectRef>
+          <a:fontRef idx="minor">
+            <a:schemeClr val="lt1"/>
+          </a:fontRef>
+        </p:style>
+        <p:txBody>
+          <a:bodyPr rtlCol="0" anchor="ctr"/>
+          <a:lstStyle/>
+          <a:p>
+            <a:pPr algn="ctr"/>
+            <a:endParaRPr lang="it-IT"/>
+          </a:p>
+        </p:txBody>
+      </p:sp>
+      <p:sp>
+        <p:nvSpPr>
+          <p:cNvPr id="19" name="Ovale 18">
+            <a:extLst>
+              <a:ext uri="{FF2B5EF4-FFF2-40B4-BE49-F238E27FC236}">
+                <a16:creationId xmlns:a16="http://schemas.microsoft.com/office/drawing/2014/main" id="{761FD746-E0BB-6E8C-F1A2-92E61FFE04A4}"/>
+              </a:ext>
+            </a:extLst>
+          </p:cNvPr>
+          <p:cNvSpPr/>
+          <p:nvPr/>
+        </p:nvSpPr>
+        <p:spPr>
+          <a:xfrm>
+            <a:off x="3683980" y="3821474"/>
+            <a:ext cx="206468" cy="205200"/>
+          </a:xfrm>
+          <a:prstGeom prst="ellipse">
+            <a:avLst/>
+          </a:prstGeom>
+          <a:solidFill>
+            <a:srgbClr val="1BB3E4"/>
+          </a:solidFill>
+          <a:ln>
+            <a:solidFill>
+              <a:srgbClr val="1BB3E4"/>
+            </a:solidFill>
+          </a:ln>
+        </p:spPr>
+        <p:style>
+          <a:lnRef idx="2">
+            <a:schemeClr val="accent1">
+              <a:shade val="15000"/>
+            </a:schemeClr>
+          </a:lnRef>
+          <a:fillRef idx="1">
+            <a:schemeClr val="accent1"/>
+          </a:fillRef>
+          <a:effectRef idx="0">
+            <a:schemeClr val="accent1"/>
+          </a:effectRef>
+          <a:fontRef idx="minor">
+            <a:schemeClr val="lt1"/>
+          </a:fontRef>
+        </p:style>
+        <p:txBody>
+          <a:bodyPr rtlCol="0" anchor="ctr"/>
+          <a:lstStyle/>
+          <a:p>
+            <a:pPr algn="ctr"/>
+            <a:endParaRPr lang="it-IT"/>
+          </a:p>
+        </p:txBody>
+      </p:sp>
+      <p:pic>
+        <p:nvPicPr>
+          <p:cNvPr id="40" name="Segnaposto contenuto 10">
+            <a:extLst>
+              <a:ext uri="{FF2B5EF4-FFF2-40B4-BE49-F238E27FC236}">
+                <a16:creationId xmlns:a16="http://schemas.microsoft.com/office/drawing/2014/main" id="{4AD4FF39-2928-2C9D-EDEC-919D067B4057}"/>
+              </a:ext>
+            </a:extLst>
+          </p:cNvPr>
+          <p:cNvPicPr>
+            <a:picLocks noChangeAspect="1"/>
+          </p:cNvPicPr>
+          <p:nvPr/>
+        </p:nvPicPr>
+        <p:blipFill>
+          <a:blip r:embed="rId6"/>
+          <a:stretch>
+            <a:fillRect/>
+          </a:stretch>
+        </p:blipFill>
+        <p:spPr>
+          <a:xfrm>
+            <a:off x="8047500" y="2100162"/>
+            <a:ext cx="3538460" cy="848708"/>
+          </a:xfrm>
+          <a:prstGeom prst="rect">
+            <a:avLst/>
+          </a:prstGeom>
+        </p:spPr>
+      </p:pic>
+      <p:pic>
+        <p:nvPicPr>
+          <p:cNvPr id="41" name="Immagine 40">
+            <a:extLst>
+              <a:ext uri="{FF2B5EF4-FFF2-40B4-BE49-F238E27FC236}">
+                <a16:creationId xmlns:a16="http://schemas.microsoft.com/office/drawing/2014/main" id="{ADEA841C-FD3C-671C-A520-99531DEA96D4}"/>
+              </a:ext>
+            </a:extLst>
+          </p:cNvPr>
+          <p:cNvPicPr>
+            <a:picLocks noChangeAspect="1"/>
+          </p:cNvPicPr>
+          <p:nvPr/>
+        </p:nvPicPr>
+        <p:blipFill>
+          <a:blip r:embed="rId7"/>
+          <a:stretch>
+            <a:fillRect/>
+          </a:stretch>
+        </p:blipFill>
+        <p:spPr>
+          <a:xfrm>
+            <a:off x="8036037" y="4047138"/>
+            <a:ext cx="3549923" cy="858008"/>
+          </a:xfrm>
+          <a:prstGeom prst="rect">
+            <a:avLst/>
+          </a:prstGeom>
+        </p:spPr>
+      </p:pic>
+      <p:pic>
+        <p:nvPicPr>
+          <p:cNvPr id="42" name="Immagine 41">
+            <a:extLst>
+              <a:ext uri="{FF2B5EF4-FFF2-40B4-BE49-F238E27FC236}">
+                <a16:creationId xmlns:a16="http://schemas.microsoft.com/office/drawing/2014/main" id="{B453F993-0864-85C6-62D1-A1BE3AF55159}"/>
+              </a:ext>
+            </a:extLst>
+          </p:cNvPr>
+          <p:cNvPicPr>
+            <a:picLocks noChangeAspect="1"/>
+          </p:cNvPicPr>
+          <p:nvPr/>
+        </p:nvPicPr>
+        <p:blipFill>
+          <a:blip r:embed="rId8"/>
+          <a:stretch>
+            <a:fillRect/>
+          </a:stretch>
+        </p:blipFill>
+        <p:spPr>
+          <a:xfrm>
+            <a:off x="8047649" y="3161487"/>
+            <a:ext cx="3549923" cy="659837"/>
+          </a:xfrm>
+          <a:prstGeom prst="rect">
+            <a:avLst/>
+          </a:prstGeom>
+        </p:spPr>
+      </p:pic>
+      <p:sp>
+        <p:nvSpPr>
+          <p:cNvPr id="43" name="CasellaDiTesto 42">
+            <a:extLst>
+              <a:ext uri="{FF2B5EF4-FFF2-40B4-BE49-F238E27FC236}">
+                <a16:creationId xmlns:a16="http://schemas.microsoft.com/office/drawing/2014/main" id="{3895236F-C885-5E38-9550-7E3503633843}"/>
+              </a:ext>
+            </a:extLst>
+          </p:cNvPr>
+          <p:cNvSpPr txBox="1"/>
+          <p:nvPr/>
+        </p:nvSpPr>
+        <p:spPr>
+          <a:xfrm>
+            <a:off x="8362133" y="5130960"/>
+            <a:ext cx="3534900" cy="1354217"/>
+          </a:xfrm>
+          <a:prstGeom prst="rect">
+            <a:avLst/>
+          </a:prstGeom>
+          <a:noFill/>
+        </p:spPr>
+        <p:txBody>
+          <a:bodyPr wrap="square" rtlCol="0">
+            <a:spAutoFit/>
+          </a:bodyPr>
+          <a:lstStyle/>
+          <a:p>
+            <a:r>
+              <a:rPr lang="it-IT" sz="1600" dirty="0"/>
+              <a:t>e</a:t>
+            </a:r>
+            <a:r>
+              <a:rPr lang="it-IT" sz="1600" baseline="-25000" dirty="0"/>
+              <a:t>0 </a:t>
+            </a:r>
+            <a:r>
+              <a:rPr lang="it-IT" sz="1600" baseline="30000" dirty="0">
+                <a:sym typeface="Wingdings" panose="05000000000000000000" pitchFamily="2" charset="2"/>
+              </a:rPr>
+              <a:t>1</a:t>
+            </a:r>
+            <a:r>
+              <a:rPr lang="it-IT" sz="1600" dirty="0"/>
+              <a:t> </a:t>
+            </a:r>
+            <a:r>
+              <a:rPr lang="it-IT" sz="1600" dirty="0">
+                <a:sym typeface="Wingdings" panose="05000000000000000000" pitchFamily="2" charset="2"/>
+              </a:rPr>
+              <a:t> e</a:t>
+            </a:r>
+            <a:r>
+              <a:rPr lang="it-IT" sz="1600" baseline="-25000" dirty="0">
+                <a:sym typeface="Wingdings" panose="05000000000000000000" pitchFamily="2" charset="2"/>
+              </a:rPr>
+              <a:t>2 </a:t>
+            </a:r>
+            <a:r>
+              <a:rPr lang="it-IT" sz="1600" baseline="30000" dirty="0">
+                <a:sym typeface="Wingdings" panose="05000000000000000000" pitchFamily="2" charset="2"/>
+              </a:rPr>
+              <a:t>1</a:t>
+            </a:r>
+            <a:r>
+              <a:rPr lang="it-IT" sz="1600" dirty="0">
+                <a:sym typeface="Wingdings" panose="05000000000000000000" pitchFamily="2" charset="2"/>
+              </a:rPr>
+              <a:t>                   V</a:t>
+            </a:r>
+            <a:r>
+              <a:rPr lang="it-IT" sz="1600" baseline="-25000" dirty="0">
+                <a:sym typeface="Wingdings" panose="05000000000000000000" pitchFamily="2" charset="2"/>
+              </a:rPr>
+              <a:t>2 </a:t>
+            </a:r>
+            <a:r>
+              <a:rPr lang="it-IT" sz="1600" dirty="0">
+                <a:sym typeface="Wingdings" panose="05000000000000000000" pitchFamily="2" charset="2"/>
+              </a:rPr>
+              <a:t>[1, 0] = 1 </a:t>
+            </a:r>
+            <a:r>
+              <a:rPr lang="it-IT" sz="1600" dirty="0">
+                <a:sym typeface="Symbol" panose="05050102010706020507" pitchFamily="18" charset="2"/>
+              </a:rPr>
+              <a:t></a:t>
+            </a:r>
+            <a:r>
+              <a:rPr lang="it-IT" sz="1600" dirty="0">
+                <a:sym typeface="Wingdings" panose="05000000000000000000" pitchFamily="2" charset="2"/>
+              </a:rPr>
+              <a:t> 1</a:t>
+            </a:r>
+          </a:p>
+          <a:p>
+            <a:r>
+              <a:rPr lang="it-IT" sz="1600" dirty="0">
+                <a:sym typeface="Wingdings" panose="05000000000000000000" pitchFamily="2" charset="2"/>
+              </a:rPr>
+              <a:t>e</a:t>
+            </a:r>
+            <a:r>
+              <a:rPr lang="it-IT" sz="1600" baseline="-25000" dirty="0">
+                <a:sym typeface="Wingdings" panose="05000000000000000000" pitchFamily="2" charset="2"/>
+              </a:rPr>
+              <a:t>1 </a:t>
+            </a:r>
+            <a:r>
+              <a:rPr lang="it-IT" sz="1600" baseline="30000" dirty="0">
+                <a:sym typeface="Wingdings" panose="05000000000000000000" pitchFamily="2" charset="2"/>
+              </a:rPr>
+              <a:t>2</a:t>
+            </a:r>
+            <a:r>
+              <a:rPr lang="it-IT" sz="1600" dirty="0">
+                <a:sym typeface="Wingdings" panose="05000000000000000000" pitchFamily="2" charset="2"/>
+              </a:rPr>
+              <a:t>  e</a:t>
+            </a:r>
+            <a:r>
+              <a:rPr lang="it-IT" sz="1600" baseline="-25000" dirty="0">
+                <a:sym typeface="Wingdings" panose="05000000000000000000" pitchFamily="2" charset="2"/>
+              </a:rPr>
+              <a:t>2 </a:t>
+            </a:r>
+            <a:r>
+              <a:rPr lang="it-IT" sz="1600" baseline="30000" dirty="0">
+                <a:sym typeface="Wingdings" panose="05000000000000000000" pitchFamily="2" charset="2"/>
+              </a:rPr>
+              <a:t>1                             </a:t>
+            </a:r>
+            <a:r>
+              <a:rPr lang="it-IT" sz="1600" dirty="0">
+                <a:sym typeface="Wingdings" panose="05000000000000000000" pitchFamily="2" charset="2"/>
+              </a:rPr>
+              <a:t>V</a:t>
+            </a:r>
+            <a:r>
+              <a:rPr lang="it-IT" sz="1600" baseline="-25000" dirty="0">
+                <a:sym typeface="Wingdings" panose="05000000000000000000" pitchFamily="2" charset="2"/>
+              </a:rPr>
+              <a:t>2 </a:t>
+            </a:r>
+            <a:r>
+              <a:rPr lang="it-IT" sz="1600" dirty="0">
+                <a:sym typeface="Wingdings" panose="05000000000000000000" pitchFamily="2" charset="2"/>
+              </a:rPr>
+              <a:t>[1, 1] = 0 </a:t>
+            </a:r>
+            <a:r>
+              <a:rPr lang="it-IT" sz="1600" dirty="0">
+                <a:sym typeface="Symbol" panose="05050102010706020507" pitchFamily="18" charset="2"/>
+              </a:rPr>
+              <a:t></a:t>
+            </a:r>
+            <a:r>
+              <a:rPr lang="it-IT" sz="1600" dirty="0">
+                <a:sym typeface="Wingdings" panose="05000000000000000000" pitchFamily="2" charset="2"/>
+              </a:rPr>
+              <a:t> 2 </a:t>
+            </a:r>
+          </a:p>
+          <a:p>
+            <a:endParaRPr lang="it-IT" sz="1600" dirty="0">
+              <a:sym typeface="Wingdings" panose="05000000000000000000" pitchFamily="2" charset="2"/>
+            </a:endParaRPr>
+          </a:p>
+          <a:p>
+            <a:endParaRPr lang="it-IT" sz="1600" dirty="0">
+              <a:sym typeface="Wingdings" panose="05000000000000000000" pitchFamily="2" charset="2"/>
+            </a:endParaRPr>
+          </a:p>
+          <a:p>
+            <a:endParaRPr lang="it-IT" dirty="0">
+              <a:sym typeface="Wingdings" panose="05000000000000000000" pitchFamily="2" charset="2"/>
+            </a:endParaRPr>
+          </a:p>
+        </p:txBody>
+      </p:sp>
+      <p:cxnSp>
+        <p:nvCxnSpPr>
+          <p:cNvPr id="44" name="Connettore diritto 43">
+            <a:extLst>
+              <a:ext uri="{FF2B5EF4-FFF2-40B4-BE49-F238E27FC236}">
+                <a16:creationId xmlns:a16="http://schemas.microsoft.com/office/drawing/2014/main" id="{748CE38E-3987-EA8B-26F4-5BD395D59946}"/>
+              </a:ext>
+            </a:extLst>
+          </p:cNvPr>
+          <p:cNvCxnSpPr>
+            <a:cxnSpLocks/>
+          </p:cNvCxnSpPr>
+          <p:nvPr/>
+        </p:nvCxnSpPr>
+        <p:spPr>
+          <a:xfrm>
+            <a:off x="11597572" y="3171319"/>
+            <a:ext cx="0" cy="648000"/>
+          </a:xfrm>
+          <a:prstGeom prst="line">
+            <a:avLst/>
+          </a:prstGeom>
+          <a:ln>
+            <a:solidFill>
+              <a:schemeClr val="bg2">
+                <a:lumMod val="50000"/>
+              </a:schemeClr>
+            </a:solidFill>
+          </a:ln>
+        </p:spPr>
+        <p:style>
+          <a:lnRef idx="2">
+            <a:schemeClr val="dk1"/>
+          </a:lnRef>
+          <a:fillRef idx="0">
+            <a:schemeClr val="dk1"/>
+          </a:fillRef>
+          <a:effectRef idx="1">
+            <a:schemeClr val="dk1"/>
+          </a:effectRef>
+          <a:fontRef idx="minor">
+            <a:schemeClr val="tx1"/>
+          </a:fontRef>
+        </p:style>
+      </p:cxnSp>
+      <p:cxnSp>
+        <p:nvCxnSpPr>
+          <p:cNvPr id="45" name="Connettore diritto 44">
+            <a:extLst>
+              <a:ext uri="{FF2B5EF4-FFF2-40B4-BE49-F238E27FC236}">
+                <a16:creationId xmlns:a16="http://schemas.microsoft.com/office/drawing/2014/main" id="{C5933A68-01EC-BC73-4A05-E3A5806E557A}"/>
+              </a:ext>
+            </a:extLst>
+          </p:cNvPr>
+          <p:cNvCxnSpPr>
+            <a:cxnSpLocks/>
+          </p:cNvCxnSpPr>
+          <p:nvPr/>
+        </p:nvCxnSpPr>
+        <p:spPr>
+          <a:xfrm>
+            <a:off x="11585960" y="4047138"/>
+            <a:ext cx="1780" cy="858008"/>
+          </a:xfrm>
+          <a:prstGeom prst="line">
+            <a:avLst/>
+          </a:prstGeom>
+          <a:ln>
+            <a:solidFill>
+              <a:schemeClr val="bg2">
+                <a:lumMod val="50000"/>
+              </a:schemeClr>
+            </a:solidFill>
+          </a:ln>
+        </p:spPr>
+        <p:style>
+          <a:lnRef idx="2">
+            <a:schemeClr val="dk1"/>
+          </a:lnRef>
+          <a:fillRef idx="0">
+            <a:schemeClr val="dk1"/>
+          </a:fillRef>
+          <a:effectRef idx="1">
+            <a:schemeClr val="dk1"/>
+          </a:effectRef>
+          <a:fontRef idx="minor">
+            <a:schemeClr val="tx1"/>
+          </a:fontRef>
+        </p:style>
+      </p:cxnSp>
+      <p:sp>
+        <p:nvSpPr>
+          <p:cNvPr id="48" name="Parentesi graffa chiusa 47">
+            <a:extLst>
+              <a:ext uri="{FF2B5EF4-FFF2-40B4-BE49-F238E27FC236}">
+                <a16:creationId xmlns:a16="http://schemas.microsoft.com/office/drawing/2014/main" id="{3ACAF942-B29C-98F6-43E2-A14467287AFD}"/>
+              </a:ext>
+            </a:extLst>
+          </p:cNvPr>
+          <p:cNvSpPr/>
+          <p:nvPr/>
+        </p:nvSpPr>
+        <p:spPr>
+          <a:xfrm>
+            <a:off x="7621814" y="1809135"/>
+            <a:ext cx="319091" cy="3837854"/>
+          </a:xfrm>
+          <a:prstGeom prst="rightBrace">
+            <a:avLst>
+              <a:gd name="adj1" fmla="val 126770"/>
+              <a:gd name="adj2" fmla="val 52818"/>
+            </a:avLst>
+          </a:prstGeom>
+        </p:spPr>
+        <p:style>
+          <a:lnRef idx="2">
+            <a:schemeClr val="accent1"/>
+          </a:lnRef>
+          <a:fillRef idx="0">
+            <a:schemeClr val="accent1"/>
+          </a:fillRef>
+          <a:effectRef idx="1">
+            <a:schemeClr val="accent1"/>
+          </a:effectRef>
+          <a:fontRef idx="minor">
+            <a:schemeClr val="tx1"/>
+          </a:fontRef>
+        </p:style>
+        <p:txBody>
+          <a:bodyPr rtlCol="0" anchor="ctr"/>
+          <a:lstStyle/>
+          <a:p>
+            <a:pPr algn="ctr"/>
+            <a:endParaRPr lang="it-IT"/>
           </a:p>
         </p:txBody>
       </p:sp>
     </p:spTree>
     <p:extLst>
       <p:ext uri="{BB962C8B-B14F-4D97-AF65-F5344CB8AC3E}">
-        <p14:creationId xmlns:p14="http://schemas.microsoft.com/office/powerpoint/2010/main" val="3098706225"/>
+        <p14:creationId xmlns:p14="http://schemas.microsoft.com/office/powerpoint/2010/main" val="4161220883"/>
       </p:ext>
     </p:extLst>
   </p:cSld>
@@ -14723,6 +14738,116 @@
   <p:transition spd="slow">
     <p:cover/>
   </p:transition>
+</p:sld>
+</file>
+
+<file path=ppt/slides/slide9.xml><?xml version="1.0" encoding="utf-8"?>
+<p:sld xmlns:a="http://schemas.openxmlformats.org/drawingml/2006/main" xmlns:r="http://schemas.openxmlformats.org/officeDocument/2006/relationships" xmlns:p="http://schemas.openxmlformats.org/presentationml/2006/main">
+  <p:cSld>
+    <p:bg>
+      <p:bgPr>
+        <a:blipFill dpi="0" rotWithShape="1">
+          <a:blip r:embed="rId2">
+            <a:lum/>
+          </a:blip>
+          <a:srcRect/>
+          <a:stretch>
+            <a:fillRect/>
+          </a:stretch>
+        </a:blipFill>
+        <a:effectLst/>
+      </p:bgPr>
+    </p:bg>
+    <p:spTree>
+      <p:nvGrpSpPr>
+        <p:cNvPr id="1" name=""/>
+        <p:cNvGrpSpPr/>
+        <p:nvPr/>
+      </p:nvGrpSpPr>
+      <p:grpSpPr>
+        <a:xfrm>
+          <a:off x="0" y="0"/>
+          <a:ext cx="0" cy="0"/>
+          <a:chOff x="0" y="0"/>
+          <a:chExt cx="0" cy="0"/>
+        </a:xfrm>
+      </p:grpSpPr>
+      <p:sp>
+        <p:nvSpPr>
+          <p:cNvPr id="2" name="Titolo 1">
+            <a:extLst>
+              <a:ext uri="{FF2B5EF4-FFF2-40B4-BE49-F238E27FC236}">
+                <a16:creationId xmlns:a16="http://schemas.microsoft.com/office/drawing/2014/main" id="{97133C2A-A702-7BB0-01BC-F9DB2D6A4487}"/>
+              </a:ext>
+            </a:extLst>
+          </p:cNvPr>
+          <p:cNvSpPr>
+            <a:spLocks noGrp="1"/>
+          </p:cNvSpPr>
+          <p:nvPr>
+            <p:ph type="ctrTitle"/>
+          </p:nvPr>
+        </p:nvSpPr>
+        <p:spPr>
+          <a:xfrm>
+            <a:off x="0" y="3429000"/>
+            <a:ext cx="6278880" cy="1838960"/>
+          </a:xfrm>
+        </p:spPr>
+        <p:txBody>
+          <a:bodyPr>
+            <a:normAutofit fontScale="90000"/>
+          </a:bodyPr>
+          <a:lstStyle/>
+          <a:p>
+            <a:r>
+              <a:rPr lang="it-IT" dirty="0">
+                <a:solidFill>
+                  <a:srgbClr val="0B76A0"/>
+                </a:solidFill>
+                <a:latin typeface="Berlin Sans FB Demi" panose="020E0802020502020306" pitchFamily="34" charset="0"/>
+              </a:rPr>
+              <a:t>THANKS FOR YOUR ATTENTION! </a:t>
+            </a:r>
+            <a:br>
+              <a:rPr lang="it-IT" dirty="0">
+                <a:solidFill>
+                  <a:srgbClr val="0B76A0"/>
+                </a:solidFill>
+                <a:latin typeface="Berlin Sans FB Demi" panose="020E0802020502020306" pitchFamily="34" charset="0"/>
+              </a:rPr>
+            </a:br>
+            <a:endParaRPr lang="it-IT" dirty="0">
+              <a:solidFill>
+                <a:srgbClr val="0B76A0"/>
+              </a:solidFill>
+              <a:latin typeface="Berlin Sans FB Demi" panose="020E0802020502020306" pitchFamily="34" charset="0"/>
+            </a:endParaRPr>
+          </a:p>
+        </p:txBody>
+      </p:sp>
+    </p:spTree>
+    <p:extLst>
+      <p:ext uri="{BB962C8B-B14F-4D97-AF65-F5344CB8AC3E}">
+        <p14:creationId xmlns:p14="http://schemas.microsoft.com/office/powerpoint/2010/main" val="88088807"/>
+      </p:ext>
+    </p:extLst>
+  </p:cSld>
+  <p:clrMapOvr>
+    <a:masterClrMapping/>
+  </p:clrMapOvr>
+  <mc:AlternateContent xmlns:mc="http://schemas.openxmlformats.org/markup-compatibility/2006" xmlns:p14="http://schemas.microsoft.com/office/powerpoint/2010/main">
+    <mc:Choice Requires="p14">
+      <p:transition spd="med" p14:dur="700">
+        <p:fade/>
+      </p:transition>
+    </mc:Choice>
+    <mc:Fallback xmlns="">
+      <p:transition spd="med">
+        <p:fade/>
+      </p:transition>
+    </mc:Fallback>
+  </mc:AlternateContent>
 </p:sld>
 </file>
 
